--- a/PowerPoint/Softwareprojekt-ToDo-App.pptx
+++ b/PowerPoint/Softwareprojekt-ToDo-App.pptx
@@ -4,12 +4,17 @@
   <p:sldMasterIdLst>
     <p:sldMasterId id="2147483648" r:id="rId1"/>
   </p:sldMasterIdLst>
+  <p:notesMasterIdLst>
+    <p:notesMasterId r:id="rId9"/>
+  </p:notesMasterIdLst>
   <p:sldIdLst>
     <p:sldId id="256" r:id="rId2"/>
     <p:sldId id="257" r:id="rId3"/>
-    <p:sldId id="258" r:id="rId4"/>
-    <p:sldId id="260" r:id="rId5"/>
-    <p:sldId id="259" r:id="rId6"/>
+    <p:sldId id="259" r:id="rId4"/>
+    <p:sldId id="258" r:id="rId5"/>
+    <p:sldId id="261" r:id="rId6"/>
+    <p:sldId id="262" r:id="rId7"/>
+    <p:sldId id="263" r:id="rId8"/>
   </p:sldIdLst>
   <p:sldSz cx="12192000" cy="6858000"/>
   <p:notesSz cx="6858000" cy="9144000"/>
@@ -116,14 +121,6 @@
 </p:presentation>
 </file>
 
-<file path=ppt/revisionInfo.xml><?xml version="1.0" encoding="utf-8"?>
-<p1510:revInfo xmlns:a="http://schemas.openxmlformats.org/drawingml/2006/main" xmlns:r="http://schemas.openxmlformats.org/officeDocument/2006/relationships" xmlns:p1510="http://schemas.microsoft.com/office/powerpoint/2015/10/main">
-  <p1510:revLst>
-    <p1510:client id="{C70C9576-54A3-41CE-8181-024DB90D3A2A}" v="101" dt="2024-05-29T09:30:00.813"/>
-  </p1510:revLst>
-</p1510:revInfo>
-</file>
-
 <file path=ppt/changesInfos/changesInfo1.xml><?xml version="1.0" encoding="utf-8"?>
 <pc:chgInfo xmlns:a="http://schemas.openxmlformats.org/drawingml/2006/main" xmlns:r="http://schemas.openxmlformats.org/officeDocument/2006/relationships" xmlns:ac="http://schemas.microsoft.com/office/drawing/2013/main/command" xmlns:pc="http://schemas.microsoft.com/office/powerpoint/2013/main/command">
   <pc:docChgLst>
@@ -472,6 +469,218 @@
             <ac:picMk id="5" creationId="{F82E704A-C778-455A-4705-7101175F4905}"/>
           </ac:picMkLst>
         </pc:picChg>
+      </pc:sldChg>
+    </pc:docChg>
+  </pc:docChgLst>
+  <pc:docChgLst>
+    <pc:chgData name="Leo Meißner" userId="bfd784053eb3a000" providerId="LiveId" clId="{FFA958C6-7F3A-486B-8EF9-F8A61D1DEA01}"/>
+    <pc:docChg chg="delSld">
+      <pc:chgData name="Leo Meißner" userId="bfd784053eb3a000" providerId="LiveId" clId="{FFA958C6-7F3A-486B-8EF9-F8A61D1DEA01}" dt="2024-06-20T05:46:09.034" v="0" actId="2696"/>
+      <pc:docMkLst>
+        <pc:docMk/>
+      </pc:docMkLst>
+      <pc:sldChg chg="del">
+        <pc:chgData name="Leo Meißner" userId="bfd784053eb3a000" providerId="LiveId" clId="{FFA958C6-7F3A-486B-8EF9-F8A61D1DEA01}" dt="2024-06-20T05:46:09.034" v="0" actId="2696"/>
+        <pc:sldMkLst>
+          <pc:docMk/>
+          <pc:sldMk cId="958449410" sldId="260"/>
+        </pc:sldMkLst>
+      </pc:sldChg>
+    </pc:docChg>
+  </pc:docChgLst>
+  <pc:docChgLst>
+    <pc:chgData name="Jonathan Gaede" userId="0e6262c3918f0508" providerId="LiveId" clId="{AFFC0217-1D0F-4728-8393-E0BBA865F333}"/>
+    <pc:docChg chg="undo custSel modSld sldOrd">
+      <pc:chgData name="Jonathan Gaede" userId="0e6262c3918f0508" providerId="LiveId" clId="{AFFC0217-1D0F-4728-8393-E0BBA865F333}" dt="2024-06-19T05:35:43.222" v="1089" actId="729"/>
+      <pc:docMkLst>
+        <pc:docMk/>
+      </pc:docMkLst>
+      <pc:sldChg chg="delSp modSp mod">
+        <pc:chgData name="Jonathan Gaede" userId="0e6262c3918f0508" providerId="LiveId" clId="{AFFC0217-1D0F-4728-8393-E0BBA865F333}" dt="2024-06-18T20:59:04.588" v="14" actId="20577"/>
+        <pc:sldMkLst>
+          <pc:docMk/>
+          <pc:sldMk cId="1656990278" sldId="256"/>
+        </pc:sldMkLst>
+        <pc:spChg chg="mod">
+          <ac:chgData name="Jonathan Gaede" userId="0e6262c3918f0508" providerId="LiveId" clId="{AFFC0217-1D0F-4728-8393-E0BBA865F333}" dt="2024-06-18T20:59:04.588" v="14" actId="20577"/>
+          <ac:spMkLst>
+            <pc:docMk/>
+            <pc:sldMk cId="1656990278" sldId="256"/>
+            <ac:spMk id="2" creationId="{AD834605-C957-E8C6-3AA5-66DA65D990A0}"/>
+          </ac:spMkLst>
+        </pc:spChg>
+        <pc:spChg chg="del">
+          <ac:chgData name="Jonathan Gaede" userId="0e6262c3918f0508" providerId="LiveId" clId="{AFFC0217-1D0F-4728-8393-E0BBA865F333}" dt="2024-06-18T20:58:56.664" v="8" actId="478"/>
+          <ac:spMkLst>
+            <pc:docMk/>
+            <pc:sldMk cId="1656990278" sldId="256"/>
+            <ac:spMk id="3" creationId="{B5A3DD36-30B2-FD18-C745-C31190F0AF4A}"/>
+          </ac:spMkLst>
+        </pc:spChg>
+      </pc:sldChg>
+      <pc:sldChg chg="addSp delSp modSp mod ord modAnim modShow">
+        <pc:chgData name="Jonathan Gaede" userId="0e6262c3918f0508" providerId="LiveId" clId="{AFFC0217-1D0F-4728-8393-E0BBA865F333}" dt="2024-06-18T21:28:35.034" v="845" actId="20577"/>
+        <pc:sldMkLst>
+          <pc:docMk/>
+          <pc:sldMk cId="1462040921" sldId="257"/>
+        </pc:sldMkLst>
+        <pc:spChg chg="add mod ord">
+          <ac:chgData name="Jonathan Gaede" userId="0e6262c3918f0508" providerId="LiveId" clId="{AFFC0217-1D0F-4728-8393-E0BBA865F333}" dt="2024-06-18T21:18:04.656" v="650" actId="171"/>
+          <ac:spMkLst>
+            <pc:docMk/>
+            <pc:sldMk cId="1462040921" sldId="257"/>
+            <ac:spMk id="2" creationId="{4A6A2F27-8EBF-ECF4-1717-56ED42A30035}"/>
+          </ac:spMkLst>
+        </pc:spChg>
+        <pc:spChg chg="mod ord">
+          <ac:chgData name="Jonathan Gaede" userId="0e6262c3918f0508" providerId="LiveId" clId="{AFFC0217-1D0F-4728-8393-E0BBA865F333}" dt="2024-06-18T21:17:56.391" v="648" actId="171"/>
+          <ac:spMkLst>
+            <pc:docMk/>
+            <pc:sldMk cId="1462040921" sldId="257"/>
+            <ac:spMk id="7" creationId="{66A07C10-F36A-A47A-0BC1-56CE4F92C43E}"/>
+          </ac:spMkLst>
+        </pc:spChg>
+        <pc:spChg chg="mod">
+          <ac:chgData name="Jonathan Gaede" userId="0e6262c3918f0508" providerId="LiveId" clId="{AFFC0217-1D0F-4728-8393-E0BBA865F333}" dt="2024-06-18T21:28:35.034" v="845" actId="20577"/>
+          <ac:spMkLst>
+            <pc:docMk/>
+            <pc:sldMk cId="1462040921" sldId="257"/>
+            <ac:spMk id="8" creationId="{FFD4E158-908C-EB51-8551-8F2990024D57}"/>
+          </ac:spMkLst>
+        </pc:spChg>
+        <pc:spChg chg="del">
+          <ac:chgData name="Jonathan Gaede" userId="0e6262c3918f0508" providerId="LiveId" clId="{AFFC0217-1D0F-4728-8393-E0BBA865F333}" dt="2024-06-18T21:19:14.774" v="672" actId="478"/>
+          <ac:spMkLst>
+            <pc:docMk/>
+            <pc:sldMk cId="1462040921" sldId="257"/>
+            <ac:spMk id="9" creationId="{179E25BD-6193-34FB-9580-870D52E52742}"/>
+          </ac:spMkLst>
+        </pc:spChg>
+        <pc:picChg chg="mod">
+          <ac:chgData name="Jonathan Gaede" userId="0e6262c3918f0508" providerId="LiveId" clId="{AFFC0217-1D0F-4728-8393-E0BBA865F333}" dt="2024-06-18T21:02:05.120" v="15" actId="1076"/>
+          <ac:picMkLst>
+            <pc:docMk/>
+            <pc:sldMk cId="1462040921" sldId="257"/>
+            <ac:picMk id="5" creationId="{F82E704A-C778-455A-4705-7101175F4905}"/>
+          </ac:picMkLst>
+        </pc:picChg>
+      </pc:sldChg>
+      <pc:sldChg chg="addSp modSp mod ord modAnim modShow modNotesTx">
+        <pc:chgData name="Jonathan Gaede" userId="0e6262c3918f0508" providerId="LiveId" clId="{AFFC0217-1D0F-4728-8393-E0BBA865F333}" dt="2024-06-18T21:34:38.787" v="988"/>
+        <pc:sldMkLst>
+          <pc:docMk/>
+          <pc:sldMk cId="1188828156" sldId="258"/>
+        </pc:sldMkLst>
+        <pc:spChg chg="add mod ord">
+          <ac:chgData name="Jonathan Gaede" userId="0e6262c3918f0508" providerId="LiveId" clId="{AFFC0217-1D0F-4728-8393-E0BBA865F333}" dt="2024-06-18T21:15:01.241" v="380" actId="1035"/>
+          <ac:spMkLst>
+            <pc:docMk/>
+            <pc:sldMk cId="1188828156" sldId="258"/>
+            <ac:spMk id="2" creationId="{BD552148-9ACB-BD22-7D6B-2D46402E9DB8}"/>
+          </ac:spMkLst>
+        </pc:spChg>
+        <pc:spChg chg="mod">
+          <ac:chgData name="Jonathan Gaede" userId="0e6262c3918f0508" providerId="LiveId" clId="{AFFC0217-1D0F-4728-8393-E0BBA865F333}" dt="2024-06-18T21:04:13.035" v="154" actId="20577"/>
+          <ac:spMkLst>
+            <pc:docMk/>
+            <pc:sldMk cId="1188828156" sldId="258"/>
+            <ac:spMk id="6" creationId="{4402B8F0-11BD-5A66-41DB-DD40E11F5603}"/>
+          </ac:spMkLst>
+        </pc:spChg>
+        <pc:spChg chg="mod">
+          <ac:chgData name="Jonathan Gaede" userId="0e6262c3918f0508" providerId="LiveId" clId="{AFFC0217-1D0F-4728-8393-E0BBA865F333}" dt="2024-06-18T21:34:13.758" v="982" actId="20577"/>
+          <ac:spMkLst>
+            <pc:docMk/>
+            <pc:sldMk cId="1188828156" sldId="258"/>
+            <ac:spMk id="7" creationId="{37979410-7084-C75F-7677-86B2F586DC61}"/>
+          </ac:spMkLst>
+        </pc:spChg>
+      </pc:sldChg>
+      <pc:sldChg chg="addSp modSp mod ord modAnim modShow">
+        <pc:chgData name="Jonathan Gaede" userId="0e6262c3918f0508" providerId="LiveId" clId="{AFFC0217-1D0F-4728-8393-E0BBA865F333}" dt="2024-06-19T05:35:43.222" v="1089" actId="729"/>
+        <pc:sldMkLst>
+          <pc:docMk/>
+          <pc:sldMk cId="1858601621" sldId="259"/>
+        </pc:sldMkLst>
+        <pc:spChg chg="add mod">
+          <ac:chgData name="Jonathan Gaede" userId="0e6262c3918f0508" providerId="LiveId" clId="{AFFC0217-1D0F-4728-8393-E0BBA865F333}" dt="2024-06-18T21:02:20.890" v="17"/>
+          <ac:spMkLst>
+            <pc:docMk/>
+            <pc:sldMk cId="1858601621" sldId="259"/>
+            <ac:spMk id="2" creationId="{C9454028-2C64-CFB6-C8FD-E3ACBF58D12E}"/>
+          </ac:spMkLst>
+        </pc:spChg>
+        <pc:spChg chg="add mod">
+          <ac:chgData name="Jonathan Gaede" userId="0e6262c3918f0508" providerId="LiveId" clId="{AFFC0217-1D0F-4728-8393-E0BBA865F333}" dt="2024-06-18T21:02:20.890" v="17"/>
+          <ac:spMkLst>
+            <pc:docMk/>
+            <pc:sldMk cId="1858601621" sldId="259"/>
+            <ac:spMk id="3" creationId="{47567F70-56D4-5162-0110-3ACB6FB4B165}"/>
+          </ac:spMkLst>
+        </pc:spChg>
+        <pc:spChg chg="mod">
+          <ac:chgData name="Jonathan Gaede" userId="0e6262c3918f0508" providerId="LiveId" clId="{AFFC0217-1D0F-4728-8393-E0BBA865F333}" dt="2024-06-18T21:03:37.047" v="112" actId="20577"/>
+          <ac:spMkLst>
+            <pc:docMk/>
+            <pc:sldMk cId="1858601621" sldId="259"/>
+            <ac:spMk id="6" creationId="{958C7305-2A9C-1A73-2FA1-8DBD5945C1BA}"/>
+          </ac:spMkLst>
+        </pc:spChg>
+        <pc:spChg chg="mod">
+          <ac:chgData name="Jonathan Gaede" userId="0e6262c3918f0508" providerId="LiveId" clId="{AFFC0217-1D0F-4728-8393-E0BBA865F333}" dt="2024-06-18T21:38:47.234" v="1088" actId="20577"/>
+          <ac:spMkLst>
+            <pc:docMk/>
+            <pc:sldMk cId="1858601621" sldId="259"/>
+            <ac:spMk id="7" creationId="{56FB0036-EA06-71C0-6A2E-C307D7DBD752}"/>
+          </ac:spMkLst>
+        </pc:spChg>
+        <pc:spChg chg="add mod ord">
+          <ac:chgData name="Jonathan Gaede" userId="0e6262c3918f0508" providerId="LiveId" clId="{AFFC0217-1D0F-4728-8393-E0BBA865F333}" dt="2024-06-18T21:15:37.523" v="453" actId="1035"/>
+          <ac:spMkLst>
+            <pc:docMk/>
+            <pc:sldMk cId="1858601621" sldId="259"/>
+            <ac:spMk id="8" creationId="{FCA6AA8B-0C2F-C049-E58C-2AC9EFF23AEE}"/>
+          </ac:spMkLst>
+        </pc:spChg>
+        <pc:picChg chg="ord">
+          <ac:chgData name="Jonathan Gaede" userId="0e6262c3918f0508" providerId="LiveId" clId="{AFFC0217-1D0F-4728-8393-E0BBA865F333}" dt="2024-06-18T21:03:57.063" v="116" actId="171"/>
+          <ac:picMkLst>
+            <pc:docMk/>
+            <pc:sldMk cId="1858601621" sldId="259"/>
+            <ac:picMk id="5" creationId="{F82E704A-C778-455A-4705-7101175F4905}"/>
+          </ac:picMkLst>
+        </pc:picChg>
+      </pc:sldChg>
+      <pc:sldChg chg="modSp mod">
+        <pc:chgData name="Jonathan Gaede" userId="0e6262c3918f0508" providerId="LiveId" clId="{AFFC0217-1D0F-4728-8393-E0BBA865F333}" dt="2024-06-18T21:23:39.829" v="743" actId="20577"/>
+        <pc:sldMkLst>
+          <pc:docMk/>
+          <pc:sldMk cId="4112922179" sldId="262"/>
+        </pc:sldMkLst>
+        <pc:spChg chg="mod">
+          <ac:chgData name="Jonathan Gaede" userId="0e6262c3918f0508" providerId="LiveId" clId="{AFFC0217-1D0F-4728-8393-E0BBA865F333}" dt="2024-06-18T21:23:39.829" v="743" actId="20577"/>
+          <ac:spMkLst>
+            <pc:docMk/>
+            <pc:sldMk cId="4112922179" sldId="262"/>
+            <ac:spMk id="3" creationId="{B9EE4A9B-2666-9790-37FF-C472F8032ADE}"/>
+          </ac:spMkLst>
+        </pc:spChg>
+      </pc:sldChg>
+    </pc:docChg>
+  </pc:docChgLst>
+  <pc:docChgLst>
+    <pc:chgData name="Leo Meißner" userId="bfd784053eb3a000" providerId="LiveId" clId="{AC8EE26E-D80B-4512-8005-2C324009B45D}"/>
+    <pc:docChg chg="modSld">
+      <pc:chgData name="Leo Meißner" userId="bfd784053eb3a000" providerId="LiveId" clId="{AC8EE26E-D80B-4512-8005-2C324009B45D}" dt="2024-06-19T05:44:51.273" v="0" actId="729"/>
+      <pc:docMkLst>
+        <pc:docMk/>
+      </pc:docMkLst>
+      <pc:sldChg chg="mod modShow">
+        <pc:chgData name="Leo Meißner" userId="bfd784053eb3a000" providerId="LiveId" clId="{AC8EE26E-D80B-4512-8005-2C324009B45D}" dt="2024-06-19T05:44:51.273" v="0" actId="729"/>
+        <pc:sldMkLst>
+          <pc:docMk/>
+          <pc:sldMk cId="1858601621" sldId="259"/>
+        </pc:sldMkLst>
       </pc:sldChg>
     </pc:docChg>
   </pc:docChgLst>
@@ -792,7 +1001,870 @@
       </pc:sldChg>
     </pc:docChg>
   </pc:docChgLst>
+  <pc:docChgLst>
+    <pc:chgData name="Gastbenutzer" providerId="Windows Live" clId="Web-{597A2D01-5B42-4C22-9F6E-DFDE0C04A28B}"/>
+    <pc:docChg chg="addSld modSld">
+      <pc:chgData name="Gastbenutzer" userId="" providerId="Windows Live" clId="Web-{597A2D01-5B42-4C22-9F6E-DFDE0C04A28B}" dt="2024-06-18T05:33:25.836" v="306" actId="20577"/>
+      <pc:docMkLst>
+        <pc:docMk/>
+      </pc:docMkLst>
+      <pc:sldChg chg="modSp">
+        <pc:chgData name="Gastbenutzer" userId="" providerId="Windows Live" clId="Web-{597A2D01-5B42-4C22-9F6E-DFDE0C04A28B}" dt="2024-06-18T05:31:03.738" v="282" actId="20577"/>
+        <pc:sldMkLst>
+          <pc:docMk/>
+          <pc:sldMk cId="1656990278" sldId="256"/>
+        </pc:sldMkLst>
+        <pc:spChg chg="mod">
+          <ac:chgData name="Gastbenutzer" userId="" providerId="Windows Live" clId="Web-{597A2D01-5B42-4C22-9F6E-DFDE0C04A28B}" dt="2024-06-18T05:31:03.738" v="282" actId="20577"/>
+          <ac:spMkLst>
+            <pc:docMk/>
+            <pc:sldMk cId="1656990278" sldId="256"/>
+            <ac:spMk id="2" creationId="{AD834605-C957-E8C6-3AA5-66DA65D990A0}"/>
+          </ac:spMkLst>
+        </pc:spChg>
+      </pc:sldChg>
+      <pc:sldChg chg="mod modShow">
+        <pc:chgData name="Gastbenutzer" userId="" providerId="Windows Live" clId="Web-{597A2D01-5B42-4C22-9F6E-DFDE0C04A28B}" dt="2024-06-18T05:08:52.713" v="1"/>
+        <pc:sldMkLst>
+          <pc:docMk/>
+          <pc:sldMk cId="1462040921" sldId="257"/>
+        </pc:sldMkLst>
+      </pc:sldChg>
+      <pc:sldChg chg="mod modShow">
+        <pc:chgData name="Gastbenutzer" userId="" providerId="Windows Live" clId="Web-{597A2D01-5B42-4C22-9F6E-DFDE0C04A28B}" dt="2024-06-18T05:08:58.104" v="2"/>
+        <pc:sldMkLst>
+          <pc:docMk/>
+          <pc:sldMk cId="1188828156" sldId="258"/>
+        </pc:sldMkLst>
+      </pc:sldChg>
+      <pc:sldChg chg="mod modShow">
+        <pc:chgData name="Gastbenutzer" userId="" providerId="Windows Live" clId="Web-{597A2D01-5B42-4C22-9F6E-DFDE0C04A28B}" dt="2024-06-18T05:09:00.120" v="3"/>
+        <pc:sldMkLst>
+          <pc:docMk/>
+          <pc:sldMk cId="1858601621" sldId="259"/>
+        </pc:sldMkLst>
+      </pc:sldChg>
+      <pc:sldChg chg="mod modShow">
+        <pc:chgData name="Gastbenutzer" userId="" providerId="Windows Live" clId="Web-{597A2D01-5B42-4C22-9F6E-DFDE0C04A28B}" dt="2024-06-18T05:09:01.839" v="4"/>
+        <pc:sldMkLst>
+          <pc:docMk/>
+          <pc:sldMk cId="958449410" sldId="260"/>
+        </pc:sldMkLst>
+      </pc:sldChg>
+      <pc:sldChg chg="addSp delSp modSp new mod setBg">
+        <pc:chgData name="Gastbenutzer" userId="" providerId="Windows Live" clId="Web-{597A2D01-5B42-4C22-9F6E-DFDE0C04A28B}" dt="2024-06-18T05:23:36.441" v="191" actId="20577"/>
+        <pc:sldMkLst>
+          <pc:docMk/>
+          <pc:sldMk cId="2605743933" sldId="261"/>
+        </pc:sldMkLst>
+        <pc:spChg chg="mod">
+          <ac:chgData name="Gastbenutzer" userId="" providerId="Windows Live" clId="Web-{597A2D01-5B42-4C22-9F6E-DFDE0C04A28B}" dt="2024-06-18T05:14:37.968" v="168"/>
+          <ac:spMkLst>
+            <pc:docMk/>
+            <pc:sldMk cId="2605743933" sldId="261"/>
+            <ac:spMk id="2" creationId="{7B1CC390-BC6B-18EA-B4DB-BFD585327A2A}"/>
+          </ac:spMkLst>
+        </pc:spChg>
+        <pc:spChg chg="mod ord">
+          <ac:chgData name="Gastbenutzer" userId="" providerId="Windows Live" clId="Web-{597A2D01-5B42-4C22-9F6E-DFDE0C04A28B}" dt="2024-06-18T05:23:36.441" v="191" actId="20577"/>
+          <ac:spMkLst>
+            <pc:docMk/>
+            <pc:sldMk cId="2605743933" sldId="261"/>
+            <ac:spMk id="3" creationId="{BB5955DC-BFB9-5423-821F-247314F6DD6F}"/>
+          </ac:spMkLst>
+        </pc:spChg>
+        <pc:spChg chg="add del">
+          <ac:chgData name="Gastbenutzer" userId="" providerId="Windows Live" clId="Web-{597A2D01-5B42-4C22-9F6E-DFDE0C04A28B}" dt="2024-06-18T05:14:37.952" v="167"/>
+          <ac:spMkLst>
+            <pc:docMk/>
+            <pc:sldMk cId="2605743933" sldId="261"/>
+            <ac:spMk id="10" creationId="{F13C74B1-5B17-4795-BED0-7140497B445A}"/>
+          </ac:spMkLst>
+        </pc:spChg>
+        <pc:spChg chg="add del">
+          <ac:chgData name="Gastbenutzer" userId="" providerId="Windows Live" clId="Web-{597A2D01-5B42-4C22-9F6E-DFDE0C04A28B}" dt="2024-06-18T05:14:37.952" v="167"/>
+          <ac:spMkLst>
+            <pc:docMk/>
+            <pc:sldMk cId="2605743933" sldId="261"/>
+            <ac:spMk id="12" creationId="{D4974D33-8DC5-464E-8C6D-BE58F0669C17}"/>
+          </ac:spMkLst>
+        </pc:spChg>
+        <pc:spChg chg="add mod">
+          <ac:chgData name="Gastbenutzer" userId="" providerId="Windows Live" clId="Web-{597A2D01-5B42-4C22-9F6E-DFDE0C04A28B}" dt="2024-06-18T05:15:32.391" v="176"/>
+          <ac:spMkLst>
+            <pc:docMk/>
+            <pc:sldMk cId="2605743933" sldId="261"/>
+            <ac:spMk id="14" creationId="{0007FE00-9498-4706-B255-6437B0252C02}"/>
+          </ac:spMkLst>
+        </pc:spChg>
+        <pc:spChg chg="add mod">
+          <ac:chgData name="Gastbenutzer" userId="" providerId="Windows Live" clId="Web-{597A2D01-5B42-4C22-9F6E-DFDE0C04A28B}" dt="2024-06-18T05:15:32.391" v="177"/>
+          <ac:spMkLst>
+            <pc:docMk/>
+            <pc:sldMk cId="2605743933" sldId="261"/>
+            <ac:spMk id="15" creationId="{2EB492CD-616E-47F8-933B-5E2D952A0593}"/>
+          </ac:spMkLst>
+        </pc:spChg>
+        <pc:spChg chg="add mod">
+          <ac:chgData name="Gastbenutzer" userId="" providerId="Windows Live" clId="Web-{597A2D01-5B42-4C22-9F6E-DFDE0C04A28B}" dt="2024-06-18T05:14:50.405" v="169"/>
+          <ac:spMkLst>
+            <pc:docMk/>
+            <pc:sldMk cId="2605743933" sldId="261"/>
+            <ac:spMk id="16" creationId="{59383CF9-23B5-4335-9B21-1791C4CF1C75}"/>
+          </ac:spMkLst>
+        </pc:spChg>
+        <pc:picChg chg="add mod">
+          <ac:chgData name="Gastbenutzer" userId="" providerId="Windows Live" clId="Web-{597A2D01-5B42-4C22-9F6E-DFDE0C04A28B}" dt="2024-06-18T05:14:37.968" v="168"/>
+          <ac:picMkLst>
+            <pc:docMk/>
+            <pc:sldMk cId="2605743933" sldId="261"/>
+            <ac:picMk id="5" creationId="{B2CE2A12-6B10-0FE1-914F-430237EA8E05}"/>
+          </ac:picMkLst>
+        </pc:picChg>
+      </pc:sldChg>
+      <pc:sldChg chg="addSp modSp new mod setBg">
+        <pc:chgData name="Gastbenutzer" userId="" providerId="Windows Live" clId="Web-{597A2D01-5B42-4C22-9F6E-DFDE0C04A28B}" dt="2024-06-18T05:29:09.514" v="265"/>
+        <pc:sldMkLst>
+          <pc:docMk/>
+          <pc:sldMk cId="4112922179" sldId="262"/>
+        </pc:sldMkLst>
+        <pc:spChg chg="mod">
+          <ac:chgData name="Gastbenutzer" userId="" providerId="Windows Live" clId="Web-{597A2D01-5B42-4C22-9F6E-DFDE0C04A28B}" dt="2024-06-18T05:29:09.514" v="265"/>
+          <ac:spMkLst>
+            <pc:docMk/>
+            <pc:sldMk cId="4112922179" sldId="262"/>
+            <ac:spMk id="2" creationId="{E9B8995D-8F4E-CC4A-4B05-39B81F051785}"/>
+          </ac:spMkLst>
+        </pc:spChg>
+        <pc:spChg chg="mod ord">
+          <ac:chgData name="Gastbenutzer" userId="" providerId="Windows Live" clId="Web-{597A2D01-5B42-4C22-9F6E-DFDE0C04A28B}" dt="2024-06-18T05:29:09.514" v="265"/>
+          <ac:spMkLst>
+            <pc:docMk/>
+            <pc:sldMk cId="4112922179" sldId="262"/>
+            <ac:spMk id="3" creationId="{B9EE4A9B-2666-9790-37FF-C472F8032ADE}"/>
+          </ac:spMkLst>
+        </pc:spChg>
+        <pc:spChg chg="add">
+          <ac:chgData name="Gastbenutzer" userId="" providerId="Windows Live" clId="Web-{597A2D01-5B42-4C22-9F6E-DFDE0C04A28B}" dt="2024-06-18T05:29:09.514" v="265"/>
+          <ac:spMkLst>
+            <pc:docMk/>
+            <pc:sldMk cId="4112922179" sldId="262"/>
+            <ac:spMk id="9" creationId="{327D73B4-9F5C-4A64-A179-51B9500CB8B5}"/>
+          </ac:spMkLst>
+        </pc:spChg>
+        <pc:spChg chg="add">
+          <ac:chgData name="Gastbenutzer" userId="" providerId="Windows Live" clId="Web-{597A2D01-5B42-4C22-9F6E-DFDE0C04A28B}" dt="2024-06-18T05:29:09.514" v="265"/>
+          <ac:spMkLst>
+            <pc:docMk/>
+            <pc:sldMk cId="4112922179" sldId="262"/>
+            <ac:spMk id="11" creationId="{C1F06963-6374-4B48-844F-071A9BAAAE02}"/>
+          </ac:spMkLst>
+        </pc:spChg>
+        <pc:spChg chg="add">
+          <ac:chgData name="Gastbenutzer" userId="" providerId="Windows Live" clId="Web-{597A2D01-5B42-4C22-9F6E-DFDE0C04A28B}" dt="2024-06-18T05:29:09.514" v="265"/>
+          <ac:spMkLst>
+            <pc:docMk/>
+            <pc:sldMk cId="4112922179" sldId="262"/>
+            <ac:spMk id="13" creationId="{6CB927A4-E432-4310-9CD5-E89FF5063179}"/>
+          </ac:spMkLst>
+        </pc:spChg>
+        <pc:spChg chg="add">
+          <ac:chgData name="Gastbenutzer" userId="" providerId="Windows Live" clId="Web-{597A2D01-5B42-4C22-9F6E-DFDE0C04A28B}" dt="2024-06-18T05:29:09.514" v="265"/>
+          <ac:spMkLst>
+            <pc:docMk/>
+            <pc:sldMk cId="4112922179" sldId="262"/>
+            <ac:spMk id="15" creationId="{1453BF6C-B012-48B7-B4E8-6D7AC7C27D02}"/>
+          </ac:spMkLst>
+        </pc:spChg>
+        <pc:spChg chg="add">
+          <ac:chgData name="Gastbenutzer" userId="" providerId="Windows Live" clId="Web-{597A2D01-5B42-4C22-9F6E-DFDE0C04A28B}" dt="2024-06-18T05:29:09.514" v="265"/>
+          <ac:spMkLst>
+            <pc:docMk/>
+            <pc:sldMk cId="4112922179" sldId="262"/>
+            <ac:spMk id="17" creationId="{E3020543-B24B-4EC4-8FFC-8DD88EEA91A8}"/>
+          </ac:spMkLst>
+        </pc:spChg>
+        <pc:picChg chg="add mod">
+          <ac:chgData name="Gastbenutzer" userId="" providerId="Windows Live" clId="Web-{597A2D01-5B42-4C22-9F6E-DFDE0C04A28B}" dt="2024-06-18T05:29:09.514" v="265"/>
+          <ac:picMkLst>
+            <pc:docMk/>
+            <pc:sldMk cId="4112922179" sldId="262"/>
+            <ac:picMk id="4" creationId="{C57A70A0-E350-3C12-D97C-A6330C396AAF}"/>
+          </ac:picMkLst>
+        </pc:picChg>
+        <pc:cxnChg chg="add">
+          <ac:chgData name="Gastbenutzer" userId="" providerId="Windows Live" clId="Web-{597A2D01-5B42-4C22-9F6E-DFDE0C04A28B}" dt="2024-06-18T05:29:09.514" v="265"/>
+          <ac:cxnSpMkLst>
+            <pc:docMk/>
+            <pc:sldMk cId="4112922179" sldId="262"/>
+            <ac:cxnSpMk id="19" creationId="{C49DA8F6-BCC1-4447-B54C-57856834B94B}"/>
+          </ac:cxnSpMkLst>
+        </pc:cxnChg>
+      </pc:sldChg>
+      <pc:sldChg chg="addSp delSp modSp new mod setBg">
+        <pc:chgData name="Gastbenutzer" userId="" providerId="Windows Live" clId="Web-{597A2D01-5B42-4C22-9F6E-DFDE0C04A28B}" dt="2024-06-18T05:33:25.836" v="306" actId="20577"/>
+        <pc:sldMkLst>
+          <pc:docMk/>
+          <pc:sldMk cId="3744866046" sldId="263"/>
+        </pc:sldMkLst>
+        <pc:spChg chg="mod ord">
+          <ac:chgData name="Gastbenutzer" userId="" providerId="Windows Live" clId="Web-{597A2D01-5B42-4C22-9F6E-DFDE0C04A28B}" dt="2024-06-18T05:33:25.836" v="306" actId="20577"/>
+          <ac:spMkLst>
+            <pc:docMk/>
+            <pc:sldMk cId="3744866046" sldId="263"/>
+            <ac:spMk id="2" creationId="{119CB0CD-DC4B-1D5E-F396-D866F5D46E0F}"/>
+          </ac:spMkLst>
+        </pc:spChg>
+        <pc:spChg chg="del">
+          <ac:chgData name="Gastbenutzer" userId="" providerId="Windows Live" clId="Web-{597A2D01-5B42-4C22-9F6E-DFDE0C04A28B}" dt="2024-06-18T05:30:16.080" v="271"/>
+          <ac:spMkLst>
+            <pc:docMk/>
+            <pc:sldMk cId="3744866046" sldId="263"/>
+            <ac:spMk id="3" creationId="{167D24B4-BFA4-27B7-1150-2C39968469B9}"/>
+          </ac:spMkLst>
+        </pc:spChg>
+        <pc:spChg chg="add del mod">
+          <ac:chgData name="Gastbenutzer" userId="" providerId="Windows Live" clId="Web-{597A2D01-5B42-4C22-9F6E-DFDE0C04A28B}" dt="2024-06-18T05:33:20.039" v="303"/>
+          <ac:spMkLst>
+            <pc:docMk/>
+            <pc:sldMk cId="3744866046" sldId="263"/>
+            <ac:spMk id="10" creationId="{29110889-AE24-4C6C-B6FE-6C920A9D9E2B}"/>
+          </ac:spMkLst>
+        </pc:spChg>
+        <pc:spChg chg="add del">
+          <ac:chgData name="Gastbenutzer" userId="" providerId="Windows Live" clId="Web-{597A2D01-5B42-4C22-9F6E-DFDE0C04A28B}" dt="2024-06-18T05:30:36.580" v="273"/>
+          <ac:spMkLst>
+            <pc:docMk/>
+            <pc:sldMk cId="3744866046" sldId="263"/>
+            <ac:spMk id="13" creationId="{F0087D53-9295-4463-AAE4-D5C626046E9F}"/>
+          </ac:spMkLst>
+        </pc:spChg>
+        <pc:spChg chg="add del">
+          <ac:chgData name="Gastbenutzer" userId="" providerId="Windows Live" clId="Web-{597A2D01-5B42-4C22-9F6E-DFDE0C04A28B}" dt="2024-06-18T05:30:36.580" v="273"/>
+          <ac:spMkLst>
+            <pc:docMk/>
+            <pc:sldMk cId="3744866046" sldId="263"/>
+            <ac:spMk id="15" creationId="{D6A9C53F-5F90-40A5-8C85-5412D39C8C68}"/>
+          </ac:spMkLst>
+        </pc:spChg>
+        <pc:spChg chg="add del mod">
+          <ac:chgData name="Gastbenutzer" userId="" providerId="Windows Live" clId="Web-{597A2D01-5B42-4C22-9F6E-DFDE0C04A28B}" dt="2024-06-18T05:33:11.586" v="302"/>
+          <ac:spMkLst>
+            <pc:docMk/>
+            <pc:sldMk cId="3744866046" sldId="263"/>
+            <ac:spMk id="19" creationId="{667C0397-2387-136B-6EF3-7ED52384C214}"/>
+          </ac:spMkLst>
+        </pc:spChg>
+        <pc:spChg chg="add del">
+          <ac:chgData name="Gastbenutzer" userId="" providerId="Windows Live" clId="Web-{597A2D01-5B42-4C22-9F6E-DFDE0C04A28B}" dt="2024-06-18T05:33:04.539" v="301"/>
+          <ac:spMkLst>
+            <pc:docMk/>
+            <pc:sldMk cId="3744866046" sldId="263"/>
+            <ac:spMk id="22" creationId="{0D7B6173-1D58-48E2-83CF-37350F315F75}"/>
+          </ac:spMkLst>
+        </pc:spChg>
+        <pc:spChg chg="add del">
+          <ac:chgData name="Gastbenutzer" userId="" providerId="Windows Live" clId="Web-{597A2D01-5B42-4C22-9F6E-DFDE0C04A28B}" dt="2024-06-18T05:33:04.539" v="301"/>
+          <ac:spMkLst>
+            <pc:docMk/>
+            <pc:sldMk cId="3744866046" sldId="263"/>
+            <ac:spMk id="24" creationId="{2F36CA75-CFBF-4844-B719-8FE9EBADA9AF}"/>
+          </ac:spMkLst>
+        </pc:spChg>
+        <pc:spChg chg="add del">
+          <ac:chgData name="Gastbenutzer" userId="" providerId="Windows Live" clId="Web-{597A2D01-5B42-4C22-9F6E-DFDE0C04A28B}" dt="2024-06-18T05:33:04.539" v="301"/>
+          <ac:spMkLst>
+            <pc:docMk/>
+            <pc:sldMk cId="3744866046" sldId="263"/>
+            <ac:spMk id="26" creationId="{3D4A84B9-E564-4DD0-97F8-DBF1C460C28A}"/>
+          </ac:spMkLst>
+        </pc:spChg>
+        <pc:spChg chg="add del">
+          <ac:chgData name="Gastbenutzer" userId="" providerId="Windows Live" clId="Web-{597A2D01-5B42-4C22-9F6E-DFDE0C04A28B}" dt="2024-06-18T05:33:04.539" v="301"/>
+          <ac:spMkLst>
+            <pc:docMk/>
+            <pc:sldMk cId="3744866046" sldId="263"/>
+            <ac:spMk id="30" creationId="{102382E0-0A09-46AE-B955-B911CAFE7F00}"/>
+          </ac:spMkLst>
+        </pc:spChg>
+        <pc:spChg chg="add del">
+          <ac:chgData name="Gastbenutzer" userId="" providerId="Windows Live" clId="Web-{597A2D01-5B42-4C22-9F6E-DFDE0C04A28B}" dt="2024-06-18T05:33:04.539" v="301"/>
+          <ac:spMkLst>
+            <pc:docMk/>
+            <pc:sldMk cId="3744866046" sldId="263"/>
+            <ac:spMk id="32" creationId="{7DE75D4A-0965-4973-BE75-DECCAC9A9614}"/>
+          </ac:spMkLst>
+        </pc:spChg>
+        <pc:spChg chg="add del">
+          <ac:chgData name="Gastbenutzer" userId="" providerId="Windows Live" clId="Web-{597A2D01-5B42-4C22-9F6E-DFDE0C04A28B}" dt="2024-06-18T05:33:00.242" v="298"/>
+          <ac:spMkLst>
+            <pc:docMk/>
+            <pc:sldMk cId="3744866046" sldId="263"/>
+            <ac:spMk id="37" creationId="{4D4677D2-D5AC-4CF9-9EED-2B89D0A1C212}"/>
+          </ac:spMkLst>
+        </pc:spChg>
+        <pc:spChg chg="add del">
+          <ac:chgData name="Gastbenutzer" userId="" providerId="Windows Live" clId="Web-{597A2D01-5B42-4C22-9F6E-DFDE0C04A28B}" dt="2024-06-18T05:33:00.242" v="298"/>
+          <ac:spMkLst>
+            <pc:docMk/>
+            <pc:sldMk cId="3744866046" sldId="263"/>
+            <ac:spMk id="39" creationId="{AF695F69-7001-421E-98A8-E74156934A51}"/>
+          </ac:spMkLst>
+        </pc:spChg>
+        <pc:spChg chg="add del">
+          <ac:chgData name="Gastbenutzer" userId="" providerId="Windows Live" clId="Web-{597A2D01-5B42-4C22-9F6E-DFDE0C04A28B}" dt="2024-06-18T05:33:04.523" v="300"/>
+          <ac:spMkLst>
+            <pc:docMk/>
+            <pc:sldMk cId="3744866046" sldId="263"/>
+            <ac:spMk id="41" creationId="{8870DEF6-46A2-D4F8-8BE6-91165D93ECC4}"/>
+          </ac:spMkLst>
+        </pc:spChg>
+        <pc:spChg chg="add">
+          <ac:chgData name="Gastbenutzer" userId="" providerId="Windows Live" clId="Web-{597A2D01-5B42-4C22-9F6E-DFDE0C04A28B}" dt="2024-06-18T05:33:04.539" v="301"/>
+          <ac:spMkLst>
+            <pc:docMk/>
+            <pc:sldMk cId="3744866046" sldId="263"/>
+            <ac:spMk id="44" creationId="{FA69AAE0-49D5-4C8B-8BA2-55898C00E05E}"/>
+          </ac:spMkLst>
+        </pc:spChg>
+        <pc:picChg chg="add del mod">
+          <ac:chgData name="Gastbenutzer" userId="" providerId="Windows Live" clId="Web-{597A2D01-5B42-4C22-9F6E-DFDE0C04A28B}" dt="2024-06-18T05:30:14.095" v="270"/>
+          <ac:picMkLst>
+            <pc:docMk/>
+            <pc:sldMk cId="3744866046" sldId="263"/>
+            <ac:picMk id="5" creationId="{572E8FE1-A2C8-D601-4AC0-D214704A1FA5}"/>
+          </ac:picMkLst>
+        </pc:picChg>
+        <pc:picChg chg="add mod">
+          <ac:chgData name="Gastbenutzer" userId="" providerId="Windows Live" clId="Web-{597A2D01-5B42-4C22-9F6E-DFDE0C04A28B}" dt="2024-06-18T05:33:04.539" v="301"/>
+          <ac:picMkLst>
+            <pc:docMk/>
+            <pc:sldMk cId="3744866046" sldId="263"/>
+            <ac:picMk id="7" creationId="{C533492E-31DC-D34C-8AE6-F1D9CF4257AD}"/>
+          </ac:picMkLst>
+        </pc:picChg>
+        <pc:picChg chg="add mod ord">
+          <ac:chgData name="Gastbenutzer" userId="" providerId="Windows Live" clId="Web-{597A2D01-5B42-4C22-9F6E-DFDE0C04A28B}" dt="2024-06-18T05:33:04.539" v="301"/>
+          <ac:picMkLst>
+            <pc:docMk/>
+            <pc:sldMk cId="3744866046" sldId="263"/>
+            <ac:picMk id="8" creationId="{277B9028-3290-545E-D967-FFC5460A473F}"/>
+          </ac:picMkLst>
+        </pc:picChg>
+        <pc:picChg chg="add del">
+          <ac:chgData name="Gastbenutzer" userId="" providerId="Windows Live" clId="Web-{597A2D01-5B42-4C22-9F6E-DFDE0C04A28B}" dt="2024-06-18T05:33:04.539" v="301"/>
+          <ac:picMkLst>
+            <pc:docMk/>
+            <pc:sldMk cId="3744866046" sldId="263"/>
+            <ac:picMk id="28" creationId="{4A599609-F5C2-4A0B-A992-913F814A631A}"/>
+          </ac:picMkLst>
+        </pc:picChg>
+        <pc:cxnChg chg="add del">
+          <ac:chgData name="Gastbenutzer" userId="" providerId="Windows Live" clId="Web-{597A2D01-5B42-4C22-9F6E-DFDE0C04A28B}" dt="2024-06-18T05:33:04.523" v="300"/>
+          <ac:cxnSpMkLst>
+            <pc:docMk/>
+            <pc:sldMk cId="3744866046" sldId="263"/>
+            <ac:cxnSpMk id="42" creationId="{8748256A-88AC-4254-406B-0E8EE2CC2B50}"/>
+          </ac:cxnSpMkLst>
+        </pc:cxnChg>
+      </pc:sldChg>
+    </pc:docChg>
+  </pc:docChgLst>
 </pc:chgInfo>
+</file>
+
+<file path=ppt/notesMasters/notesMaster1.xml><?xml version="1.0" encoding="utf-8"?>
+<p:notesMaster xmlns:a="http://schemas.openxmlformats.org/drawingml/2006/main" xmlns:r="http://schemas.openxmlformats.org/officeDocument/2006/relationships" xmlns:p="http://schemas.openxmlformats.org/presentationml/2006/main">
+  <p:cSld>
+    <p:bg>
+      <p:bgRef idx="1001">
+        <a:schemeClr val="bg1"/>
+      </p:bgRef>
+    </p:bg>
+    <p:spTree>
+      <p:nvGrpSpPr>
+        <p:cNvPr id="1" name=""/>
+        <p:cNvGrpSpPr/>
+        <p:nvPr/>
+      </p:nvGrpSpPr>
+      <p:grpSpPr>
+        <a:xfrm>
+          <a:off x="0" y="0"/>
+          <a:ext cx="0" cy="0"/>
+          <a:chOff x="0" y="0"/>
+          <a:chExt cx="0" cy="0"/>
+        </a:xfrm>
+      </p:grpSpPr>
+      <p:sp>
+        <p:nvSpPr>
+          <p:cNvPr id="2" name="Kopfzeilenplatzhalter 1"/>
+          <p:cNvSpPr>
+            <a:spLocks noGrp="1"/>
+          </p:cNvSpPr>
+          <p:nvPr>
+            <p:ph type="hdr" sz="quarter"/>
+          </p:nvPr>
+        </p:nvSpPr>
+        <p:spPr>
+          <a:xfrm>
+            <a:off x="0" y="0"/>
+            <a:ext cx="2971800" cy="458788"/>
+          </a:xfrm>
+          <a:prstGeom prst="rect">
+            <a:avLst/>
+          </a:prstGeom>
+        </p:spPr>
+        <p:txBody>
+          <a:bodyPr vert="horz" lIns="91440" tIns="45720" rIns="91440" bIns="45720" rtlCol="0"/>
+          <a:lstStyle>
+            <a:lvl1pPr algn="l">
+              <a:defRPr sz="1200"/>
+            </a:lvl1pPr>
+          </a:lstStyle>
+          <a:p>
+            <a:endParaRPr lang="de-DE"/>
+          </a:p>
+        </p:txBody>
+      </p:sp>
+      <p:sp>
+        <p:nvSpPr>
+          <p:cNvPr id="3" name="Datumsplatzhalter 2"/>
+          <p:cNvSpPr>
+            <a:spLocks noGrp="1"/>
+          </p:cNvSpPr>
+          <p:nvPr>
+            <p:ph type="dt" idx="1"/>
+          </p:nvPr>
+        </p:nvSpPr>
+        <p:spPr>
+          <a:xfrm>
+            <a:off x="3884613" y="0"/>
+            <a:ext cx="2971800" cy="458788"/>
+          </a:xfrm>
+          <a:prstGeom prst="rect">
+            <a:avLst/>
+          </a:prstGeom>
+        </p:spPr>
+        <p:txBody>
+          <a:bodyPr vert="horz" lIns="91440" tIns="45720" rIns="91440" bIns="45720" rtlCol="0"/>
+          <a:lstStyle>
+            <a:lvl1pPr algn="r">
+              <a:defRPr sz="1200"/>
+            </a:lvl1pPr>
+          </a:lstStyle>
+          <a:p>
+            <a:fld id="{F0D72C9D-A4DB-499D-A871-586CCFE16199}" type="datetimeFigureOut">
+              <a:rPr lang="de-DE" smtClean="0"/>
+              <a:t>20.06.2024</a:t>
+            </a:fld>
+            <a:endParaRPr lang="de-DE"/>
+          </a:p>
+        </p:txBody>
+      </p:sp>
+      <p:sp>
+        <p:nvSpPr>
+          <p:cNvPr id="4" name="Folienbildplatzhalter 3"/>
+          <p:cNvSpPr>
+            <a:spLocks noGrp="1" noRot="1" noChangeAspect="1"/>
+          </p:cNvSpPr>
+          <p:nvPr>
+            <p:ph type="sldImg" idx="2"/>
+          </p:nvPr>
+        </p:nvSpPr>
+        <p:spPr>
+          <a:xfrm>
+            <a:off x="685800" y="1143000"/>
+            <a:ext cx="5486400" cy="3086100"/>
+          </a:xfrm>
+          <a:prstGeom prst="rect">
+            <a:avLst/>
+          </a:prstGeom>
+          <a:noFill/>
+          <a:ln w="12700">
+            <a:solidFill>
+              <a:prstClr val="black"/>
+            </a:solidFill>
+          </a:ln>
+        </p:spPr>
+        <p:txBody>
+          <a:bodyPr vert="horz" lIns="91440" tIns="45720" rIns="91440" bIns="45720" rtlCol="0" anchor="ctr"/>
+          <a:lstStyle/>
+          <a:p>
+            <a:endParaRPr lang="de-DE"/>
+          </a:p>
+        </p:txBody>
+      </p:sp>
+      <p:sp>
+        <p:nvSpPr>
+          <p:cNvPr id="5" name="Notizenplatzhalter 4"/>
+          <p:cNvSpPr>
+            <a:spLocks noGrp="1"/>
+          </p:cNvSpPr>
+          <p:nvPr>
+            <p:ph type="body" sz="quarter" idx="3"/>
+          </p:nvPr>
+        </p:nvSpPr>
+        <p:spPr>
+          <a:xfrm>
+            <a:off x="685800" y="4400550"/>
+            <a:ext cx="5486400" cy="3600450"/>
+          </a:xfrm>
+          <a:prstGeom prst="rect">
+            <a:avLst/>
+          </a:prstGeom>
+        </p:spPr>
+        <p:txBody>
+          <a:bodyPr vert="horz" lIns="91440" tIns="45720" rIns="91440" bIns="45720" rtlCol="0"/>
+          <a:lstStyle/>
+          <a:p>
+            <a:pPr lvl="0"/>
+            <a:r>
+              <a:rPr lang="de-DE"/>
+              <a:t>Mastertextformat bearbeiten</a:t>
+            </a:r>
+          </a:p>
+          <a:p>
+            <a:pPr lvl="1"/>
+            <a:r>
+              <a:rPr lang="de-DE"/>
+              <a:t>Zweite Ebene</a:t>
+            </a:r>
+          </a:p>
+          <a:p>
+            <a:pPr lvl="2"/>
+            <a:r>
+              <a:rPr lang="de-DE"/>
+              <a:t>Dritte Ebene</a:t>
+            </a:r>
+          </a:p>
+          <a:p>
+            <a:pPr lvl="3"/>
+            <a:r>
+              <a:rPr lang="de-DE"/>
+              <a:t>Vierte Ebene</a:t>
+            </a:r>
+          </a:p>
+          <a:p>
+            <a:pPr lvl="4"/>
+            <a:r>
+              <a:rPr lang="de-DE"/>
+              <a:t>Fünfte Ebene</a:t>
+            </a:r>
+          </a:p>
+        </p:txBody>
+      </p:sp>
+      <p:sp>
+        <p:nvSpPr>
+          <p:cNvPr id="6" name="Fußzeilenplatzhalter 5"/>
+          <p:cNvSpPr>
+            <a:spLocks noGrp="1"/>
+          </p:cNvSpPr>
+          <p:nvPr>
+            <p:ph type="ftr" sz="quarter" idx="4"/>
+          </p:nvPr>
+        </p:nvSpPr>
+        <p:spPr>
+          <a:xfrm>
+            <a:off x="0" y="8685213"/>
+            <a:ext cx="2971800" cy="458787"/>
+          </a:xfrm>
+          <a:prstGeom prst="rect">
+            <a:avLst/>
+          </a:prstGeom>
+        </p:spPr>
+        <p:txBody>
+          <a:bodyPr vert="horz" lIns="91440" tIns="45720" rIns="91440" bIns="45720" rtlCol="0" anchor="b"/>
+          <a:lstStyle>
+            <a:lvl1pPr algn="l">
+              <a:defRPr sz="1200"/>
+            </a:lvl1pPr>
+          </a:lstStyle>
+          <a:p>
+            <a:endParaRPr lang="de-DE"/>
+          </a:p>
+        </p:txBody>
+      </p:sp>
+      <p:sp>
+        <p:nvSpPr>
+          <p:cNvPr id="7" name="Foliennummernplatzhalter 6"/>
+          <p:cNvSpPr>
+            <a:spLocks noGrp="1"/>
+          </p:cNvSpPr>
+          <p:nvPr>
+            <p:ph type="sldNum" sz="quarter" idx="5"/>
+          </p:nvPr>
+        </p:nvSpPr>
+        <p:spPr>
+          <a:xfrm>
+            <a:off x="3884613" y="8685213"/>
+            <a:ext cx="2971800" cy="458787"/>
+          </a:xfrm>
+          <a:prstGeom prst="rect">
+            <a:avLst/>
+          </a:prstGeom>
+        </p:spPr>
+        <p:txBody>
+          <a:bodyPr vert="horz" lIns="91440" tIns="45720" rIns="91440" bIns="45720" rtlCol="0" anchor="b"/>
+          <a:lstStyle>
+            <a:lvl1pPr algn="r">
+              <a:defRPr sz="1200"/>
+            </a:lvl1pPr>
+          </a:lstStyle>
+          <a:p>
+            <a:fld id="{22A85A95-F657-4100-B367-F511124B35C2}" type="slidenum">
+              <a:rPr lang="de-DE" smtClean="0"/>
+              <a:t>‹Nr.›</a:t>
+            </a:fld>
+            <a:endParaRPr lang="de-DE"/>
+          </a:p>
+        </p:txBody>
+      </p:sp>
+    </p:spTree>
+    <p:extLst>
+      <p:ext uri="{BB962C8B-B14F-4D97-AF65-F5344CB8AC3E}">
+        <p14:creationId xmlns:p14="http://schemas.microsoft.com/office/powerpoint/2010/main" val="2395156336"/>
+      </p:ext>
+    </p:extLst>
+  </p:cSld>
+  <p:clrMap bg1="lt1" tx1="dk1" bg2="lt2" tx2="dk2" accent1="accent1" accent2="accent2" accent3="accent3" accent4="accent4" accent5="accent5" accent6="accent6" hlink="hlink" folHlink="folHlink"/>
+  <p:notesStyle>
+    <a:lvl1pPr marL="0" algn="l" defTabSz="914400" rtl="0" eaLnBrk="1" latinLnBrk="0" hangingPunct="1">
+      <a:defRPr sz="1200" kern="1200">
+        <a:solidFill>
+          <a:schemeClr val="tx1"/>
+        </a:solidFill>
+        <a:latin typeface="+mn-lt"/>
+        <a:ea typeface="+mn-ea"/>
+        <a:cs typeface="+mn-cs"/>
+      </a:defRPr>
+    </a:lvl1pPr>
+    <a:lvl2pPr marL="457200" algn="l" defTabSz="914400" rtl="0" eaLnBrk="1" latinLnBrk="0" hangingPunct="1">
+      <a:defRPr sz="1200" kern="1200">
+        <a:solidFill>
+          <a:schemeClr val="tx1"/>
+        </a:solidFill>
+        <a:latin typeface="+mn-lt"/>
+        <a:ea typeface="+mn-ea"/>
+        <a:cs typeface="+mn-cs"/>
+      </a:defRPr>
+    </a:lvl2pPr>
+    <a:lvl3pPr marL="914400" algn="l" defTabSz="914400" rtl="0" eaLnBrk="1" latinLnBrk="0" hangingPunct="1">
+      <a:defRPr sz="1200" kern="1200">
+        <a:solidFill>
+          <a:schemeClr val="tx1"/>
+        </a:solidFill>
+        <a:latin typeface="+mn-lt"/>
+        <a:ea typeface="+mn-ea"/>
+        <a:cs typeface="+mn-cs"/>
+      </a:defRPr>
+    </a:lvl3pPr>
+    <a:lvl4pPr marL="1371600" algn="l" defTabSz="914400" rtl="0" eaLnBrk="1" latinLnBrk="0" hangingPunct="1">
+      <a:defRPr sz="1200" kern="1200">
+        <a:solidFill>
+          <a:schemeClr val="tx1"/>
+        </a:solidFill>
+        <a:latin typeface="+mn-lt"/>
+        <a:ea typeface="+mn-ea"/>
+        <a:cs typeface="+mn-cs"/>
+      </a:defRPr>
+    </a:lvl4pPr>
+    <a:lvl5pPr marL="1828800" algn="l" defTabSz="914400" rtl="0" eaLnBrk="1" latinLnBrk="0" hangingPunct="1">
+      <a:defRPr sz="1200" kern="1200">
+        <a:solidFill>
+          <a:schemeClr val="tx1"/>
+        </a:solidFill>
+        <a:latin typeface="+mn-lt"/>
+        <a:ea typeface="+mn-ea"/>
+        <a:cs typeface="+mn-cs"/>
+      </a:defRPr>
+    </a:lvl5pPr>
+    <a:lvl6pPr marL="2286000" algn="l" defTabSz="914400" rtl="0" eaLnBrk="1" latinLnBrk="0" hangingPunct="1">
+      <a:defRPr sz="1200" kern="1200">
+        <a:solidFill>
+          <a:schemeClr val="tx1"/>
+        </a:solidFill>
+        <a:latin typeface="+mn-lt"/>
+        <a:ea typeface="+mn-ea"/>
+        <a:cs typeface="+mn-cs"/>
+      </a:defRPr>
+    </a:lvl6pPr>
+    <a:lvl7pPr marL="2743200" algn="l" defTabSz="914400" rtl="0" eaLnBrk="1" latinLnBrk="0" hangingPunct="1">
+      <a:defRPr sz="1200" kern="1200">
+        <a:solidFill>
+          <a:schemeClr val="tx1"/>
+        </a:solidFill>
+        <a:latin typeface="+mn-lt"/>
+        <a:ea typeface="+mn-ea"/>
+        <a:cs typeface="+mn-cs"/>
+      </a:defRPr>
+    </a:lvl7pPr>
+    <a:lvl8pPr marL="3200400" algn="l" defTabSz="914400" rtl="0" eaLnBrk="1" latinLnBrk="0" hangingPunct="1">
+      <a:defRPr sz="1200" kern="1200">
+        <a:solidFill>
+          <a:schemeClr val="tx1"/>
+        </a:solidFill>
+        <a:latin typeface="+mn-lt"/>
+        <a:ea typeface="+mn-ea"/>
+        <a:cs typeface="+mn-cs"/>
+      </a:defRPr>
+    </a:lvl8pPr>
+    <a:lvl9pPr marL="3657600" algn="l" defTabSz="914400" rtl="0" eaLnBrk="1" latinLnBrk="0" hangingPunct="1">
+      <a:defRPr sz="1200" kern="1200">
+        <a:solidFill>
+          <a:schemeClr val="tx1"/>
+        </a:solidFill>
+        <a:latin typeface="+mn-lt"/>
+        <a:ea typeface="+mn-ea"/>
+        <a:cs typeface="+mn-cs"/>
+      </a:defRPr>
+    </a:lvl9pPr>
+  </p:notesStyle>
+</p:notesMaster>
+</file>
+
+<file path=ppt/notesSlides/notesSlide1.xml><?xml version="1.0" encoding="utf-8"?>
+<p:notes xmlns:a="http://schemas.openxmlformats.org/drawingml/2006/main" xmlns:r="http://schemas.openxmlformats.org/officeDocument/2006/relationships" xmlns:p="http://schemas.openxmlformats.org/presentationml/2006/main">
+  <p:cSld>
+    <p:spTree>
+      <p:nvGrpSpPr>
+        <p:cNvPr id="1" name=""/>
+        <p:cNvGrpSpPr/>
+        <p:nvPr/>
+      </p:nvGrpSpPr>
+      <p:grpSpPr>
+        <a:xfrm>
+          <a:off x="0" y="0"/>
+          <a:ext cx="0" cy="0"/>
+          <a:chOff x="0" y="0"/>
+          <a:chExt cx="0" cy="0"/>
+        </a:xfrm>
+      </p:grpSpPr>
+      <p:sp>
+        <p:nvSpPr>
+          <p:cNvPr id="2" name="Folienbildplatzhalter 1"/>
+          <p:cNvSpPr>
+            <a:spLocks noGrp="1" noRot="1" noChangeAspect="1"/>
+          </p:cNvSpPr>
+          <p:nvPr>
+            <p:ph type="sldImg"/>
+          </p:nvPr>
+        </p:nvSpPr>
+        <p:spPr/>
+      </p:sp>
+      <p:sp>
+        <p:nvSpPr>
+          <p:cNvPr id="3" name="Notizenplatzhalter 2"/>
+          <p:cNvSpPr>
+            <a:spLocks noGrp="1"/>
+          </p:cNvSpPr>
+          <p:nvPr>
+            <p:ph type="body" idx="1"/>
+          </p:nvPr>
+        </p:nvSpPr>
+        <p:spPr/>
+        <p:txBody>
+          <a:bodyPr/>
+          <a:lstStyle/>
+          <a:p>
+            <a:r>
+              <a:rPr lang="de-DE"/>
+              <a:t>Klarer Purpose</a:t>
+            </a:r>
+          </a:p>
+          <a:p>
+            <a:r>
+              <a:rPr lang="de-DE"/>
+              <a:t>Responsive Design</a:t>
+            </a:r>
+          </a:p>
+          <a:p>
+            <a:r>
+              <a:rPr lang="de-DE"/>
+              <a:t>Customer-zentriert</a:t>
+            </a:r>
+          </a:p>
+          <a:p>
+            <a:r>
+              <a:rPr lang="de-DE"/>
+              <a:t>Innovatives </a:t>
+            </a:r>
+            <a:r>
+              <a:rPr lang="de-DE" err="1"/>
+              <a:t>Scaling</a:t>
+            </a:r>
+            <a:r>
+              <a:rPr lang="de-DE"/>
+              <a:t> </a:t>
+            </a:r>
+          </a:p>
+          <a:p>
+            <a:r>
+              <a:rPr lang="de-DE"/>
+              <a:t>Angenehme Customer Journey</a:t>
+            </a:r>
+          </a:p>
+          <a:p>
+            <a:r>
+              <a:rPr lang="de-DE"/>
+              <a:t>Kollaborativer Approach</a:t>
+            </a:r>
+          </a:p>
+          <a:p>
+            <a:r>
+              <a:rPr lang="de-DE"/>
+              <a:t>Attraktive Brand Identity</a:t>
+            </a:r>
+          </a:p>
+          <a:p>
+            <a:pPr lvl="1"/>
+            <a:r>
+              <a:rPr lang="de-DE" err="1"/>
+              <a:t>Obvious</a:t>
+            </a:r>
+            <a:r>
+              <a:rPr lang="de-DE"/>
+              <a:t> Emotional Benefit</a:t>
+            </a:r>
+          </a:p>
+          <a:p>
+            <a:endParaRPr lang="de-DE"/>
+          </a:p>
+        </p:txBody>
+      </p:sp>
+      <p:sp>
+        <p:nvSpPr>
+          <p:cNvPr id="4" name="Foliennummernplatzhalter 3"/>
+          <p:cNvSpPr>
+            <a:spLocks noGrp="1"/>
+          </p:cNvSpPr>
+          <p:nvPr>
+            <p:ph type="sldNum" sz="quarter" idx="5"/>
+          </p:nvPr>
+        </p:nvSpPr>
+        <p:spPr/>
+        <p:txBody>
+          <a:bodyPr/>
+          <a:lstStyle/>
+          <a:p>
+            <a:fld id="{22A85A95-F657-4100-B367-F511124B35C2}" type="slidenum">
+              <a:rPr lang="de-DE" smtClean="0"/>
+              <a:t>4</a:t>
+            </a:fld>
+            <a:endParaRPr lang="de-DE"/>
+          </a:p>
+        </p:txBody>
+      </p:sp>
+    </p:spTree>
+    <p:extLst>
+      <p:ext uri="{BB962C8B-B14F-4D97-AF65-F5344CB8AC3E}">
+        <p14:creationId xmlns:p14="http://schemas.microsoft.com/office/powerpoint/2010/main" val="2933186168"/>
+      </p:ext>
+    </p:extLst>
+  </p:cSld>
+  <p:clrMapOvr>
+    <a:masterClrMapping/>
+  </p:clrMapOvr>
+</p:notes>
 </file>
 
 <file path=ppt/slideLayouts/slideLayout1.xml><?xml version="1.0" encoding="utf-8"?>
@@ -942,7 +2014,7 @@
           <a:p>
             <a:fld id="{FD29D91A-4900-4FAF-91D4-103F5FE010D0}" type="datetimeFigureOut">
               <a:rPr lang="de-DE" smtClean="0"/>
-              <a:t>29.05.2024</a:t>
+              <a:t>20.06.2024</a:t>
             </a:fld>
             <a:endParaRPr lang="de-DE"/>
           </a:p>
@@ -1140,7 +2212,7 @@
           <a:p>
             <a:fld id="{FD29D91A-4900-4FAF-91D4-103F5FE010D0}" type="datetimeFigureOut">
               <a:rPr lang="de-DE" smtClean="0"/>
-              <a:t>29.05.2024</a:t>
+              <a:t>20.06.2024</a:t>
             </a:fld>
             <a:endParaRPr lang="de-DE"/>
           </a:p>
@@ -1348,7 +2420,7 @@
           <a:p>
             <a:fld id="{FD29D91A-4900-4FAF-91D4-103F5FE010D0}" type="datetimeFigureOut">
               <a:rPr lang="de-DE" smtClean="0"/>
-              <a:t>29.05.2024</a:t>
+              <a:t>20.06.2024</a:t>
             </a:fld>
             <a:endParaRPr lang="de-DE"/>
           </a:p>
@@ -1546,7 +2618,7 @@
           <a:p>
             <a:fld id="{FD29D91A-4900-4FAF-91D4-103F5FE010D0}" type="datetimeFigureOut">
               <a:rPr lang="de-DE" smtClean="0"/>
-              <a:t>29.05.2024</a:t>
+              <a:t>20.06.2024</a:t>
             </a:fld>
             <a:endParaRPr lang="de-DE"/>
           </a:p>
@@ -1821,7 +2893,7 @@
           <a:p>
             <a:fld id="{FD29D91A-4900-4FAF-91D4-103F5FE010D0}" type="datetimeFigureOut">
               <a:rPr lang="de-DE" smtClean="0"/>
-              <a:t>29.05.2024</a:t>
+              <a:t>20.06.2024</a:t>
             </a:fld>
             <a:endParaRPr lang="de-DE"/>
           </a:p>
@@ -2086,7 +3158,7 @@
           <a:p>
             <a:fld id="{FD29D91A-4900-4FAF-91D4-103F5FE010D0}" type="datetimeFigureOut">
               <a:rPr lang="de-DE" smtClean="0"/>
-              <a:t>29.05.2024</a:t>
+              <a:t>20.06.2024</a:t>
             </a:fld>
             <a:endParaRPr lang="de-DE"/>
           </a:p>
@@ -2498,7 +3570,7 @@
           <a:p>
             <a:fld id="{FD29D91A-4900-4FAF-91D4-103F5FE010D0}" type="datetimeFigureOut">
               <a:rPr lang="de-DE" smtClean="0"/>
-              <a:t>29.05.2024</a:t>
+              <a:t>20.06.2024</a:t>
             </a:fld>
             <a:endParaRPr lang="de-DE"/>
           </a:p>
@@ -2639,7 +3711,7 @@
           <a:p>
             <a:fld id="{FD29D91A-4900-4FAF-91D4-103F5FE010D0}" type="datetimeFigureOut">
               <a:rPr lang="de-DE" smtClean="0"/>
-              <a:t>29.05.2024</a:t>
+              <a:t>20.06.2024</a:t>
             </a:fld>
             <a:endParaRPr lang="de-DE"/>
           </a:p>
@@ -2752,7 +3824,7 @@
           <a:p>
             <a:fld id="{FD29D91A-4900-4FAF-91D4-103F5FE010D0}" type="datetimeFigureOut">
               <a:rPr lang="de-DE" smtClean="0"/>
-              <a:t>29.05.2024</a:t>
+              <a:t>20.06.2024</a:t>
             </a:fld>
             <a:endParaRPr lang="de-DE"/>
           </a:p>
@@ -3063,7 +4135,7 @@
           <a:p>
             <a:fld id="{FD29D91A-4900-4FAF-91D4-103F5FE010D0}" type="datetimeFigureOut">
               <a:rPr lang="de-DE" smtClean="0"/>
-              <a:t>29.05.2024</a:t>
+              <a:t>20.06.2024</a:t>
             </a:fld>
             <a:endParaRPr lang="de-DE"/>
           </a:p>
@@ -3351,7 +4423,7 @@
           <a:p>
             <a:fld id="{FD29D91A-4900-4FAF-91D4-103F5FE010D0}" type="datetimeFigureOut">
               <a:rPr lang="de-DE" smtClean="0"/>
-              <a:t>29.05.2024</a:t>
+              <a:t>20.06.2024</a:t>
             </a:fld>
             <a:endParaRPr lang="de-DE"/>
           </a:p>
@@ -3592,7 +4664,7 @@
           <a:p>
             <a:fld id="{FD29D91A-4900-4FAF-91D4-103F5FE010D0}" type="datetimeFigureOut">
               <a:rPr lang="de-DE" smtClean="0"/>
-              <a:t>29.05.2024</a:t>
+              <a:t>20.06.2024</a:t>
             </a:fld>
             <a:endParaRPr lang="de-DE"/>
           </a:p>
@@ -4221,11 +5293,7 @@
               <a:t>-App</a:t>
             </a:r>
             <a:br>
-              <a:rPr lang="de-DE" sz="4400">
-                <a:solidFill>
-                  <a:srgbClr val="FFFFFF"/>
-                </a:solidFill>
-              </a:rPr>
+              <a:rPr lang="de-DE" sz="4400"/>
             </a:br>
             <a:r>
               <a:rPr lang="de-DE" sz="3600">
@@ -4233,7 +5301,7 @@
                   <a:srgbClr val="FFFFFF"/>
                 </a:solidFill>
               </a:rPr>
-              <a:t>Codename "TO-</a:t>
+              <a:t>Codename "</a:t>
             </a:r>
             <a:r>
               <a:rPr lang="de-DE" sz="3600" err="1">
@@ -4241,7 +5309,7 @@
                   <a:srgbClr val="FFFFFF"/>
                 </a:solidFill>
               </a:rPr>
-              <a:t>DinO</a:t>
+              <a:t>To</a:t>
             </a:r>
             <a:r>
               <a:rPr lang="de-DE" sz="3600">
@@ -4249,45 +5317,8 @@
                   <a:srgbClr val="FFFFFF"/>
                 </a:solidFill>
               </a:rPr>
-              <a:t>"</a:t>
-            </a:r>
-          </a:p>
-        </p:txBody>
-      </p:sp>
-      <p:sp>
-        <p:nvSpPr>
-          <p:cNvPr id="3" name="Untertitel 2">
-            <a:extLst>
-              <a:ext uri="{FF2B5EF4-FFF2-40B4-BE49-F238E27FC236}">
-                <a16:creationId xmlns:a16="http://schemas.microsoft.com/office/drawing/2014/main" id="{B5A3DD36-30B2-FD18-C745-C31190F0AF4A}"/>
-              </a:ext>
-            </a:extLst>
-          </p:cNvPr>
-          <p:cNvSpPr>
-            <a:spLocks noGrp="1"/>
-          </p:cNvSpPr>
-          <p:nvPr>
-            <p:ph type="subTitle" idx="1"/>
-          </p:nvPr>
-        </p:nvSpPr>
-        <p:spPr>
-          <a:xfrm>
-            <a:off x="643467" y="5277684"/>
-            <a:ext cx="4620584" cy="775494"/>
-          </a:xfrm>
-        </p:spPr>
-        <p:txBody>
-          <a:bodyPr>
-            <a:normAutofit/>
-          </a:bodyPr>
-          <a:lstStyle/>
-          <a:p>
-            <a:pPr algn="l"/>
-            <a:endParaRPr lang="de-DE">
-              <a:solidFill>
-                <a:srgbClr val="FFFFFF"/>
-              </a:solidFill>
-            </a:endParaRPr>
+              <a:t>-Dino"</a:t>
+            </a:r>
           </a:p>
         </p:txBody>
       </p:sp>
@@ -4845,7 +5876,7 @@
         </p:blipFill>
         <p:spPr>
           <a:xfrm>
-            <a:off x="-170" y="10"/>
+            <a:off x="0" y="10"/>
             <a:ext cx="8450317" cy="6857990"/>
           </a:xfrm>
           <a:prstGeom prst="rect">
@@ -5348,10 +6379,10 @@
       </p:pic>
       <p:sp>
         <p:nvSpPr>
-          <p:cNvPr id="9" name="Inhaltsplatzhalter 7">
+          <p:cNvPr id="2" name="Titel 6">
             <a:extLst>
               <a:ext uri="{FF2B5EF4-FFF2-40B4-BE49-F238E27FC236}">
-                <a16:creationId xmlns:a16="http://schemas.microsoft.com/office/drawing/2014/main" id="{179E25BD-6193-34FB-9580-870D52E52742}"/>
+                <a16:creationId xmlns:a16="http://schemas.microsoft.com/office/drawing/2014/main" id="{4A6A2F27-8EBF-ECF4-1717-56ED42A30035}"/>
               </a:ext>
             </a:extLst>
           </p:cNvPr>
@@ -5362,221 +6393,44 @@
         </p:nvSpPr>
         <p:spPr>
           <a:xfrm>
-            <a:off x="855131" y="1823167"/>
-            <a:ext cx="10515600" cy="4353794"/>
+            <a:off x="862368" y="388885"/>
+            <a:ext cx="10515600" cy="1325563"/>
           </a:xfrm>
           <a:prstGeom prst="rect">
             <a:avLst/>
           </a:prstGeom>
         </p:spPr>
         <p:txBody>
-          <a:bodyPr vert="horz" lIns="91440" tIns="45720" rIns="91440" bIns="45720" rtlCol="0">
-            <a:normAutofit/>
+          <a:bodyPr vert="horz" lIns="91440" tIns="45720" rIns="91440" bIns="45720" rtlCol="0" anchor="ctr">
+            <a:noAutofit/>
           </a:bodyPr>
           <a:lstStyle>
-            <a:lvl1pPr marL="228600" indent="-228600" algn="l" defTabSz="914400" rtl="0" eaLnBrk="1" latinLnBrk="0" hangingPunct="1">
+            <a:lvl1pPr algn="l" defTabSz="914400" rtl="0" eaLnBrk="1" latinLnBrk="0" hangingPunct="1">
               <a:lnSpc>
                 <a:spcPct val="90000"/>
               </a:lnSpc>
               <a:spcBef>
-                <a:spcPts val="1000"/>
+                <a:spcPct val="0"/>
               </a:spcBef>
-              <a:buFont typeface="Arial" panose="020B0604020202020204" pitchFamily="34" charset="0"/>
-              <a:buChar char="•"/>
-              <a:defRPr sz="2800" kern="1200">
+              <a:buNone/>
+              <a:defRPr sz="4400" kern="1200">
                 <a:solidFill>
                   <a:schemeClr val="tx1"/>
                 </a:solidFill>
-                <a:latin typeface="+mn-lt"/>
-                <a:ea typeface="+mn-ea"/>
-                <a:cs typeface="+mn-cs"/>
+                <a:latin typeface="+mj-lt"/>
+                <a:ea typeface="+mj-ea"/>
+                <a:cs typeface="+mj-cs"/>
               </a:defRPr>
             </a:lvl1pPr>
-            <a:lvl2pPr marL="685800" indent="-228600" algn="l" defTabSz="914400" rtl="0" eaLnBrk="1" latinLnBrk="0" hangingPunct="1">
-              <a:lnSpc>
-                <a:spcPct val="90000"/>
-              </a:lnSpc>
-              <a:spcBef>
-                <a:spcPts val="500"/>
-              </a:spcBef>
-              <a:buFont typeface="Arial" panose="020B0604020202020204" pitchFamily="34" charset="0"/>
-              <a:buChar char="•"/>
-              <a:defRPr sz="2400" kern="1200">
-                <a:solidFill>
-                  <a:schemeClr val="tx1"/>
-                </a:solidFill>
-                <a:latin typeface="+mn-lt"/>
-                <a:ea typeface="+mn-ea"/>
-                <a:cs typeface="+mn-cs"/>
-              </a:defRPr>
-            </a:lvl2pPr>
-            <a:lvl3pPr marL="1143000" indent="-228600" algn="l" defTabSz="914400" rtl="0" eaLnBrk="1" latinLnBrk="0" hangingPunct="1">
-              <a:lnSpc>
-                <a:spcPct val="90000"/>
-              </a:lnSpc>
-              <a:spcBef>
-                <a:spcPts val="500"/>
-              </a:spcBef>
-              <a:buFont typeface="Arial" panose="020B0604020202020204" pitchFamily="34" charset="0"/>
-              <a:buChar char="•"/>
-              <a:defRPr sz="2000" kern="1200">
-                <a:solidFill>
-                  <a:schemeClr val="tx1"/>
-                </a:solidFill>
-                <a:latin typeface="+mn-lt"/>
-                <a:ea typeface="+mn-ea"/>
-                <a:cs typeface="+mn-cs"/>
-              </a:defRPr>
-            </a:lvl3pPr>
-            <a:lvl4pPr marL="1600200" indent="-228600" algn="l" defTabSz="914400" rtl="0" eaLnBrk="1" latinLnBrk="0" hangingPunct="1">
-              <a:lnSpc>
-                <a:spcPct val="90000"/>
-              </a:lnSpc>
-              <a:spcBef>
-                <a:spcPts val="500"/>
-              </a:spcBef>
-              <a:buFont typeface="Arial" panose="020B0604020202020204" pitchFamily="34" charset="0"/>
-              <a:buChar char="•"/>
-              <a:defRPr sz="1800" kern="1200">
-                <a:solidFill>
-                  <a:schemeClr val="tx1"/>
-                </a:solidFill>
-                <a:latin typeface="+mn-lt"/>
-                <a:ea typeface="+mn-ea"/>
-                <a:cs typeface="+mn-cs"/>
-              </a:defRPr>
-            </a:lvl4pPr>
-            <a:lvl5pPr marL="2057400" indent="-228600" algn="l" defTabSz="914400" rtl="0" eaLnBrk="1" latinLnBrk="0" hangingPunct="1">
-              <a:lnSpc>
-                <a:spcPct val="90000"/>
-              </a:lnSpc>
-              <a:spcBef>
-                <a:spcPts val="500"/>
-              </a:spcBef>
-              <a:buFont typeface="Arial" panose="020B0604020202020204" pitchFamily="34" charset="0"/>
-              <a:buChar char="•"/>
-              <a:defRPr sz="1800" kern="1200">
-                <a:solidFill>
-                  <a:schemeClr val="tx1"/>
-                </a:solidFill>
-                <a:latin typeface="+mn-lt"/>
-                <a:ea typeface="+mn-ea"/>
-                <a:cs typeface="+mn-cs"/>
-              </a:defRPr>
-            </a:lvl5pPr>
-            <a:lvl6pPr marL="2514600" indent="-228600" algn="l" defTabSz="914400" rtl="0" eaLnBrk="1" latinLnBrk="0" hangingPunct="1">
-              <a:lnSpc>
-                <a:spcPct val="90000"/>
-              </a:lnSpc>
-              <a:spcBef>
-                <a:spcPts val="500"/>
-              </a:spcBef>
-              <a:buFont typeface="Arial" panose="020B0604020202020204" pitchFamily="34" charset="0"/>
-              <a:buChar char="•"/>
-              <a:defRPr sz="1800" kern="1200">
-                <a:solidFill>
-                  <a:schemeClr val="tx1"/>
-                </a:solidFill>
-                <a:latin typeface="+mn-lt"/>
-                <a:ea typeface="+mn-ea"/>
-                <a:cs typeface="+mn-cs"/>
-              </a:defRPr>
-            </a:lvl6pPr>
-            <a:lvl7pPr marL="2971800" indent="-228600" algn="l" defTabSz="914400" rtl="0" eaLnBrk="1" latinLnBrk="0" hangingPunct="1">
-              <a:lnSpc>
-                <a:spcPct val="90000"/>
-              </a:lnSpc>
-              <a:spcBef>
-                <a:spcPts val="500"/>
-              </a:spcBef>
-              <a:buFont typeface="Arial" panose="020B0604020202020204" pitchFamily="34" charset="0"/>
-              <a:buChar char="•"/>
-              <a:defRPr sz="1800" kern="1200">
-                <a:solidFill>
-                  <a:schemeClr val="tx1"/>
-                </a:solidFill>
-                <a:latin typeface="+mn-lt"/>
-                <a:ea typeface="+mn-ea"/>
-                <a:cs typeface="+mn-cs"/>
-              </a:defRPr>
-            </a:lvl7pPr>
-            <a:lvl8pPr marL="3429000" indent="-228600" algn="l" defTabSz="914400" rtl="0" eaLnBrk="1" latinLnBrk="0" hangingPunct="1">
-              <a:lnSpc>
-                <a:spcPct val="90000"/>
-              </a:lnSpc>
-              <a:spcBef>
-                <a:spcPts val="500"/>
-              </a:spcBef>
-              <a:buFont typeface="Arial" panose="020B0604020202020204" pitchFamily="34" charset="0"/>
-              <a:buChar char="•"/>
-              <a:defRPr sz="1800" kern="1200">
-                <a:solidFill>
-                  <a:schemeClr val="tx1"/>
-                </a:solidFill>
-                <a:latin typeface="+mn-lt"/>
-                <a:ea typeface="+mn-ea"/>
-                <a:cs typeface="+mn-cs"/>
-              </a:defRPr>
-            </a:lvl8pPr>
-            <a:lvl9pPr marL="3886200" indent="-228600" algn="l" defTabSz="914400" rtl="0" eaLnBrk="1" latinLnBrk="0" hangingPunct="1">
-              <a:lnSpc>
-                <a:spcPct val="90000"/>
-              </a:lnSpc>
-              <a:spcBef>
-                <a:spcPts val="500"/>
-              </a:spcBef>
-              <a:buFont typeface="Arial" panose="020B0604020202020204" pitchFamily="34" charset="0"/>
-              <a:buChar char="•"/>
-              <a:defRPr sz="1800" kern="1200">
-                <a:solidFill>
-                  <a:schemeClr val="tx1"/>
-                </a:solidFill>
-                <a:latin typeface="+mn-lt"/>
-                <a:ea typeface="+mn-ea"/>
-                <a:cs typeface="+mn-cs"/>
-              </a:defRPr>
-            </a:lvl9pPr>
           </a:lstStyle>
           <a:p>
-            <a:pPr>
-              <a:buFont typeface="Symbol" panose="05050102010706020507" pitchFamily="18" charset="2"/>
-              <a:buChar char="-"/>
-            </a:pPr>
-            <a:r>
-              <a:rPr lang="de-DE" dirty="0">
+            <a:r>
+              <a:rPr lang="de-DE">
                 <a:solidFill>
                   <a:schemeClr val="bg1"/>
                 </a:solidFill>
               </a:rPr>
-              <a:t>Sehr begrenzte Funktionalität (angebliches Feature)</a:t>
-            </a:r>
-          </a:p>
-          <a:p>
-            <a:pPr>
-              <a:buFont typeface="Symbol" panose="05050102010706020507" pitchFamily="18" charset="2"/>
-              <a:buChar char="-"/>
-            </a:pPr>
-            <a:r>
-              <a:rPr lang="de-DE" dirty="0">
-                <a:solidFill>
-                  <a:schemeClr val="bg1"/>
-                </a:solidFill>
-              </a:rPr>
-              <a:t>Nur für einzelne Nutzer</a:t>
-            </a:r>
-          </a:p>
-          <a:p>
-            <a:pPr>
-              <a:buFont typeface="Symbol" panose="05050102010706020507" pitchFamily="18" charset="2"/>
-              <a:buChar char="-"/>
-            </a:pPr>
-            <a:r>
-              <a:rPr lang="de-DE" dirty="0">
-                <a:solidFill>
-                  <a:schemeClr val="bg1"/>
-                </a:solidFill>
-              </a:rPr>
-              <a:t>Mit Kosten verbunden, oft sogar laufende Kosten</a:t>
+              <a:t>Was ist das Projekt?</a:t>
             </a:r>
           </a:p>
         </p:txBody>
@@ -5600,28 +6454,17 @@
         <p:spPr/>
         <p:txBody>
           <a:bodyPr>
-            <a:normAutofit fontScale="90000"/>
+            <a:normAutofit/>
           </a:bodyPr>
           <a:lstStyle/>
           <a:p>
             <a:r>
-              <a:rPr lang="de-DE" sz="6000" dirty="0" err="1">
+              <a:rPr lang="de-DE">
                 <a:latin typeface="+mj-lt"/>
               </a:rPr>
-              <a:t>To</a:t>
-            </a:r>
-            <a:r>
-              <a:rPr lang="de-DE" sz="6000" dirty="0">
-                <a:latin typeface="+mj-lt"/>
-              </a:rPr>
-              <a:t>-Do-Apps</a:t>
-            </a:r>
-            <a:br>
-              <a:rPr lang="de-DE" sz="4400" dirty="0">
-                <a:latin typeface="+mj-lt"/>
-              </a:rPr>
-            </a:br>
-            <a:endParaRPr lang="de-DE" dirty="0"/>
+              <a:t>Was ist das Projekt?</a:t>
+            </a:r>
+            <a:endParaRPr lang="de-DE"/>
           </a:p>
         </p:txBody>
       </p:sp>
@@ -5641,39 +6484,41 @@
             <p:ph idx="1"/>
           </p:nvPr>
         </p:nvSpPr>
-        <p:spPr/>
+        <p:spPr>
+          <a:xfrm>
+            <a:off x="838200" y="1825625"/>
+            <a:ext cx="7959571" cy="4351338"/>
+          </a:xfrm>
+        </p:spPr>
         <p:txBody>
           <a:bodyPr/>
           <a:lstStyle/>
           <a:p>
-            <a:pPr>
-              <a:buFont typeface="Symbol" panose="05050102010706020507" pitchFamily="18" charset="2"/>
-              <a:buChar char="-"/>
-            </a:pPr>
-            <a:r>
-              <a:rPr lang="de-DE" dirty="0"/>
-              <a:t>Sehr begrenzte Funktionalität (angebliches Feature)</a:t>
-            </a:r>
-          </a:p>
-          <a:p>
-            <a:pPr>
-              <a:buFont typeface="Symbol" panose="05050102010706020507" pitchFamily="18" charset="2"/>
-              <a:buChar char="-"/>
-            </a:pPr>
-            <a:r>
-              <a:rPr lang="de-DE" dirty="0"/>
-              <a:t>Nur für einzelne Nutzer</a:t>
-            </a:r>
-          </a:p>
-          <a:p>
-            <a:pPr>
-              <a:buFont typeface="Symbol" panose="05050102010706020507" pitchFamily="18" charset="2"/>
-              <a:buChar char="-"/>
-            </a:pPr>
-            <a:r>
-              <a:rPr lang="de-DE" dirty="0"/>
-              <a:t>Mit Kosten verbunden, oft sogar laufende Kosten</a:t>
-            </a:r>
+            <a:r>
+              <a:rPr lang="de-DE"/>
+              <a:t>To-Do-Listen erstellen</a:t>
+            </a:r>
+          </a:p>
+          <a:p>
+            <a:r>
+              <a:rPr lang="de-DE"/>
+              <a:t>To-Do-Listen bearbeiten</a:t>
+            </a:r>
+          </a:p>
+          <a:p>
+            <a:r>
+              <a:rPr lang="de-DE"/>
+              <a:t>Web-basiert</a:t>
+            </a:r>
+          </a:p>
+          <a:p>
+            <a:r>
+              <a:rPr lang="de-DE"/>
+              <a:t>Es müssen Dinos drin vorkommen</a:t>
+            </a:r>
+          </a:p>
+          <a:p>
+            <a:endParaRPr lang="de-DE"/>
           </a:p>
         </p:txBody>
       </p:sp>
@@ -5687,6 +6532,232 @@
   <p:clrMapOvr>
     <a:masterClrMapping/>
   </p:clrMapOvr>
+  <p:timing>
+    <p:tnLst>
+      <p:par>
+        <p:cTn id="1" dur="indefinite" restart="never" nodeType="tmRoot">
+          <p:childTnLst>
+            <p:seq concurrent="1" nextAc="seek">
+              <p:cTn id="2" dur="indefinite" nodeType="mainSeq">
+                <p:childTnLst>
+                  <p:par>
+                    <p:cTn id="3" fill="hold">
+                      <p:stCondLst>
+                        <p:cond delay="indefinite"/>
+                      </p:stCondLst>
+                      <p:childTnLst>
+                        <p:par>
+                          <p:cTn id="4" fill="hold">
+                            <p:stCondLst>
+                              <p:cond delay="0"/>
+                            </p:stCondLst>
+                            <p:childTnLst>
+                              <p:par>
+                                <p:cTn id="5" presetID="1" presetClass="entr" presetSubtype="0" fill="hold" nodeType="clickEffect">
+                                  <p:stCondLst>
+                                    <p:cond delay="0"/>
+                                  </p:stCondLst>
+                                  <p:childTnLst>
+                                    <p:set>
+                                      <p:cBhvr>
+                                        <p:cTn id="6" dur="1" fill="hold">
+                                          <p:stCondLst>
+                                            <p:cond delay="0"/>
+                                          </p:stCondLst>
+                                        </p:cTn>
+                                        <p:tgtEl>
+                                          <p:spTgt spid="8">
+                                            <p:txEl>
+                                              <p:pRg st="0" end="0"/>
+                                            </p:txEl>
+                                          </p:spTgt>
+                                        </p:tgtEl>
+                                        <p:attrNameLst>
+                                          <p:attrName>style.visibility</p:attrName>
+                                        </p:attrNameLst>
+                                      </p:cBhvr>
+                                      <p:to>
+                                        <p:strVal val="visible"/>
+                                      </p:to>
+                                    </p:set>
+                                  </p:childTnLst>
+                                </p:cTn>
+                              </p:par>
+                            </p:childTnLst>
+                          </p:cTn>
+                        </p:par>
+                      </p:childTnLst>
+                    </p:cTn>
+                  </p:par>
+                  <p:par>
+                    <p:cTn id="7" fill="hold">
+                      <p:stCondLst>
+                        <p:cond delay="indefinite"/>
+                      </p:stCondLst>
+                      <p:childTnLst>
+                        <p:par>
+                          <p:cTn id="8" fill="hold">
+                            <p:stCondLst>
+                              <p:cond delay="0"/>
+                            </p:stCondLst>
+                            <p:childTnLst>
+                              <p:par>
+                                <p:cTn id="9" presetID="1" presetClass="entr" presetSubtype="0" fill="hold" nodeType="clickEffect">
+                                  <p:stCondLst>
+                                    <p:cond delay="0"/>
+                                  </p:stCondLst>
+                                  <p:childTnLst>
+                                    <p:set>
+                                      <p:cBhvr>
+                                        <p:cTn id="10" dur="1" fill="hold">
+                                          <p:stCondLst>
+                                            <p:cond delay="0"/>
+                                          </p:stCondLst>
+                                        </p:cTn>
+                                        <p:tgtEl>
+                                          <p:spTgt spid="8">
+                                            <p:txEl>
+                                              <p:pRg st="1" end="1"/>
+                                            </p:txEl>
+                                          </p:spTgt>
+                                        </p:tgtEl>
+                                        <p:attrNameLst>
+                                          <p:attrName>style.visibility</p:attrName>
+                                        </p:attrNameLst>
+                                      </p:cBhvr>
+                                      <p:to>
+                                        <p:strVal val="visible"/>
+                                      </p:to>
+                                    </p:set>
+                                  </p:childTnLst>
+                                </p:cTn>
+                              </p:par>
+                            </p:childTnLst>
+                          </p:cTn>
+                        </p:par>
+                      </p:childTnLst>
+                    </p:cTn>
+                  </p:par>
+                  <p:par>
+                    <p:cTn id="11" fill="hold">
+                      <p:stCondLst>
+                        <p:cond delay="indefinite"/>
+                      </p:stCondLst>
+                      <p:childTnLst>
+                        <p:par>
+                          <p:cTn id="12" fill="hold">
+                            <p:stCondLst>
+                              <p:cond delay="0"/>
+                            </p:stCondLst>
+                            <p:childTnLst>
+                              <p:par>
+                                <p:cTn id="13" presetID="1" presetClass="entr" presetSubtype="0" fill="hold" nodeType="clickEffect">
+                                  <p:stCondLst>
+                                    <p:cond delay="0"/>
+                                  </p:stCondLst>
+                                  <p:childTnLst>
+                                    <p:set>
+                                      <p:cBhvr>
+                                        <p:cTn id="14" dur="1" fill="hold">
+                                          <p:stCondLst>
+                                            <p:cond delay="0"/>
+                                          </p:stCondLst>
+                                        </p:cTn>
+                                        <p:tgtEl>
+                                          <p:spTgt spid="8">
+                                            <p:txEl>
+                                              <p:pRg st="2" end="2"/>
+                                            </p:txEl>
+                                          </p:spTgt>
+                                        </p:tgtEl>
+                                        <p:attrNameLst>
+                                          <p:attrName>style.visibility</p:attrName>
+                                        </p:attrNameLst>
+                                      </p:cBhvr>
+                                      <p:to>
+                                        <p:strVal val="visible"/>
+                                      </p:to>
+                                    </p:set>
+                                  </p:childTnLst>
+                                </p:cTn>
+                              </p:par>
+                            </p:childTnLst>
+                          </p:cTn>
+                        </p:par>
+                      </p:childTnLst>
+                    </p:cTn>
+                  </p:par>
+                  <p:par>
+                    <p:cTn id="15" fill="hold">
+                      <p:stCondLst>
+                        <p:cond delay="indefinite"/>
+                      </p:stCondLst>
+                      <p:childTnLst>
+                        <p:par>
+                          <p:cTn id="16" fill="hold">
+                            <p:stCondLst>
+                              <p:cond delay="0"/>
+                            </p:stCondLst>
+                            <p:childTnLst>
+                              <p:par>
+                                <p:cTn id="17" presetID="1" presetClass="entr" presetSubtype="0" fill="hold" nodeType="clickEffect">
+                                  <p:stCondLst>
+                                    <p:cond delay="0"/>
+                                  </p:stCondLst>
+                                  <p:childTnLst>
+                                    <p:set>
+                                      <p:cBhvr>
+                                        <p:cTn id="18" dur="1" fill="hold">
+                                          <p:stCondLst>
+                                            <p:cond delay="0"/>
+                                          </p:stCondLst>
+                                        </p:cTn>
+                                        <p:tgtEl>
+                                          <p:spTgt spid="8">
+                                            <p:txEl>
+                                              <p:pRg st="3" end="3"/>
+                                            </p:txEl>
+                                          </p:spTgt>
+                                        </p:tgtEl>
+                                        <p:attrNameLst>
+                                          <p:attrName>style.visibility</p:attrName>
+                                        </p:attrNameLst>
+                                      </p:cBhvr>
+                                      <p:to>
+                                        <p:strVal val="visible"/>
+                                      </p:to>
+                                    </p:set>
+                                  </p:childTnLst>
+                                </p:cTn>
+                              </p:par>
+                            </p:childTnLst>
+                          </p:cTn>
+                        </p:par>
+                      </p:childTnLst>
+                    </p:cTn>
+                  </p:par>
+                </p:childTnLst>
+              </p:cTn>
+              <p:prevCondLst>
+                <p:cond evt="onPrev" delay="0">
+                  <p:tgtEl>
+                    <p:sldTgt/>
+                  </p:tgtEl>
+                </p:cond>
+              </p:prevCondLst>
+              <p:nextCondLst>
+                <p:cond evt="onNext" delay="0">
+                  <p:tgtEl>
+                    <p:sldTgt/>
+                  </p:tgtEl>
+                </p:cond>
+              </p:nextCondLst>
+            </p:seq>
+          </p:childTnLst>
+        </p:cTn>
+      </p:par>
+    </p:tnLst>
+  </p:timing>
 </p:sld>
 </file>
 
@@ -5717,764 +6788,6 @@
       </p:grpSpPr>
       <p:pic>
         <p:nvPicPr>
-          <p:cNvPr id="4" name="Grafik 3" descr="Ein Bild, das Dinosaurier, Fußball, Schuhwerk, Ball enthält.&#10;&#10;Beschreibung automatisch generiert.">
-            <a:extLst>
-              <a:ext uri="{FF2B5EF4-FFF2-40B4-BE49-F238E27FC236}">
-                <a16:creationId xmlns:a16="http://schemas.microsoft.com/office/drawing/2014/main" id="{F438A18E-25B3-6546-CB29-D5CAE8FF8727}"/>
-              </a:ext>
-            </a:extLst>
-          </p:cNvPr>
-          <p:cNvPicPr>
-            <a:picLocks noChangeAspect="1"/>
-          </p:cNvPicPr>
-          <p:nvPr/>
-        </p:nvPicPr>
-        <p:blipFill rotWithShape="1">
-          <a:blip r:embed="rId2">
-            <a:alphaModFix amt="40000"/>
-          </a:blip>
-          <a:srcRect t="18843" r="1" b="1"/>
-          <a:stretch/>
-        </p:blipFill>
-        <p:spPr>
-          <a:xfrm>
-            <a:off x="-170" y="10"/>
-            <a:ext cx="8450317" cy="6857990"/>
-          </a:xfrm>
-          <a:prstGeom prst="rect">
-            <a:avLst/>
-          </a:prstGeom>
-        </p:spPr>
-      </p:pic>
-      <p:pic>
-        <p:nvPicPr>
-          <p:cNvPr id="5" name="Grafik 4" descr="Ein Bild, das Fußball, Schuhwerk, Ball, Person enthält.&#10;&#10;Beschreibung automatisch generiert.">
-            <a:extLst>
-              <a:ext uri="{FF2B5EF4-FFF2-40B4-BE49-F238E27FC236}">
-                <a16:creationId xmlns:a16="http://schemas.microsoft.com/office/drawing/2014/main" id="{F82E704A-C778-455A-4705-7101175F4905}"/>
-              </a:ext>
-            </a:extLst>
-          </p:cNvPr>
-          <p:cNvPicPr>
-            <a:picLocks noChangeAspect="1"/>
-          </p:cNvPicPr>
-          <p:nvPr/>
-        </p:nvPicPr>
-        <p:blipFill rotWithShape="1">
-          <a:blip r:embed="rId3"/>
-          <a:srcRect l="3060" r="9993"/>
-          <a:stretch/>
-        </p:blipFill>
-        <p:spPr>
-          <a:xfrm>
-            <a:off x="6225997" y="-2458"/>
-            <a:ext cx="5962785" cy="6858000"/>
-          </a:xfrm>
-          <a:custGeom>
-            <a:avLst/>
-            <a:gdLst/>
-            <a:ahLst/>
-            <a:cxnLst/>
-            <a:rect l="l" t="t" r="r" b="b"/>
-            <a:pathLst>
-              <a:path w="5962785" h="6858000">
-                <a:moveTo>
-                  <a:pt x="1044839" y="0"/>
-                </a:moveTo>
-                <a:lnTo>
-                  <a:pt x="5962785" y="0"/>
-                </a:lnTo>
-                <a:lnTo>
-                  <a:pt x="5962785" y="6858000"/>
-                </a:lnTo>
-                <a:lnTo>
-                  <a:pt x="1469886" y="6858000"/>
-                </a:lnTo>
-                <a:lnTo>
-                  <a:pt x="1416006" y="6823984"/>
-                </a:lnTo>
-                <a:cubicBezTo>
-                  <a:pt x="1356767" y="6787940"/>
-                  <a:pt x="1296437" y="6755500"/>
-                  <a:pt x="1232473" y="6733873"/>
-                </a:cubicBezTo>
-                <a:cubicBezTo>
-                  <a:pt x="1145250" y="6705037"/>
-                  <a:pt x="1060933" y="6654575"/>
-                  <a:pt x="1075471" y="6503186"/>
-                </a:cubicBezTo>
-                <a:cubicBezTo>
-                  <a:pt x="1078378" y="6459932"/>
-                  <a:pt x="1055118" y="6427493"/>
-                  <a:pt x="1020229" y="6438306"/>
-                </a:cubicBezTo>
-                <a:cubicBezTo>
-                  <a:pt x="953358" y="6459932"/>
-                  <a:pt x="921375" y="6398656"/>
-                  <a:pt x="883579" y="6351798"/>
-                </a:cubicBezTo>
-                <a:cubicBezTo>
-                  <a:pt x="816707" y="6268895"/>
-                  <a:pt x="752743" y="6182387"/>
-                  <a:pt x="645167" y="6167969"/>
-                </a:cubicBezTo>
-                <a:cubicBezTo>
-                  <a:pt x="665519" y="6103088"/>
-                  <a:pt x="700408" y="6110298"/>
-                  <a:pt x="732391" y="6124716"/>
-                </a:cubicBezTo>
-                <a:cubicBezTo>
-                  <a:pt x="816707" y="6160761"/>
-                  <a:pt x="901023" y="6200410"/>
-                  <a:pt x="985339" y="6236455"/>
-                </a:cubicBezTo>
-                <a:cubicBezTo>
-                  <a:pt x="1040581" y="6258081"/>
-                  <a:pt x="1095822" y="6290522"/>
-                  <a:pt x="1168509" y="6265291"/>
-                </a:cubicBezTo>
-                <a:cubicBezTo>
-                  <a:pt x="1104545" y="6135530"/>
-                  <a:pt x="996969" y="6110298"/>
-                  <a:pt x="909746" y="6070649"/>
-                </a:cubicBezTo>
-                <a:cubicBezTo>
-                  <a:pt x="802169" y="6020185"/>
-                  <a:pt x="738206" y="5926470"/>
-                  <a:pt x="659704" y="5818335"/>
-                </a:cubicBezTo>
-                <a:cubicBezTo>
-                  <a:pt x="738206" y="5789500"/>
-                  <a:pt x="787632" y="5868798"/>
-                  <a:pt x="851597" y="5865193"/>
-                </a:cubicBezTo>
-                <a:cubicBezTo>
-                  <a:pt x="854504" y="5854380"/>
-                  <a:pt x="860319" y="5832753"/>
-                  <a:pt x="860319" y="5832753"/>
-                </a:cubicBezTo>
-                <a:cubicBezTo>
-                  <a:pt x="755650" y="5775081"/>
-                  <a:pt x="709132" y="5666947"/>
-                  <a:pt x="691686" y="5533581"/>
-                </a:cubicBezTo>
-                <a:cubicBezTo>
-                  <a:pt x="685872" y="5465095"/>
-                  <a:pt x="648075" y="5443468"/>
-                  <a:pt x="610278" y="5411029"/>
-                </a:cubicBezTo>
-                <a:cubicBezTo>
-                  <a:pt x="482350" y="5299289"/>
-                  <a:pt x="345700" y="5198364"/>
-                  <a:pt x="238123" y="5046976"/>
-                </a:cubicBezTo>
-                <a:cubicBezTo>
-                  <a:pt x="363144" y="5064998"/>
-                  <a:pt x="461997" y="5165924"/>
-                  <a:pt x="592833" y="5209177"/>
-                </a:cubicBezTo>
-                <a:cubicBezTo>
-                  <a:pt x="488165" y="5043371"/>
-                  <a:pt x="351514" y="4956864"/>
-                  <a:pt x="226494" y="4855939"/>
-                </a:cubicBezTo>
-                <a:cubicBezTo>
-                  <a:pt x="168344" y="4809081"/>
-                  <a:pt x="116011" y="4751408"/>
-                  <a:pt x="49139" y="4726177"/>
-                </a:cubicBezTo>
-                <a:cubicBezTo>
-                  <a:pt x="25879" y="4718968"/>
-                  <a:pt x="-14825" y="4700947"/>
-                  <a:pt x="5527" y="4650483"/>
-                </a:cubicBezTo>
-                <a:cubicBezTo>
-                  <a:pt x="22972" y="4607230"/>
-                  <a:pt x="54954" y="4621648"/>
-                  <a:pt x="84029" y="4632460"/>
-                </a:cubicBezTo>
-                <a:cubicBezTo>
-                  <a:pt x="153807" y="4661296"/>
-                  <a:pt x="229401" y="4661296"/>
-                  <a:pt x="325347" y="4661296"/>
-                </a:cubicBezTo>
-                <a:cubicBezTo>
-                  <a:pt x="243939" y="4524326"/>
-                  <a:pt x="95658" y="4567580"/>
-                  <a:pt x="25879" y="4423401"/>
-                </a:cubicBezTo>
-                <a:cubicBezTo>
-                  <a:pt x="113103" y="4398170"/>
-                  <a:pt x="179975" y="4448632"/>
-                  <a:pt x="249753" y="4459446"/>
-                </a:cubicBezTo>
-                <a:cubicBezTo>
-                  <a:pt x="313718" y="4470259"/>
-                  <a:pt x="328254" y="4445028"/>
-                  <a:pt x="313718" y="4365729"/>
-                </a:cubicBezTo>
-                <a:cubicBezTo>
-                  <a:pt x="290458" y="4243177"/>
-                  <a:pt x="325347" y="4181900"/>
-                  <a:pt x="418386" y="4214341"/>
-                </a:cubicBezTo>
-                <a:cubicBezTo>
-                  <a:pt x="505609" y="4246781"/>
-                  <a:pt x="514332" y="4199922"/>
-                  <a:pt x="491072" y="4131438"/>
-                </a:cubicBezTo>
-                <a:cubicBezTo>
-                  <a:pt x="456183" y="4030512"/>
-                  <a:pt x="493979" y="3951214"/>
-                  <a:pt x="520147" y="3864706"/>
-                </a:cubicBezTo>
-                <a:cubicBezTo>
-                  <a:pt x="560851" y="3734945"/>
-                  <a:pt x="543407" y="3670064"/>
-                  <a:pt x="459090" y="3572743"/>
-                </a:cubicBezTo>
-                <a:cubicBezTo>
-                  <a:pt x="409664" y="3518676"/>
-                  <a:pt x="360236" y="3471818"/>
-                  <a:pt x="290458" y="3424959"/>
-                </a:cubicBezTo>
-                <a:cubicBezTo>
-                  <a:pt x="450368" y="3399728"/>
-                  <a:pt x="284643" y="3313221"/>
-                  <a:pt x="339884" y="3259153"/>
-                </a:cubicBezTo>
-                <a:cubicBezTo>
-                  <a:pt x="453275" y="3237527"/>
-                  <a:pt x="543407" y="3410542"/>
-                  <a:pt x="697501" y="3360078"/>
-                </a:cubicBezTo>
-                <a:cubicBezTo>
-                  <a:pt x="511425" y="3212294"/>
-                  <a:pt x="302087" y="3165436"/>
-                  <a:pt x="165437" y="2967190"/>
-                </a:cubicBezTo>
-                <a:cubicBezTo>
-                  <a:pt x="197419" y="2923937"/>
-                  <a:pt x="229401" y="2967190"/>
-                  <a:pt x="255568" y="2949167"/>
-                </a:cubicBezTo>
-                <a:cubicBezTo>
-                  <a:pt x="255568" y="2938354"/>
-                  <a:pt x="560851" y="3006840"/>
-                  <a:pt x="578296" y="2725691"/>
-                </a:cubicBezTo>
-                <a:cubicBezTo>
-                  <a:pt x="584111" y="2725691"/>
-                  <a:pt x="589926" y="2725691"/>
-                  <a:pt x="595740" y="2714876"/>
-                </a:cubicBezTo>
-                <a:cubicBezTo>
-                  <a:pt x="627722" y="2675228"/>
-                  <a:pt x="598648" y="2581510"/>
-                  <a:pt x="650982" y="2574301"/>
-                </a:cubicBezTo>
-                <a:cubicBezTo>
-                  <a:pt x="709132" y="2567092"/>
-                  <a:pt x="764373" y="2534653"/>
-                  <a:pt x="825429" y="2552674"/>
-                </a:cubicBezTo>
-                <a:cubicBezTo>
-                  <a:pt x="871949" y="2567092"/>
-                  <a:pt x="921375" y="2585115"/>
-                  <a:pt x="970802" y="2585115"/>
-                </a:cubicBezTo>
-                <a:cubicBezTo>
-                  <a:pt x="1023136" y="2585115"/>
-                  <a:pt x="1095822" y="2707668"/>
-                  <a:pt x="1127805" y="2545465"/>
-                </a:cubicBezTo>
-                <a:cubicBezTo>
-                  <a:pt x="1127805" y="2538257"/>
-                  <a:pt x="1217936" y="2556280"/>
-                  <a:pt x="1267362" y="2563488"/>
-                </a:cubicBezTo>
-                <a:cubicBezTo>
-                  <a:pt x="1308067" y="2570698"/>
-                  <a:pt x="1357494" y="2603137"/>
-                  <a:pt x="1386568" y="2538257"/>
-                </a:cubicBezTo>
-                <a:cubicBezTo>
-                  <a:pt x="1401105" y="2498607"/>
-                  <a:pt x="1331326" y="2426518"/>
-                  <a:pt x="1270270" y="2419309"/>
-                </a:cubicBezTo>
-                <a:cubicBezTo>
-                  <a:pt x="1215029" y="2412101"/>
-                  <a:pt x="1159787" y="2404892"/>
-                  <a:pt x="1107453" y="2419309"/>
-                </a:cubicBezTo>
-                <a:cubicBezTo>
-                  <a:pt x="1043489" y="2437331"/>
-                  <a:pt x="1008599" y="2408495"/>
-                  <a:pt x="991154" y="2343615"/>
-                </a:cubicBezTo>
-                <a:cubicBezTo>
-                  <a:pt x="970802" y="2275131"/>
-                  <a:pt x="933005" y="2239085"/>
-                  <a:pt x="880671" y="2206645"/>
-                </a:cubicBezTo>
-                <a:cubicBezTo>
-                  <a:pt x="752743" y="2127346"/>
-                  <a:pt x="630630" y="2033629"/>
-                  <a:pt x="491072" y="1986771"/>
-                </a:cubicBezTo>
-                <a:cubicBezTo>
-                  <a:pt x="464905" y="1979562"/>
-                  <a:pt x="432923" y="1965145"/>
-                  <a:pt x="421293" y="1903868"/>
-                </a:cubicBezTo>
-                <a:cubicBezTo>
-                  <a:pt x="799262" y="1997584"/>
-                  <a:pt x="1142342" y="2239085"/>
-                  <a:pt x="1531941" y="2224667"/>
-                </a:cubicBezTo>
-                <a:cubicBezTo>
-                  <a:pt x="1427272" y="2148974"/>
-                  <a:pt x="1302252" y="2145369"/>
-                  <a:pt x="1188861" y="2091301"/>
-                </a:cubicBezTo>
-                <a:cubicBezTo>
-                  <a:pt x="1270270" y="2051652"/>
-                  <a:pt x="1345864" y="2094906"/>
-                  <a:pt x="1421458" y="2116532"/>
-                </a:cubicBezTo>
-                <a:cubicBezTo>
-                  <a:pt x="1485422" y="2134554"/>
-                  <a:pt x="1543571" y="2138160"/>
-                  <a:pt x="1549386" y="2026420"/>
-                </a:cubicBezTo>
-                <a:cubicBezTo>
-                  <a:pt x="1549386" y="2015607"/>
-                  <a:pt x="1549386" y="2008398"/>
-                  <a:pt x="1549386" y="1997584"/>
-                </a:cubicBezTo>
-                <a:cubicBezTo>
-                  <a:pt x="1526126" y="1950727"/>
-                  <a:pt x="1494144" y="1929099"/>
-                  <a:pt x="1453440" y="1914682"/>
-                </a:cubicBezTo>
-                <a:cubicBezTo>
-                  <a:pt x="1430180" y="1907473"/>
-                  <a:pt x="1398198" y="1893056"/>
-                  <a:pt x="1398198" y="1860614"/>
-                </a:cubicBezTo>
-                <a:cubicBezTo>
-                  <a:pt x="1401105" y="1738063"/>
-                  <a:pt x="1322604" y="1702018"/>
-                  <a:pt x="1247011" y="1665972"/>
-                </a:cubicBezTo>
-                <a:cubicBezTo>
-                  <a:pt x="1287715" y="1604696"/>
-                  <a:pt x="1322604" y="1647950"/>
-                  <a:pt x="1354586" y="1644345"/>
-                </a:cubicBezTo>
-                <a:cubicBezTo>
-                  <a:pt x="1374939" y="1640741"/>
-                  <a:pt x="1395290" y="1637138"/>
-                  <a:pt x="1395290" y="1604696"/>
-                </a:cubicBezTo>
-                <a:cubicBezTo>
-                  <a:pt x="1395290" y="1579465"/>
-                  <a:pt x="1386568" y="1547025"/>
-                  <a:pt x="1366216" y="1547025"/>
-                </a:cubicBezTo>
-                <a:cubicBezTo>
-                  <a:pt x="1238288" y="1543420"/>
-                  <a:pt x="1165601" y="1370405"/>
-                  <a:pt x="1031858" y="1370405"/>
-                </a:cubicBezTo>
-                <a:cubicBezTo>
-                  <a:pt x="950450" y="1370405"/>
-                  <a:pt x="1072563" y="1273083"/>
-                  <a:pt x="1005692" y="1233435"/>
-                </a:cubicBezTo>
-                <a:cubicBezTo>
-                  <a:pt x="991154" y="1222621"/>
-                  <a:pt x="1046396" y="1208203"/>
-                  <a:pt x="1069655" y="1211808"/>
-                </a:cubicBezTo>
-                <a:cubicBezTo>
-                  <a:pt x="1092915" y="1215412"/>
-                  <a:pt x="1113268" y="1240644"/>
-                  <a:pt x="1142342" y="1222621"/>
-                </a:cubicBezTo>
-                <a:cubicBezTo>
-                  <a:pt x="1156879" y="1157741"/>
-                  <a:pt x="1119082" y="1132510"/>
-                  <a:pt x="1084193" y="1114487"/>
-                </a:cubicBezTo>
-                <a:cubicBezTo>
-                  <a:pt x="1008599" y="1071234"/>
-                  <a:pt x="933005" y="1020771"/>
-                  <a:pt x="848689" y="1006353"/>
-                </a:cubicBezTo>
-                <a:cubicBezTo>
-                  <a:pt x="819615" y="1002748"/>
-                  <a:pt x="802169" y="984726"/>
-                  <a:pt x="805077" y="948681"/>
-                </a:cubicBezTo>
-                <a:cubicBezTo>
-                  <a:pt x="810892" y="901822"/>
-                  <a:pt x="839967" y="916240"/>
-                  <a:pt x="863226" y="919844"/>
-                </a:cubicBezTo>
-                <a:cubicBezTo>
-                  <a:pt x="877764" y="923450"/>
-                  <a:pt x="892301" y="934263"/>
-                  <a:pt x="906838" y="909031"/>
-                </a:cubicBezTo>
-                <a:cubicBezTo>
-                  <a:pt x="566666" y="653113"/>
-                  <a:pt x="386404" y="667532"/>
-                  <a:pt x="5527" y="458471"/>
-                </a:cubicBezTo>
-                <a:cubicBezTo>
-                  <a:pt x="89843" y="418822"/>
-                  <a:pt x="150900" y="447658"/>
-                  <a:pt x="209049" y="454867"/>
-                </a:cubicBezTo>
-                <a:cubicBezTo>
-                  <a:pt x="354422" y="472890"/>
-                  <a:pt x="264290" y="505329"/>
-                  <a:pt x="409664" y="526956"/>
-                </a:cubicBezTo>
-                <a:cubicBezTo>
-                  <a:pt x="479443" y="537770"/>
-                  <a:pt x="543407" y="573815"/>
-                  <a:pt x="621908" y="516143"/>
-                </a:cubicBezTo>
-                <a:cubicBezTo>
-                  <a:pt x="674242" y="476494"/>
-                  <a:pt x="758558" y="519747"/>
-                  <a:pt x="822522" y="552188"/>
-                </a:cubicBezTo>
-                <a:cubicBezTo>
-                  <a:pt x="874856" y="581024"/>
-                  <a:pt x="927190" y="588232"/>
-                  <a:pt x="996969" y="552188"/>
-                </a:cubicBezTo>
-                <a:cubicBezTo>
-                  <a:pt x="933005" y="530562"/>
-                  <a:pt x="883579" y="512539"/>
-                  <a:pt x="834151" y="498120"/>
-                </a:cubicBezTo>
-                <a:cubicBezTo>
-                  <a:pt x="793447" y="487307"/>
-                  <a:pt x="770187" y="462076"/>
-                  <a:pt x="773095" y="408008"/>
-                </a:cubicBezTo>
-                <a:cubicBezTo>
-                  <a:pt x="773095" y="379172"/>
-                  <a:pt x="764373" y="339523"/>
-                  <a:pt x="793447" y="325106"/>
-                </a:cubicBezTo>
-                <a:cubicBezTo>
-                  <a:pt x="816707" y="310688"/>
-                  <a:pt x="848689" y="325106"/>
-                  <a:pt x="860319" y="350336"/>
-                </a:cubicBezTo>
-                <a:cubicBezTo>
-                  <a:pt x="874856" y="397195"/>
-                  <a:pt x="889393" y="440449"/>
-                  <a:pt x="938820" y="444054"/>
-                </a:cubicBezTo>
-                <a:cubicBezTo>
-                  <a:pt x="1005692" y="451262"/>
-                  <a:pt x="967894" y="422426"/>
-                  <a:pt x="956265" y="386381"/>
-                </a:cubicBezTo>
-                <a:cubicBezTo>
-                  <a:pt x="944635" y="346733"/>
-                  <a:pt x="979525" y="335919"/>
-                  <a:pt x="1002784" y="343127"/>
-                </a:cubicBezTo>
-                <a:cubicBezTo>
-                  <a:pt x="1090008" y="375569"/>
-                  <a:pt x="1180139" y="317897"/>
-                  <a:pt x="1270270" y="364755"/>
-                </a:cubicBezTo>
-                <a:cubicBezTo>
-                  <a:pt x="1247011" y="249411"/>
-                  <a:pt x="1197583" y="198949"/>
-                  <a:pt x="1092915" y="180926"/>
-                </a:cubicBezTo>
-                <a:cubicBezTo>
-                  <a:pt x="1055118" y="177322"/>
-                  <a:pt x="1014414" y="184530"/>
-                  <a:pt x="979525" y="152090"/>
-                </a:cubicBezTo>
-                <a:cubicBezTo>
-                  <a:pt x="959172" y="134068"/>
-                  <a:pt x="938820" y="112441"/>
-                  <a:pt x="953358" y="76396"/>
-                </a:cubicBezTo>
-                <a:cubicBezTo>
-                  <a:pt x="962080" y="51165"/>
-                  <a:pt x="985339" y="51165"/>
-                  <a:pt x="1005692" y="58373"/>
-                </a:cubicBezTo>
-                <a:cubicBezTo>
-                  <a:pt x="1090008" y="98023"/>
-                  <a:pt x="1180139" y="108837"/>
-                  <a:pt x="1267362" y="123254"/>
-                </a:cubicBezTo>
-                <a:cubicBezTo>
-                  <a:pt x="1281900" y="126859"/>
-                  <a:pt x="1296437" y="134068"/>
-                  <a:pt x="1310975" y="98023"/>
-                </a:cubicBezTo>
-                <a:cubicBezTo>
-                  <a:pt x="1260095" y="81803"/>
-                  <a:pt x="1209941" y="62879"/>
-                  <a:pt x="1159787" y="43505"/>
-                </a:cubicBezTo>
-                <a:close/>
-              </a:path>
-            </a:pathLst>
-          </a:custGeom>
-        </p:spPr>
-      </p:pic>
-      <p:sp>
-        <p:nvSpPr>
-          <p:cNvPr id="6" name="Titel 5">
-            <a:extLst>
-              <a:ext uri="{FF2B5EF4-FFF2-40B4-BE49-F238E27FC236}">
-                <a16:creationId xmlns:a16="http://schemas.microsoft.com/office/drawing/2014/main" id="{4402B8F0-11BD-5A66-41DB-DD40E11F5603}"/>
-              </a:ext>
-            </a:extLst>
-          </p:cNvPr>
-          <p:cNvSpPr>
-            <a:spLocks noGrp="1"/>
-          </p:cNvSpPr>
-          <p:nvPr>
-            <p:ph type="title"/>
-          </p:nvPr>
-        </p:nvSpPr>
-        <p:spPr/>
-        <p:txBody>
-          <a:bodyPr/>
-          <a:lstStyle/>
-          <a:p>
-            <a:r>
-              <a:rPr lang="de-DE" dirty="0"/>
-              <a:t>Was macht uns besonders?</a:t>
-            </a:r>
-          </a:p>
-        </p:txBody>
-      </p:sp>
-      <p:sp>
-        <p:nvSpPr>
-          <p:cNvPr id="7" name="Inhaltsplatzhalter 6">
-            <a:extLst>
-              <a:ext uri="{FF2B5EF4-FFF2-40B4-BE49-F238E27FC236}">
-                <a16:creationId xmlns:a16="http://schemas.microsoft.com/office/drawing/2014/main" id="{37979410-7084-C75F-7677-86B2F586DC61}"/>
-              </a:ext>
-            </a:extLst>
-          </p:cNvPr>
-          <p:cNvSpPr>
-            <a:spLocks noGrp="1"/>
-          </p:cNvSpPr>
-          <p:nvPr>
-            <p:ph sz="half" idx="1"/>
-          </p:nvPr>
-        </p:nvSpPr>
-        <p:spPr>
-          <a:xfrm>
-            <a:off x="838199" y="1825625"/>
-            <a:ext cx="10515599" cy="4351338"/>
-          </a:xfrm>
-        </p:spPr>
-        <p:txBody>
-          <a:bodyPr/>
-          <a:lstStyle/>
-          <a:p>
-            <a:r>
-              <a:rPr lang="de-DE" dirty="0"/>
-              <a:t>Klarer Purpose</a:t>
-            </a:r>
-          </a:p>
-          <a:p>
-            <a:r>
-              <a:rPr lang="de-DE" dirty="0"/>
-              <a:t>Responsive Design</a:t>
-            </a:r>
-          </a:p>
-          <a:p>
-            <a:r>
-              <a:rPr lang="de-DE" dirty="0"/>
-              <a:t>Customer-zentriert</a:t>
-            </a:r>
-          </a:p>
-          <a:p>
-            <a:r>
-              <a:rPr lang="de-DE" dirty="0"/>
-              <a:t>Innovatives </a:t>
-            </a:r>
-            <a:r>
-              <a:rPr lang="de-DE" dirty="0" err="1"/>
-              <a:t>Scaling</a:t>
-            </a:r>
-            <a:r>
-              <a:rPr lang="de-DE" dirty="0"/>
-              <a:t> </a:t>
-            </a:r>
-          </a:p>
-          <a:p>
-            <a:r>
-              <a:rPr lang="de-DE" dirty="0"/>
-              <a:t>Angenehme Customer Journey</a:t>
-            </a:r>
-          </a:p>
-          <a:p>
-            <a:r>
-              <a:rPr lang="de-DE"/>
-              <a:t>Kollaborativer </a:t>
-            </a:r>
-            <a:r>
-              <a:rPr lang="de-DE" dirty="0"/>
-              <a:t>Approach</a:t>
-            </a:r>
-          </a:p>
-          <a:p>
-            <a:r>
-              <a:rPr lang="de-DE" dirty="0"/>
-              <a:t>Attraktive Brand Identity</a:t>
-            </a:r>
-          </a:p>
-          <a:p>
-            <a:pPr lvl="1"/>
-            <a:r>
-              <a:rPr lang="de-DE" dirty="0" err="1"/>
-              <a:t>Obvious</a:t>
-            </a:r>
-            <a:r>
-              <a:rPr lang="de-DE" dirty="0"/>
-              <a:t> Emotional Benefit</a:t>
-            </a:r>
-          </a:p>
-          <a:p>
-            <a:endParaRPr lang="de-DE" dirty="0"/>
-          </a:p>
-        </p:txBody>
-      </p:sp>
-    </p:spTree>
-    <p:extLst>
-      <p:ext uri="{BB962C8B-B14F-4D97-AF65-F5344CB8AC3E}">
-        <p14:creationId xmlns:p14="http://schemas.microsoft.com/office/powerpoint/2010/main" val="1188828156"/>
-      </p:ext>
-    </p:extLst>
-  </p:cSld>
-  <p:clrMapOvr>
-    <a:masterClrMapping/>
-  </p:clrMapOvr>
-</p:sld>
-</file>
-
-<file path=ppt/slides/slide4.xml><?xml version="1.0" encoding="utf-8"?>
-<p:sld xmlns:a="http://schemas.openxmlformats.org/drawingml/2006/main" xmlns:r="http://schemas.openxmlformats.org/officeDocument/2006/relationships" xmlns:p="http://schemas.openxmlformats.org/presentationml/2006/main">
-  <p:cSld>
-    <p:bg>
-      <p:bgPr>
-        <a:solidFill>
-          <a:srgbClr val="4ACDDF"/>
-        </a:solidFill>
-        <a:effectLst/>
-      </p:bgPr>
-    </p:bg>
-    <p:spTree>
-      <p:nvGrpSpPr>
-        <p:cNvPr id="1" name=""/>
-        <p:cNvGrpSpPr/>
-        <p:nvPr/>
-      </p:nvGrpSpPr>
-      <p:grpSpPr>
-        <a:xfrm>
-          <a:off x="0" y="0"/>
-          <a:ext cx="0" cy="0"/>
-          <a:chOff x="0" y="0"/>
-          <a:chExt cx="0" cy="0"/>
-        </a:xfrm>
-      </p:grpSpPr>
-      <p:pic>
-        <p:nvPicPr>
-          <p:cNvPr id="6" name="Inhaltsplatzhalter 5" descr="Ein Bild, das Cartoon, Clipart, Dinosaurier, Animierter Cartoon enthält.">
-            <a:extLst>
-              <a:ext uri="{FF2B5EF4-FFF2-40B4-BE49-F238E27FC236}">
-                <a16:creationId xmlns:a16="http://schemas.microsoft.com/office/drawing/2014/main" id="{B6F374AB-5091-1C92-57D8-0BDE72B3A5F3}"/>
-              </a:ext>
-            </a:extLst>
-          </p:cNvPr>
-          <p:cNvPicPr>
-            <a:picLocks noGrp="1" noChangeAspect="1"/>
-          </p:cNvPicPr>
-          <p:nvPr>
-            <p:ph sz="half" idx="1"/>
-          </p:nvPr>
-        </p:nvPicPr>
-        <p:blipFill>
-          <a:blip r:embed="rId2">
-            <a:extLst>
-              <a:ext uri="{28A0092B-C50C-407E-A947-70E740481C1C}">
-                <a14:useLocalDpi xmlns:a14="http://schemas.microsoft.com/office/drawing/2010/main" val="0"/>
-              </a:ext>
-            </a:extLst>
-          </a:blip>
-          <a:stretch>
-            <a:fillRect/>
-          </a:stretch>
-        </p:blipFill>
-        <p:spPr>
-          <a:xfrm>
-            <a:off x="2662766" y="-8467"/>
-            <a:ext cx="6866467" cy="6866467"/>
-          </a:xfrm>
-        </p:spPr>
-      </p:pic>
-    </p:spTree>
-    <p:extLst>
-      <p:ext uri="{BB962C8B-B14F-4D97-AF65-F5344CB8AC3E}">
-        <p14:creationId xmlns:p14="http://schemas.microsoft.com/office/powerpoint/2010/main" val="958449410"/>
-      </p:ext>
-    </p:extLst>
-  </p:cSld>
-  <p:clrMapOvr>
-    <a:masterClrMapping/>
-  </p:clrMapOvr>
-</p:sld>
-</file>
-
-<file path=ppt/slides/slide5.xml><?xml version="1.0" encoding="utf-8"?>
-<p:sld xmlns:a="http://schemas.openxmlformats.org/drawingml/2006/main" xmlns:r="http://schemas.openxmlformats.org/officeDocument/2006/relationships" xmlns:p="http://schemas.openxmlformats.org/presentationml/2006/main">
-  <p:cSld>
-    <p:bg>
-      <p:bgPr>
-        <a:solidFill>
-          <a:schemeClr val="bg1"/>
-        </a:solidFill>
-        <a:effectLst/>
-      </p:bgPr>
-    </p:bg>
-    <p:spTree>
-      <p:nvGrpSpPr>
-        <p:cNvPr id="1" name=""/>
-        <p:cNvGrpSpPr/>
-        <p:nvPr/>
-      </p:nvGrpSpPr>
-      <p:grpSpPr>
-        <a:xfrm>
-          <a:off x="0" y="0"/>
-          <a:ext cx="0" cy="0"/>
-          <a:chOff x="0" y="0"/>
-          <a:chExt cx="0" cy="0"/>
-        </a:xfrm>
-      </p:grpSpPr>
-      <p:pic>
-        <p:nvPicPr>
           <p:cNvPr id="4" name="Grafik 3" descr="Ein Bild, das Im Haus, Bett, Kissen, Liegen enthält.&#10;&#10;Beschreibung automatisch generiert.">
             <a:extLst>
               <a:ext uri="{FF2B5EF4-FFF2-40B4-BE49-F238E27FC236}">
@@ -6504,56 +6817,6 @@
           </a:prstGeom>
         </p:spPr>
       </p:pic>
-      <p:sp>
-        <p:nvSpPr>
-          <p:cNvPr id="6" name="Titel 5">
-            <a:extLst>
-              <a:ext uri="{FF2B5EF4-FFF2-40B4-BE49-F238E27FC236}">
-                <a16:creationId xmlns:a16="http://schemas.microsoft.com/office/drawing/2014/main" id="{958C7305-2A9C-1A73-2FA1-8DBD5945C1BA}"/>
-              </a:ext>
-            </a:extLst>
-          </p:cNvPr>
-          <p:cNvSpPr>
-            <a:spLocks noGrp="1"/>
-          </p:cNvSpPr>
-          <p:nvPr>
-            <p:ph type="title"/>
-          </p:nvPr>
-        </p:nvSpPr>
-        <p:spPr/>
-        <p:txBody>
-          <a:bodyPr/>
-          <a:lstStyle/>
-          <a:p>
-            <a:endParaRPr lang="de-DE"/>
-          </a:p>
-        </p:txBody>
-      </p:sp>
-      <p:sp>
-        <p:nvSpPr>
-          <p:cNvPr id="7" name="Inhaltsplatzhalter 6">
-            <a:extLst>
-              <a:ext uri="{FF2B5EF4-FFF2-40B4-BE49-F238E27FC236}">
-                <a16:creationId xmlns:a16="http://schemas.microsoft.com/office/drawing/2014/main" id="{56FB0036-EA06-71C0-6A2E-C307D7DBD752}"/>
-              </a:ext>
-            </a:extLst>
-          </p:cNvPr>
-          <p:cNvSpPr>
-            <a:spLocks noGrp="1"/>
-          </p:cNvSpPr>
-          <p:nvPr>
-            <p:ph idx="1"/>
-          </p:nvPr>
-        </p:nvSpPr>
-        <p:spPr/>
-        <p:txBody>
-          <a:bodyPr/>
-          <a:lstStyle/>
-          <a:p>
-            <a:endParaRPr lang="de-DE"/>
-          </a:p>
-        </p:txBody>
-      </p:sp>
       <p:pic>
         <p:nvPicPr>
           <p:cNvPr id="5" name="Grafik 4" descr="Ein Bild, das Bett, Im Haus, Sofa, Decke enthält.&#10;&#10;Beschreibung automatisch generiert.">
@@ -7047,10 +7310,3433 @@
           </a:custGeom>
         </p:spPr>
       </p:pic>
+      <p:sp>
+        <p:nvSpPr>
+          <p:cNvPr id="8" name="Titel 5">
+            <a:extLst>
+              <a:ext uri="{FF2B5EF4-FFF2-40B4-BE49-F238E27FC236}">
+                <a16:creationId xmlns:a16="http://schemas.microsoft.com/office/drawing/2014/main" id="{FCA6AA8B-0C2F-C049-E58C-2AC9EFF23AEE}"/>
+              </a:ext>
+            </a:extLst>
+          </p:cNvPr>
+          <p:cNvSpPr txBox="1">
+            <a:spLocks/>
+          </p:cNvSpPr>
+          <p:nvPr/>
+        </p:nvSpPr>
+        <p:spPr>
+          <a:xfrm>
+            <a:off x="861203" y="379505"/>
+            <a:ext cx="10515600" cy="1325563"/>
+          </a:xfrm>
+          <a:prstGeom prst="rect">
+            <a:avLst/>
+          </a:prstGeom>
+        </p:spPr>
+        <p:txBody>
+          <a:bodyPr vert="horz" lIns="91440" tIns="45720" rIns="91440" bIns="45720" rtlCol="0" anchor="ctr">
+            <a:normAutofit/>
+          </a:bodyPr>
+          <a:lstStyle>
+            <a:lvl1pPr algn="l" defTabSz="914400" rtl="0" eaLnBrk="1" latinLnBrk="0" hangingPunct="1">
+              <a:lnSpc>
+                <a:spcPct val="90000"/>
+              </a:lnSpc>
+              <a:spcBef>
+                <a:spcPct val="0"/>
+              </a:spcBef>
+              <a:buNone/>
+              <a:defRPr sz="4400" kern="1200">
+                <a:solidFill>
+                  <a:schemeClr val="tx1"/>
+                </a:solidFill>
+                <a:latin typeface="+mj-lt"/>
+                <a:ea typeface="+mj-ea"/>
+                <a:cs typeface="+mj-cs"/>
+              </a:defRPr>
+            </a:lvl1pPr>
+          </a:lstStyle>
+          <a:p>
+            <a:r>
+              <a:rPr lang="de-DE">
+                <a:solidFill>
+                  <a:schemeClr val="bg1"/>
+                </a:solidFill>
+              </a:rPr>
+              <a:t>Wie sind wir darauf gekommen?</a:t>
+            </a:r>
+          </a:p>
+        </p:txBody>
+      </p:sp>
+      <p:sp>
+        <p:nvSpPr>
+          <p:cNvPr id="6" name="Titel 5">
+            <a:extLst>
+              <a:ext uri="{FF2B5EF4-FFF2-40B4-BE49-F238E27FC236}">
+                <a16:creationId xmlns:a16="http://schemas.microsoft.com/office/drawing/2014/main" id="{958C7305-2A9C-1A73-2FA1-8DBD5945C1BA}"/>
+              </a:ext>
+            </a:extLst>
+          </p:cNvPr>
+          <p:cNvSpPr>
+            <a:spLocks noGrp="1"/>
+          </p:cNvSpPr>
+          <p:nvPr>
+            <p:ph type="title"/>
+          </p:nvPr>
+        </p:nvSpPr>
+        <p:spPr/>
+        <p:txBody>
+          <a:bodyPr/>
+          <a:lstStyle/>
+          <a:p>
+            <a:r>
+              <a:rPr lang="de-DE"/>
+              <a:t>Wie sind wir darauf gekommen?</a:t>
+            </a:r>
+          </a:p>
+        </p:txBody>
+      </p:sp>
+      <p:sp>
+        <p:nvSpPr>
+          <p:cNvPr id="7" name="Inhaltsplatzhalter 6">
+            <a:extLst>
+              <a:ext uri="{FF2B5EF4-FFF2-40B4-BE49-F238E27FC236}">
+                <a16:creationId xmlns:a16="http://schemas.microsoft.com/office/drawing/2014/main" id="{56FB0036-EA06-71C0-6A2E-C307D7DBD752}"/>
+              </a:ext>
+            </a:extLst>
+          </p:cNvPr>
+          <p:cNvSpPr>
+            <a:spLocks noGrp="1"/>
+          </p:cNvSpPr>
+          <p:nvPr>
+            <p:ph idx="1"/>
+          </p:nvPr>
+        </p:nvSpPr>
+        <p:spPr/>
+        <p:txBody>
+          <a:bodyPr/>
+          <a:lstStyle/>
+          <a:p>
+            <a:r>
+              <a:rPr lang="de-DE"/>
+              <a:t>Inspiration: LF6 Ticketsysteme</a:t>
+            </a:r>
+          </a:p>
+          <a:p>
+            <a:r>
+              <a:rPr lang="de-DE"/>
+              <a:t>Umfang schien machbar</a:t>
+            </a:r>
+          </a:p>
+          <a:p>
+            <a:r>
+              <a:rPr lang="de-DE"/>
+              <a:t>Skills von jedem werden eingebracht</a:t>
+            </a:r>
+          </a:p>
+          <a:p>
+            <a:endParaRPr lang="de-DE"/>
+          </a:p>
+        </p:txBody>
+      </p:sp>
     </p:spTree>
     <p:extLst>
       <p:ext uri="{BB962C8B-B14F-4D97-AF65-F5344CB8AC3E}">
         <p14:creationId xmlns:p14="http://schemas.microsoft.com/office/powerpoint/2010/main" val="1858601621"/>
+      </p:ext>
+    </p:extLst>
+  </p:cSld>
+  <p:clrMapOvr>
+    <a:masterClrMapping/>
+  </p:clrMapOvr>
+  <p:timing>
+    <p:tnLst>
+      <p:par>
+        <p:cTn id="1" dur="indefinite" restart="never" nodeType="tmRoot">
+          <p:childTnLst>
+            <p:seq concurrent="1" nextAc="seek">
+              <p:cTn id="2" dur="indefinite" nodeType="mainSeq">
+                <p:childTnLst>
+                  <p:par>
+                    <p:cTn id="3" fill="hold">
+                      <p:stCondLst>
+                        <p:cond delay="indefinite"/>
+                      </p:stCondLst>
+                      <p:childTnLst>
+                        <p:par>
+                          <p:cTn id="4" fill="hold">
+                            <p:stCondLst>
+                              <p:cond delay="0"/>
+                            </p:stCondLst>
+                            <p:childTnLst>
+                              <p:par>
+                                <p:cTn id="5" presetID="1" presetClass="entr" presetSubtype="0" fill="hold" nodeType="clickEffect">
+                                  <p:stCondLst>
+                                    <p:cond delay="0"/>
+                                  </p:stCondLst>
+                                  <p:childTnLst>
+                                    <p:set>
+                                      <p:cBhvr>
+                                        <p:cTn id="6" dur="1" fill="hold">
+                                          <p:stCondLst>
+                                            <p:cond delay="0"/>
+                                          </p:stCondLst>
+                                        </p:cTn>
+                                        <p:tgtEl>
+                                          <p:spTgt spid="7">
+                                            <p:txEl>
+                                              <p:pRg st="0" end="0"/>
+                                            </p:txEl>
+                                          </p:spTgt>
+                                        </p:tgtEl>
+                                        <p:attrNameLst>
+                                          <p:attrName>style.visibility</p:attrName>
+                                        </p:attrNameLst>
+                                      </p:cBhvr>
+                                      <p:to>
+                                        <p:strVal val="visible"/>
+                                      </p:to>
+                                    </p:set>
+                                  </p:childTnLst>
+                                </p:cTn>
+                              </p:par>
+                            </p:childTnLst>
+                          </p:cTn>
+                        </p:par>
+                      </p:childTnLst>
+                    </p:cTn>
+                  </p:par>
+                  <p:par>
+                    <p:cTn id="7" fill="hold">
+                      <p:stCondLst>
+                        <p:cond delay="indefinite"/>
+                      </p:stCondLst>
+                      <p:childTnLst>
+                        <p:par>
+                          <p:cTn id="8" fill="hold">
+                            <p:stCondLst>
+                              <p:cond delay="0"/>
+                            </p:stCondLst>
+                            <p:childTnLst>
+                              <p:par>
+                                <p:cTn id="9" presetID="1" presetClass="entr" presetSubtype="0" fill="hold" nodeType="clickEffect">
+                                  <p:stCondLst>
+                                    <p:cond delay="0"/>
+                                  </p:stCondLst>
+                                  <p:childTnLst>
+                                    <p:set>
+                                      <p:cBhvr>
+                                        <p:cTn id="10" dur="1" fill="hold">
+                                          <p:stCondLst>
+                                            <p:cond delay="0"/>
+                                          </p:stCondLst>
+                                        </p:cTn>
+                                        <p:tgtEl>
+                                          <p:spTgt spid="7">
+                                            <p:txEl>
+                                              <p:pRg st="1" end="1"/>
+                                            </p:txEl>
+                                          </p:spTgt>
+                                        </p:tgtEl>
+                                        <p:attrNameLst>
+                                          <p:attrName>style.visibility</p:attrName>
+                                        </p:attrNameLst>
+                                      </p:cBhvr>
+                                      <p:to>
+                                        <p:strVal val="visible"/>
+                                      </p:to>
+                                    </p:set>
+                                  </p:childTnLst>
+                                </p:cTn>
+                              </p:par>
+                            </p:childTnLst>
+                          </p:cTn>
+                        </p:par>
+                      </p:childTnLst>
+                    </p:cTn>
+                  </p:par>
+                  <p:par>
+                    <p:cTn id="11" fill="hold">
+                      <p:stCondLst>
+                        <p:cond delay="indefinite"/>
+                      </p:stCondLst>
+                      <p:childTnLst>
+                        <p:par>
+                          <p:cTn id="12" fill="hold">
+                            <p:stCondLst>
+                              <p:cond delay="0"/>
+                            </p:stCondLst>
+                            <p:childTnLst>
+                              <p:par>
+                                <p:cTn id="13" presetID="1" presetClass="entr" presetSubtype="0" fill="hold" nodeType="clickEffect">
+                                  <p:stCondLst>
+                                    <p:cond delay="0"/>
+                                  </p:stCondLst>
+                                  <p:childTnLst>
+                                    <p:set>
+                                      <p:cBhvr>
+                                        <p:cTn id="14" dur="1" fill="hold">
+                                          <p:stCondLst>
+                                            <p:cond delay="0"/>
+                                          </p:stCondLst>
+                                        </p:cTn>
+                                        <p:tgtEl>
+                                          <p:spTgt spid="7">
+                                            <p:txEl>
+                                              <p:pRg st="2" end="2"/>
+                                            </p:txEl>
+                                          </p:spTgt>
+                                        </p:tgtEl>
+                                        <p:attrNameLst>
+                                          <p:attrName>style.visibility</p:attrName>
+                                        </p:attrNameLst>
+                                      </p:cBhvr>
+                                      <p:to>
+                                        <p:strVal val="visible"/>
+                                      </p:to>
+                                    </p:set>
+                                  </p:childTnLst>
+                                </p:cTn>
+                              </p:par>
+                            </p:childTnLst>
+                          </p:cTn>
+                        </p:par>
+                      </p:childTnLst>
+                    </p:cTn>
+                  </p:par>
+                </p:childTnLst>
+              </p:cTn>
+              <p:prevCondLst>
+                <p:cond evt="onPrev" delay="0">
+                  <p:tgtEl>
+                    <p:sldTgt/>
+                  </p:tgtEl>
+                </p:cond>
+              </p:prevCondLst>
+              <p:nextCondLst>
+                <p:cond evt="onNext" delay="0">
+                  <p:tgtEl>
+                    <p:sldTgt/>
+                  </p:tgtEl>
+                </p:cond>
+              </p:nextCondLst>
+            </p:seq>
+          </p:childTnLst>
+        </p:cTn>
+      </p:par>
+    </p:tnLst>
+  </p:timing>
+</p:sld>
+</file>
+
+<file path=ppt/slides/slide4.xml><?xml version="1.0" encoding="utf-8"?>
+<p:sld xmlns:a="http://schemas.openxmlformats.org/drawingml/2006/main" xmlns:r="http://schemas.openxmlformats.org/officeDocument/2006/relationships" xmlns:p="http://schemas.openxmlformats.org/presentationml/2006/main">
+  <p:cSld>
+    <p:bg>
+      <p:bgPr>
+        <a:solidFill>
+          <a:schemeClr val="bg1"/>
+        </a:solidFill>
+        <a:effectLst/>
+      </p:bgPr>
+    </p:bg>
+    <p:spTree>
+      <p:nvGrpSpPr>
+        <p:cNvPr id="1" name=""/>
+        <p:cNvGrpSpPr/>
+        <p:nvPr/>
+      </p:nvGrpSpPr>
+      <p:grpSpPr>
+        <a:xfrm>
+          <a:off x="0" y="0"/>
+          <a:ext cx="0" cy="0"/>
+          <a:chOff x="0" y="0"/>
+          <a:chExt cx="0" cy="0"/>
+        </a:xfrm>
+      </p:grpSpPr>
+      <p:pic>
+        <p:nvPicPr>
+          <p:cNvPr id="4" name="Grafik 3" descr="Ein Bild, das Dinosaurier, Fußball, Schuhwerk, Ball enthält.&#10;&#10;Beschreibung automatisch generiert.">
+            <a:extLst>
+              <a:ext uri="{FF2B5EF4-FFF2-40B4-BE49-F238E27FC236}">
+                <a16:creationId xmlns:a16="http://schemas.microsoft.com/office/drawing/2014/main" id="{F438A18E-25B3-6546-CB29-D5CAE8FF8727}"/>
+              </a:ext>
+            </a:extLst>
+          </p:cNvPr>
+          <p:cNvPicPr>
+            <a:picLocks noChangeAspect="1"/>
+          </p:cNvPicPr>
+          <p:nvPr/>
+        </p:nvPicPr>
+        <p:blipFill rotWithShape="1">
+          <a:blip r:embed="rId3">
+            <a:alphaModFix amt="40000"/>
+          </a:blip>
+          <a:srcRect t="18843" r="1" b="1"/>
+          <a:stretch/>
+        </p:blipFill>
+        <p:spPr>
+          <a:xfrm>
+            <a:off x="-170" y="10"/>
+            <a:ext cx="8450317" cy="6857990"/>
+          </a:xfrm>
+          <a:prstGeom prst="rect">
+            <a:avLst/>
+          </a:prstGeom>
+        </p:spPr>
+      </p:pic>
+      <p:pic>
+        <p:nvPicPr>
+          <p:cNvPr id="5" name="Grafik 4" descr="Ein Bild, das Fußball, Schuhwerk, Ball, Person enthält.&#10;&#10;Beschreibung automatisch generiert.">
+            <a:extLst>
+              <a:ext uri="{FF2B5EF4-FFF2-40B4-BE49-F238E27FC236}">
+                <a16:creationId xmlns:a16="http://schemas.microsoft.com/office/drawing/2014/main" id="{F82E704A-C778-455A-4705-7101175F4905}"/>
+              </a:ext>
+            </a:extLst>
+          </p:cNvPr>
+          <p:cNvPicPr>
+            <a:picLocks noChangeAspect="1"/>
+          </p:cNvPicPr>
+          <p:nvPr/>
+        </p:nvPicPr>
+        <p:blipFill rotWithShape="1">
+          <a:blip r:embed="rId4"/>
+          <a:srcRect l="3060" r="9993"/>
+          <a:stretch/>
+        </p:blipFill>
+        <p:spPr>
+          <a:xfrm>
+            <a:off x="6225997" y="-2458"/>
+            <a:ext cx="5962785" cy="6858000"/>
+          </a:xfrm>
+          <a:custGeom>
+            <a:avLst/>
+            <a:gdLst/>
+            <a:ahLst/>
+            <a:cxnLst/>
+            <a:rect l="l" t="t" r="r" b="b"/>
+            <a:pathLst>
+              <a:path w="5962785" h="6858000">
+                <a:moveTo>
+                  <a:pt x="1044839" y="0"/>
+                </a:moveTo>
+                <a:lnTo>
+                  <a:pt x="5962785" y="0"/>
+                </a:lnTo>
+                <a:lnTo>
+                  <a:pt x="5962785" y="6858000"/>
+                </a:lnTo>
+                <a:lnTo>
+                  <a:pt x="1469886" y="6858000"/>
+                </a:lnTo>
+                <a:lnTo>
+                  <a:pt x="1416006" y="6823984"/>
+                </a:lnTo>
+                <a:cubicBezTo>
+                  <a:pt x="1356767" y="6787940"/>
+                  <a:pt x="1296437" y="6755500"/>
+                  <a:pt x="1232473" y="6733873"/>
+                </a:cubicBezTo>
+                <a:cubicBezTo>
+                  <a:pt x="1145250" y="6705037"/>
+                  <a:pt x="1060933" y="6654575"/>
+                  <a:pt x="1075471" y="6503186"/>
+                </a:cubicBezTo>
+                <a:cubicBezTo>
+                  <a:pt x="1078378" y="6459932"/>
+                  <a:pt x="1055118" y="6427493"/>
+                  <a:pt x="1020229" y="6438306"/>
+                </a:cubicBezTo>
+                <a:cubicBezTo>
+                  <a:pt x="953358" y="6459932"/>
+                  <a:pt x="921375" y="6398656"/>
+                  <a:pt x="883579" y="6351798"/>
+                </a:cubicBezTo>
+                <a:cubicBezTo>
+                  <a:pt x="816707" y="6268895"/>
+                  <a:pt x="752743" y="6182387"/>
+                  <a:pt x="645167" y="6167969"/>
+                </a:cubicBezTo>
+                <a:cubicBezTo>
+                  <a:pt x="665519" y="6103088"/>
+                  <a:pt x="700408" y="6110298"/>
+                  <a:pt x="732391" y="6124716"/>
+                </a:cubicBezTo>
+                <a:cubicBezTo>
+                  <a:pt x="816707" y="6160761"/>
+                  <a:pt x="901023" y="6200410"/>
+                  <a:pt x="985339" y="6236455"/>
+                </a:cubicBezTo>
+                <a:cubicBezTo>
+                  <a:pt x="1040581" y="6258081"/>
+                  <a:pt x="1095822" y="6290522"/>
+                  <a:pt x="1168509" y="6265291"/>
+                </a:cubicBezTo>
+                <a:cubicBezTo>
+                  <a:pt x="1104545" y="6135530"/>
+                  <a:pt x="996969" y="6110298"/>
+                  <a:pt x="909746" y="6070649"/>
+                </a:cubicBezTo>
+                <a:cubicBezTo>
+                  <a:pt x="802169" y="6020185"/>
+                  <a:pt x="738206" y="5926470"/>
+                  <a:pt x="659704" y="5818335"/>
+                </a:cubicBezTo>
+                <a:cubicBezTo>
+                  <a:pt x="738206" y="5789500"/>
+                  <a:pt x="787632" y="5868798"/>
+                  <a:pt x="851597" y="5865193"/>
+                </a:cubicBezTo>
+                <a:cubicBezTo>
+                  <a:pt x="854504" y="5854380"/>
+                  <a:pt x="860319" y="5832753"/>
+                  <a:pt x="860319" y="5832753"/>
+                </a:cubicBezTo>
+                <a:cubicBezTo>
+                  <a:pt x="755650" y="5775081"/>
+                  <a:pt x="709132" y="5666947"/>
+                  <a:pt x="691686" y="5533581"/>
+                </a:cubicBezTo>
+                <a:cubicBezTo>
+                  <a:pt x="685872" y="5465095"/>
+                  <a:pt x="648075" y="5443468"/>
+                  <a:pt x="610278" y="5411029"/>
+                </a:cubicBezTo>
+                <a:cubicBezTo>
+                  <a:pt x="482350" y="5299289"/>
+                  <a:pt x="345700" y="5198364"/>
+                  <a:pt x="238123" y="5046976"/>
+                </a:cubicBezTo>
+                <a:cubicBezTo>
+                  <a:pt x="363144" y="5064998"/>
+                  <a:pt x="461997" y="5165924"/>
+                  <a:pt x="592833" y="5209177"/>
+                </a:cubicBezTo>
+                <a:cubicBezTo>
+                  <a:pt x="488165" y="5043371"/>
+                  <a:pt x="351514" y="4956864"/>
+                  <a:pt x="226494" y="4855939"/>
+                </a:cubicBezTo>
+                <a:cubicBezTo>
+                  <a:pt x="168344" y="4809081"/>
+                  <a:pt x="116011" y="4751408"/>
+                  <a:pt x="49139" y="4726177"/>
+                </a:cubicBezTo>
+                <a:cubicBezTo>
+                  <a:pt x="25879" y="4718968"/>
+                  <a:pt x="-14825" y="4700947"/>
+                  <a:pt x="5527" y="4650483"/>
+                </a:cubicBezTo>
+                <a:cubicBezTo>
+                  <a:pt x="22972" y="4607230"/>
+                  <a:pt x="54954" y="4621648"/>
+                  <a:pt x="84029" y="4632460"/>
+                </a:cubicBezTo>
+                <a:cubicBezTo>
+                  <a:pt x="153807" y="4661296"/>
+                  <a:pt x="229401" y="4661296"/>
+                  <a:pt x="325347" y="4661296"/>
+                </a:cubicBezTo>
+                <a:cubicBezTo>
+                  <a:pt x="243939" y="4524326"/>
+                  <a:pt x="95658" y="4567580"/>
+                  <a:pt x="25879" y="4423401"/>
+                </a:cubicBezTo>
+                <a:cubicBezTo>
+                  <a:pt x="113103" y="4398170"/>
+                  <a:pt x="179975" y="4448632"/>
+                  <a:pt x="249753" y="4459446"/>
+                </a:cubicBezTo>
+                <a:cubicBezTo>
+                  <a:pt x="313718" y="4470259"/>
+                  <a:pt x="328254" y="4445028"/>
+                  <a:pt x="313718" y="4365729"/>
+                </a:cubicBezTo>
+                <a:cubicBezTo>
+                  <a:pt x="290458" y="4243177"/>
+                  <a:pt x="325347" y="4181900"/>
+                  <a:pt x="418386" y="4214341"/>
+                </a:cubicBezTo>
+                <a:cubicBezTo>
+                  <a:pt x="505609" y="4246781"/>
+                  <a:pt x="514332" y="4199922"/>
+                  <a:pt x="491072" y="4131438"/>
+                </a:cubicBezTo>
+                <a:cubicBezTo>
+                  <a:pt x="456183" y="4030512"/>
+                  <a:pt x="493979" y="3951214"/>
+                  <a:pt x="520147" y="3864706"/>
+                </a:cubicBezTo>
+                <a:cubicBezTo>
+                  <a:pt x="560851" y="3734945"/>
+                  <a:pt x="543407" y="3670064"/>
+                  <a:pt x="459090" y="3572743"/>
+                </a:cubicBezTo>
+                <a:cubicBezTo>
+                  <a:pt x="409664" y="3518676"/>
+                  <a:pt x="360236" y="3471818"/>
+                  <a:pt x="290458" y="3424959"/>
+                </a:cubicBezTo>
+                <a:cubicBezTo>
+                  <a:pt x="450368" y="3399728"/>
+                  <a:pt x="284643" y="3313221"/>
+                  <a:pt x="339884" y="3259153"/>
+                </a:cubicBezTo>
+                <a:cubicBezTo>
+                  <a:pt x="453275" y="3237527"/>
+                  <a:pt x="543407" y="3410542"/>
+                  <a:pt x="697501" y="3360078"/>
+                </a:cubicBezTo>
+                <a:cubicBezTo>
+                  <a:pt x="511425" y="3212294"/>
+                  <a:pt x="302087" y="3165436"/>
+                  <a:pt x="165437" y="2967190"/>
+                </a:cubicBezTo>
+                <a:cubicBezTo>
+                  <a:pt x="197419" y="2923937"/>
+                  <a:pt x="229401" y="2967190"/>
+                  <a:pt x="255568" y="2949167"/>
+                </a:cubicBezTo>
+                <a:cubicBezTo>
+                  <a:pt x="255568" y="2938354"/>
+                  <a:pt x="560851" y="3006840"/>
+                  <a:pt x="578296" y="2725691"/>
+                </a:cubicBezTo>
+                <a:cubicBezTo>
+                  <a:pt x="584111" y="2725691"/>
+                  <a:pt x="589926" y="2725691"/>
+                  <a:pt x="595740" y="2714876"/>
+                </a:cubicBezTo>
+                <a:cubicBezTo>
+                  <a:pt x="627722" y="2675228"/>
+                  <a:pt x="598648" y="2581510"/>
+                  <a:pt x="650982" y="2574301"/>
+                </a:cubicBezTo>
+                <a:cubicBezTo>
+                  <a:pt x="709132" y="2567092"/>
+                  <a:pt x="764373" y="2534653"/>
+                  <a:pt x="825429" y="2552674"/>
+                </a:cubicBezTo>
+                <a:cubicBezTo>
+                  <a:pt x="871949" y="2567092"/>
+                  <a:pt x="921375" y="2585115"/>
+                  <a:pt x="970802" y="2585115"/>
+                </a:cubicBezTo>
+                <a:cubicBezTo>
+                  <a:pt x="1023136" y="2585115"/>
+                  <a:pt x="1095822" y="2707668"/>
+                  <a:pt x="1127805" y="2545465"/>
+                </a:cubicBezTo>
+                <a:cubicBezTo>
+                  <a:pt x="1127805" y="2538257"/>
+                  <a:pt x="1217936" y="2556280"/>
+                  <a:pt x="1267362" y="2563488"/>
+                </a:cubicBezTo>
+                <a:cubicBezTo>
+                  <a:pt x="1308067" y="2570698"/>
+                  <a:pt x="1357494" y="2603137"/>
+                  <a:pt x="1386568" y="2538257"/>
+                </a:cubicBezTo>
+                <a:cubicBezTo>
+                  <a:pt x="1401105" y="2498607"/>
+                  <a:pt x="1331326" y="2426518"/>
+                  <a:pt x="1270270" y="2419309"/>
+                </a:cubicBezTo>
+                <a:cubicBezTo>
+                  <a:pt x="1215029" y="2412101"/>
+                  <a:pt x="1159787" y="2404892"/>
+                  <a:pt x="1107453" y="2419309"/>
+                </a:cubicBezTo>
+                <a:cubicBezTo>
+                  <a:pt x="1043489" y="2437331"/>
+                  <a:pt x="1008599" y="2408495"/>
+                  <a:pt x="991154" y="2343615"/>
+                </a:cubicBezTo>
+                <a:cubicBezTo>
+                  <a:pt x="970802" y="2275131"/>
+                  <a:pt x="933005" y="2239085"/>
+                  <a:pt x="880671" y="2206645"/>
+                </a:cubicBezTo>
+                <a:cubicBezTo>
+                  <a:pt x="752743" y="2127346"/>
+                  <a:pt x="630630" y="2033629"/>
+                  <a:pt x="491072" y="1986771"/>
+                </a:cubicBezTo>
+                <a:cubicBezTo>
+                  <a:pt x="464905" y="1979562"/>
+                  <a:pt x="432923" y="1965145"/>
+                  <a:pt x="421293" y="1903868"/>
+                </a:cubicBezTo>
+                <a:cubicBezTo>
+                  <a:pt x="799262" y="1997584"/>
+                  <a:pt x="1142342" y="2239085"/>
+                  <a:pt x="1531941" y="2224667"/>
+                </a:cubicBezTo>
+                <a:cubicBezTo>
+                  <a:pt x="1427272" y="2148974"/>
+                  <a:pt x="1302252" y="2145369"/>
+                  <a:pt x="1188861" y="2091301"/>
+                </a:cubicBezTo>
+                <a:cubicBezTo>
+                  <a:pt x="1270270" y="2051652"/>
+                  <a:pt x="1345864" y="2094906"/>
+                  <a:pt x="1421458" y="2116532"/>
+                </a:cubicBezTo>
+                <a:cubicBezTo>
+                  <a:pt x="1485422" y="2134554"/>
+                  <a:pt x="1543571" y="2138160"/>
+                  <a:pt x="1549386" y="2026420"/>
+                </a:cubicBezTo>
+                <a:cubicBezTo>
+                  <a:pt x="1549386" y="2015607"/>
+                  <a:pt x="1549386" y="2008398"/>
+                  <a:pt x="1549386" y="1997584"/>
+                </a:cubicBezTo>
+                <a:cubicBezTo>
+                  <a:pt x="1526126" y="1950727"/>
+                  <a:pt x="1494144" y="1929099"/>
+                  <a:pt x="1453440" y="1914682"/>
+                </a:cubicBezTo>
+                <a:cubicBezTo>
+                  <a:pt x="1430180" y="1907473"/>
+                  <a:pt x="1398198" y="1893056"/>
+                  <a:pt x="1398198" y="1860614"/>
+                </a:cubicBezTo>
+                <a:cubicBezTo>
+                  <a:pt x="1401105" y="1738063"/>
+                  <a:pt x="1322604" y="1702018"/>
+                  <a:pt x="1247011" y="1665972"/>
+                </a:cubicBezTo>
+                <a:cubicBezTo>
+                  <a:pt x="1287715" y="1604696"/>
+                  <a:pt x="1322604" y="1647950"/>
+                  <a:pt x="1354586" y="1644345"/>
+                </a:cubicBezTo>
+                <a:cubicBezTo>
+                  <a:pt x="1374939" y="1640741"/>
+                  <a:pt x="1395290" y="1637138"/>
+                  <a:pt x="1395290" y="1604696"/>
+                </a:cubicBezTo>
+                <a:cubicBezTo>
+                  <a:pt x="1395290" y="1579465"/>
+                  <a:pt x="1386568" y="1547025"/>
+                  <a:pt x="1366216" y="1547025"/>
+                </a:cubicBezTo>
+                <a:cubicBezTo>
+                  <a:pt x="1238288" y="1543420"/>
+                  <a:pt x="1165601" y="1370405"/>
+                  <a:pt x="1031858" y="1370405"/>
+                </a:cubicBezTo>
+                <a:cubicBezTo>
+                  <a:pt x="950450" y="1370405"/>
+                  <a:pt x="1072563" y="1273083"/>
+                  <a:pt x="1005692" y="1233435"/>
+                </a:cubicBezTo>
+                <a:cubicBezTo>
+                  <a:pt x="991154" y="1222621"/>
+                  <a:pt x="1046396" y="1208203"/>
+                  <a:pt x="1069655" y="1211808"/>
+                </a:cubicBezTo>
+                <a:cubicBezTo>
+                  <a:pt x="1092915" y="1215412"/>
+                  <a:pt x="1113268" y="1240644"/>
+                  <a:pt x="1142342" y="1222621"/>
+                </a:cubicBezTo>
+                <a:cubicBezTo>
+                  <a:pt x="1156879" y="1157741"/>
+                  <a:pt x="1119082" y="1132510"/>
+                  <a:pt x="1084193" y="1114487"/>
+                </a:cubicBezTo>
+                <a:cubicBezTo>
+                  <a:pt x="1008599" y="1071234"/>
+                  <a:pt x="933005" y="1020771"/>
+                  <a:pt x="848689" y="1006353"/>
+                </a:cubicBezTo>
+                <a:cubicBezTo>
+                  <a:pt x="819615" y="1002748"/>
+                  <a:pt x="802169" y="984726"/>
+                  <a:pt x="805077" y="948681"/>
+                </a:cubicBezTo>
+                <a:cubicBezTo>
+                  <a:pt x="810892" y="901822"/>
+                  <a:pt x="839967" y="916240"/>
+                  <a:pt x="863226" y="919844"/>
+                </a:cubicBezTo>
+                <a:cubicBezTo>
+                  <a:pt x="877764" y="923450"/>
+                  <a:pt x="892301" y="934263"/>
+                  <a:pt x="906838" y="909031"/>
+                </a:cubicBezTo>
+                <a:cubicBezTo>
+                  <a:pt x="566666" y="653113"/>
+                  <a:pt x="386404" y="667532"/>
+                  <a:pt x="5527" y="458471"/>
+                </a:cubicBezTo>
+                <a:cubicBezTo>
+                  <a:pt x="89843" y="418822"/>
+                  <a:pt x="150900" y="447658"/>
+                  <a:pt x="209049" y="454867"/>
+                </a:cubicBezTo>
+                <a:cubicBezTo>
+                  <a:pt x="354422" y="472890"/>
+                  <a:pt x="264290" y="505329"/>
+                  <a:pt x="409664" y="526956"/>
+                </a:cubicBezTo>
+                <a:cubicBezTo>
+                  <a:pt x="479443" y="537770"/>
+                  <a:pt x="543407" y="573815"/>
+                  <a:pt x="621908" y="516143"/>
+                </a:cubicBezTo>
+                <a:cubicBezTo>
+                  <a:pt x="674242" y="476494"/>
+                  <a:pt x="758558" y="519747"/>
+                  <a:pt x="822522" y="552188"/>
+                </a:cubicBezTo>
+                <a:cubicBezTo>
+                  <a:pt x="874856" y="581024"/>
+                  <a:pt x="927190" y="588232"/>
+                  <a:pt x="996969" y="552188"/>
+                </a:cubicBezTo>
+                <a:cubicBezTo>
+                  <a:pt x="933005" y="530562"/>
+                  <a:pt x="883579" y="512539"/>
+                  <a:pt x="834151" y="498120"/>
+                </a:cubicBezTo>
+                <a:cubicBezTo>
+                  <a:pt x="793447" y="487307"/>
+                  <a:pt x="770187" y="462076"/>
+                  <a:pt x="773095" y="408008"/>
+                </a:cubicBezTo>
+                <a:cubicBezTo>
+                  <a:pt x="773095" y="379172"/>
+                  <a:pt x="764373" y="339523"/>
+                  <a:pt x="793447" y="325106"/>
+                </a:cubicBezTo>
+                <a:cubicBezTo>
+                  <a:pt x="816707" y="310688"/>
+                  <a:pt x="848689" y="325106"/>
+                  <a:pt x="860319" y="350336"/>
+                </a:cubicBezTo>
+                <a:cubicBezTo>
+                  <a:pt x="874856" y="397195"/>
+                  <a:pt x="889393" y="440449"/>
+                  <a:pt x="938820" y="444054"/>
+                </a:cubicBezTo>
+                <a:cubicBezTo>
+                  <a:pt x="1005692" y="451262"/>
+                  <a:pt x="967894" y="422426"/>
+                  <a:pt x="956265" y="386381"/>
+                </a:cubicBezTo>
+                <a:cubicBezTo>
+                  <a:pt x="944635" y="346733"/>
+                  <a:pt x="979525" y="335919"/>
+                  <a:pt x="1002784" y="343127"/>
+                </a:cubicBezTo>
+                <a:cubicBezTo>
+                  <a:pt x="1090008" y="375569"/>
+                  <a:pt x="1180139" y="317897"/>
+                  <a:pt x="1270270" y="364755"/>
+                </a:cubicBezTo>
+                <a:cubicBezTo>
+                  <a:pt x="1247011" y="249411"/>
+                  <a:pt x="1197583" y="198949"/>
+                  <a:pt x="1092915" y="180926"/>
+                </a:cubicBezTo>
+                <a:cubicBezTo>
+                  <a:pt x="1055118" y="177322"/>
+                  <a:pt x="1014414" y="184530"/>
+                  <a:pt x="979525" y="152090"/>
+                </a:cubicBezTo>
+                <a:cubicBezTo>
+                  <a:pt x="959172" y="134068"/>
+                  <a:pt x="938820" y="112441"/>
+                  <a:pt x="953358" y="76396"/>
+                </a:cubicBezTo>
+                <a:cubicBezTo>
+                  <a:pt x="962080" y="51165"/>
+                  <a:pt x="985339" y="51165"/>
+                  <a:pt x="1005692" y="58373"/>
+                </a:cubicBezTo>
+                <a:cubicBezTo>
+                  <a:pt x="1090008" y="98023"/>
+                  <a:pt x="1180139" y="108837"/>
+                  <a:pt x="1267362" y="123254"/>
+                </a:cubicBezTo>
+                <a:cubicBezTo>
+                  <a:pt x="1281900" y="126859"/>
+                  <a:pt x="1296437" y="134068"/>
+                  <a:pt x="1310975" y="98023"/>
+                </a:cubicBezTo>
+                <a:cubicBezTo>
+                  <a:pt x="1260095" y="81803"/>
+                  <a:pt x="1209941" y="62879"/>
+                  <a:pt x="1159787" y="43505"/>
+                </a:cubicBezTo>
+                <a:close/>
+              </a:path>
+            </a:pathLst>
+          </a:custGeom>
+        </p:spPr>
+      </p:pic>
+      <p:sp>
+        <p:nvSpPr>
+          <p:cNvPr id="2" name="Titel 5">
+            <a:extLst>
+              <a:ext uri="{FF2B5EF4-FFF2-40B4-BE49-F238E27FC236}">
+                <a16:creationId xmlns:a16="http://schemas.microsoft.com/office/drawing/2014/main" id="{BD552148-9ACB-BD22-7D6B-2D46402E9DB8}"/>
+              </a:ext>
+            </a:extLst>
+          </p:cNvPr>
+          <p:cNvSpPr txBox="1">
+            <a:spLocks/>
+          </p:cNvSpPr>
+          <p:nvPr/>
+        </p:nvSpPr>
+        <p:spPr>
+          <a:xfrm>
+            <a:off x="861208" y="379504"/>
+            <a:ext cx="10515600" cy="1325563"/>
+          </a:xfrm>
+          <a:prstGeom prst="rect">
+            <a:avLst/>
+          </a:prstGeom>
+        </p:spPr>
+        <p:txBody>
+          <a:bodyPr vert="horz" lIns="91440" tIns="45720" rIns="91440" bIns="45720" rtlCol="0" anchor="ctr">
+            <a:normAutofit/>
+          </a:bodyPr>
+          <a:lstStyle>
+            <a:lvl1pPr algn="l" defTabSz="914400" rtl="0" eaLnBrk="1" latinLnBrk="0" hangingPunct="1">
+              <a:lnSpc>
+                <a:spcPct val="90000"/>
+              </a:lnSpc>
+              <a:spcBef>
+                <a:spcPct val="0"/>
+              </a:spcBef>
+              <a:buNone/>
+              <a:defRPr sz="4400" kern="1200">
+                <a:solidFill>
+                  <a:schemeClr val="tx1"/>
+                </a:solidFill>
+                <a:latin typeface="+mj-lt"/>
+                <a:ea typeface="+mj-ea"/>
+                <a:cs typeface="+mj-cs"/>
+              </a:defRPr>
+            </a:lvl1pPr>
+          </a:lstStyle>
+          <a:p>
+            <a:r>
+              <a:rPr lang="de-DE">
+                <a:solidFill>
+                  <a:schemeClr val="bg1"/>
+                </a:solidFill>
+              </a:rPr>
+              <a:t>Womit haben wir das Projekt umgesetzt?</a:t>
+            </a:r>
+          </a:p>
+        </p:txBody>
+      </p:sp>
+      <p:sp>
+        <p:nvSpPr>
+          <p:cNvPr id="6" name="Titel 5">
+            <a:extLst>
+              <a:ext uri="{FF2B5EF4-FFF2-40B4-BE49-F238E27FC236}">
+                <a16:creationId xmlns:a16="http://schemas.microsoft.com/office/drawing/2014/main" id="{4402B8F0-11BD-5A66-41DB-DD40E11F5603}"/>
+              </a:ext>
+            </a:extLst>
+          </p:cNvPr>
+          <p:cNvSpPr>
+            <a:spLocks noGrp="1"/>
+          </p:cNvSpPr>
+          <p:nvPr>
+            <p:ph type="title"/>
+          </p:nvPr>
+        </p:nvSpPr>
+        <p:spPr/>
+        <p:txBody>
+          <a:bodyPr/>
+          <a:lstStyle/>
+          <a:p>
+            <a:r>
+              <a:rPr lang="de-DE"/>
+              <a:t>Womit haben wir das Projekt umgesetzt?</a:t>
+            </a:r>
+          </a:p>
+        </p:txBody>
+      </p:sp>
+      <p:sp>
+        <p:nvSpPr>
+          <p:cNvPr id="7" name="Inhaltsplatzhalter 6">
+            <a:extLst>
+              <a:ext uri="{FF2B5EF4-FFF2-40B4-BE49-F238E27FC236}">
+                <a16:creationId xmlns:a16="http://schemas.microsoft.com/office/drawing/2014/main" id="{37979410-7084-C75F-7677-86B2F586DC61}"/>
+              </a:ext>
+            </a:extLst>
+          </p:cNvPr>
+          <p:cNvSpPr>
+            <a:spLocks noGrp="1"/>
+          </p:cNvSpPr>
+          <p:nvPr>
+            <p:ph sz="half" idx="1"/>
+          </p:nvPr>
+        </p:nvSpPr>
+        <p:spPr>
+          <a:xfrm>
+            <a:off x="838199" y="1825625"/>
+            <a:ext cx="10515599" cy="4351338"/>
+          </a:xfrm>
+        </p:spPr>
+        <p:txBody>
+          <a:bodyPr/>
+          <a:lstStyle/>
+          <a:p>
+            <a:r>
+              <a:rPr lang="de-DE"/>
+              <a:t>C# </a:t>
+            </a:r>
+          </a:p>
+          <a:p>
+            <a:r>
+              <a:rPr lang="de-DE" err="1"/>
+              <a:t>Blazor</a:t>
+            </a:r>
+            <a:r>
+              <a:rPr lang="de-DE"/>
+              <a:t>-Framework</a:t>
+            </a:r>
+          </a:p>
+          <a:p>
+            <a:pPr lvl="1"/>
+            <a:r>
+              <a:rPr lang="de-DE" err="1"/>
+              <a:t>Radzen</a:t>
+            </a:r>
+            <a:r>
+              <a:rPr lang="de-DE"/>
+              <a:t>-Bibliothek</a:t>
+            </a:r>
+          </a:p>
+          <a:p>
+            <a:r>
+              <a:rPr lang="de-DE"/>
+              <a:t>Bootstrap-Framework</a:t>
+            </a:r>
+          </a:p>
+          <a:p>
+            <a:r>
+              <a:rPr lang="de-DE" err="1"/>
+              <a:t>LaTeX</a:t>
+            </a:r>
+            <a:endParaRPr lang="de-DE"/>
+          </a:p>
+          <a:p>
+            <a:r>
+              <a:rPr lang="de-DE"/>
+              <a:t>Viel Hirnschmalz</a:t>
+            </a:r>
+          </a:p>
+        </p:txBody>
+      </p:sp>
+    </p:spTree>
+    <p:extLst>
+      <p:ext uri="{BB962C8B-B14F-4D97-AF65-F5344CB8AC3E}">
+        <p14:creationId xmlns:p14="http://schemas.microsoft.com/office/powerpoint/2010/main" val="1188828156"/>
+      </p:ext>
+    </p:extLst>
+  </p:cSld>
+  <p:clrMapOvr>
+    <a:masterClrMapping/>
+  </p:clrMapOvr>
+  <p:timing>
+    <p:tnLst>
+      <p:par>
+        <p:cTn id="1" dur="indefinite" restart="never" nodeType="tmRoot">
+          <p:childTnLst>
+            <p:seq concurrent="1" nextAc="seek">
+              <p:cTn id="2" dur="indefinite" nodeType="mainSeq">
+                <p:childTnLst>
+                  <p:par>
+                    <p:cTn id="3" fill="hold">
+                      <p:stCondLst>
+                        <p:cond delay="indefinite"/>
+                      </p:stCondLst>
+                      <p:childTnLst>
+                        <p:par>
+                          <p:cTn id="4" fill="hold">
+                            <p:stCondLst>
+                              <p:cond delay="0"/>
+                            </p:stCondLst>
+                            <p:childTnLst>
+                              <p:par>
+                                <p:cTn id="5" presetID="1" presetClass="entr" presetSubtype="0" fill="hold" nodeType="clickEffect">
+                                  <p:stCondLst>
+                                    <p:cond delay="0"/>
+                                  </p:stCondLst>
+                                  <p:childTnLst>
+                                    <p:set>
+                                      <p:cBhvr>
+                                        <p:cTn id="6" dur="1" fill="hold">
+                                          <p:stCondLst>
+                                            <p:cond delay="0"/>
+                                          </p:stCondLst>
+                                        </p:cTn>
+                                        <p:tgtEl>
+                                          <p:spTgt spid="7">
+                                            <p:txEl>
+                                              <p:pRg st="0" end="0"/>
+                                            </p:txEl>
+                                          </p:spTgt>
+                                        </p:tgtEl>
+                                        <p:attrNameLst>
+                                          <p:attrName>style.visibility</p:attrName>
+                                        </p:attrNameLst>
+                                      </p:cBhvr>
+                                      <p:to>
+                                        <p:strVal val="visible"/>
+                                      </p:to>
+                                    </p:set>
+                                  </p:childTnLst>
+                                </p:cTn>
+                              </p:par>
+                            </p:childTnLst>
+                          </p:cTn>
+                        </p:par>
+                      </p:childTnLst>
+                    </p:cTn>
+                  </p:par>
+                  <p:par>
+                    <p:cTn id="7" fill="hold">
+                      <p:stCondLst>
+                        <p:cond delay="indefinite"/>
+                      </p:stCondLst>
+                      <p:childTnLst>
+                        <p:par>
+                          <p:cTn id="8" fill="hold">
+                            <p:stCondLst>
+                              <p:cond delay="0"/>
+                            </p:stCondLst>
+                            <p:childTnLst>
+                              <p:par>
+                                <p:cTn id="9" presetID="1" presetClass="entr" presetSubtype="0" fill="hold" nodeType="clickEffect">
+                                  <p:stCondLst>
+                                    <p:cond delay="0"/>
+                                  </p:stCondLst>
+                                  <p:childTnLst>
+                                    <p:set>
+                                      <p:cBhvr>
+                                        <p:cTn id="10" dur="1" fill="hold">
+                                          <p:stCondLst>
+                                            <p:cond delay="0"/>
+                                          </p:stCondLst>
+                                        </p:cTn>
+                                        <p:tgtEl>
+                                          <p:spTgt spid="7">
+                                            <p:txEl>
+                                              <p:pRg st="1" end="1"/>
+                                            </p:txEl>
+                                          </p:spTgt>
+                                        </p:tgtEl>
+                                        <p:attrNameLst>
+                                          <p:attrName>style.visibility</p:attrName>
+                                        </p:attrNameLst>
+                                      </p:cBhvr>
+                                      <p:to>
+                                        <p:strVal val="visible"/>
+                                      </p:to>
+                                    </p:set>
+                                  </p:childTnLst>
+                                </p:cTn>
+                              </p:par>
+                            </p:childTnLst>
+                          </p:cTn>
+                        </p:par>
+                      </p:childTnLst>
+                    </p:cTn>
+                  </p:par>
+                  <p:par>
+                    <p:cTn id="11" fill="hold">
+                      <p:stCondLst>
+                        <p:cond delay="indefinite"/>
+                      </p:stCondLst>
+                      <p:childTnLst>
+                        <p:par>
+                          <p:cTn id="12" fill="hold">
+                            <p:stCondLst>
+                              <p:cond delay="0"/>
+                            </p:stCondLst>
+                            <p:childTnLst>
+                              <p:par>
+                                <p:cTn id="13" presetID="1" presetClass="entr" presetSubtype="0" fill="hold" nodeType="clickEffect">
+                                  <p:stCondLst>
+                                    <p:cond delay="0"/>
+                                  </p:stCondLst>
+                                  <p:childTnLst>
+                                    <p:set>
+                                      <p:cBhvr>
+                                        <p:cTn id="14" dur="1" fill="hold">
+                                          <p:stCondLst>
+                                            <p:cond delay="0"/>
+                                          </p:stCondLst>
+                                        </p:cTn>
+                                        <p:tgtEl>
+                                          <p:spTgt spid="7">
+                                            <p:txEl>
+                                              <p:pRg st="2" end="2"/>
+                                            </p:txEl>
+                                          </p:spTgt>
+                                        </p:tgtEl>
+                                        <p:attrNameLst>
+                                          <p:attrName>style.visibility</p:attrName>
+                                        </p:attrNameLst>
+                                      </p:cBhvr>
+                                      <p:to>
+                                        <p:strVal val="visible"/>
+                                      </p:to>
+                                    </p:set>
+                                  </p:childTnLst>
+                                </p:cTn>
+                              </p:par>
+                            </p:childTnLst>
+                          </p:cTn>
+                        </p:par>
+                      </p:childTnLst>
+                    </p:cTn>
+                  </p:par>
+                  <p:par>
+                    <p:cTn id="15" fill="hold">
+                      <p:stCondLst>
+                        <p:cond delay="indefinite"/>
+                      </p:stCondLst>
+                      <p:childTnLst>
+                        <p:par>
+                          <p:cTn id="16" fill="hold">
+                            <p:stCondLst>
+                              <p:cond delay="0"/>
+                            </p:stCondLst>
+                            <p:childTnLst>
+                              <p:par>
+                                <p:cTn id="17" presetID="1" presetClass="entr" presetSubtype="0" fill="hold" nodeType="clickEffect">
+                                  <p:stCondLst>
+                                    <p:cond delay="0"/>
+                                  </p:stCondLst>
+                                  <p:childTnLst>
+                                    <p:set>
+                                      <p:cBhvr>
+                                        <p:cTn id="18" dur="1" fill="hold">
+                                          <p:stCondLst>
+                                            <p:cond delay="0"/>
+                                          </p:stCondLst>
+                                        </p:cTn>
+                                        <p:tgtEl>
+                                          <p:spTgt spid="7">
+                                            <p:txEl>
+                                              <p:pRg st="3" end="3"/>
+                                            </p:txEl>
+                                          </p:spTgt>
+                                        </p:tgtEl>
+                                        <p:attrNameLst>
+                                          <p:attrName>style.visibility</p:attrName>
+                                        </p:attrNameLst>
+                                      </p:cBhvr>
+                                      <p:to>
+                                        <p:strVal val="visible"/>
+                                      </p:to>
+                                    </p:set>
+                                  </p:childTnLst>
+                                </p:cTn>
+                              </p:par>
+                            </p:childTnLst>
+                          </p:cTn>
+                        </p:par>
+                      </p:childTnLst>
+                    </p:cTn>
+                  </p:par>
+                  <p:par>
+                    <p:cTn id="19" fill="hold">
+                      <p:stCondLst>
+                        <p:cond delay="indefinite"/>
+                      </p:stCondLst>
+                      <p:childTnLst>
+                        <p:par>
+                          <p:cTn id="20" fill="hold">
+                            <p:stCondLst>
+                              <p:cond delay="0"/>
+                            </p:stCondLst>
+                            <p:childTnLst>
+                              <p:par>
+                                <p:cTn id="21" presetID="1" presetClass="entr" presetSubtype="0" fill="hold" nodeType="clickEffect">
+                                  <p:stCondLst>
+                                    <p:cond delay="0"/>
+                                  </p:stCondLst>
+                                  <p:childTnLst>
+                                    <p:set>
+                                      <p:cBhvr>
+                                        <p:cTn id="22" dur="1" fill="hold">
+                                          <p:stCondLst>
+                                            <p:cond delay="0"/>
+                                          </p:stCondLst>
+                                        </p:cTn>
+                                        <p:tgtEl>
+                                          <p:spTgt spid="7">
+                                            <p:txEl>
+                                              <p:pRg st="4" end="4"/>
+                                            </p:txEl>
+                                          </p:spTgt>
+                                        </p:tgtEl>
+                                        <p:attrNameLst>
+                                          <p:attrName>style.visibility</p:attrName>
+                                        </p:attrNameLst>
+                                      </p:cBhvr>
+                                      <p:to>
+                                        <p:strVal val="visible"/>
+                                      </p:to>
+                                    </p:set>
+                                  </p:childTnLst>
+                                </p:cTn>
+                              </p:par>
+                            </p:childTnLst>
+                          </p:cTn>
+                        </p:par>
+                      </p:childTnLst>
+                    </p:cTn>
+                  </p:par>
+                  <p:par>
+                    <p:cTn id="23" fill="hold">
+                      <p:stCondLst>
+                        <p:cond delay="indefinite"/>
+                      </p:stCondLst>
+                      <p:childTnLst>
+                        <p:par>
+                          <p:cTn id="24" fill="hold">
+                            <p:stCondLst>
+                              <p:cond delay="0"/>
+                            </p:stCondLst>
+                            <p:childTnLst>
+                              <p:par>
+                                <p:cTn id="25" presetID="1" presetClass="entr" presetSubtype="0" fill="hold" nodeType="clickEffect">
+                                  <p:stCondLst>
+                                    <p:cond delay="0"/>
+                                  </p:stCondLst>
+                                  <p:childTnLst>
+                                    <p:set>
+                                      <p:cBhvr>
+                                        <p:cTn id="26" dur="1" fill="hold">
+                                          <p:stCondLst>
+                                            <p:cond delay="0"/>
+                                          </p:stCondLst>
+                                        </p:cTn>
+                                        <p:tgtEl>
+                                          <p:spTgt spid="7">
+                                            <p:txEl>
+                                              <p:pRg st="5" end="5"/>
+                                            </p:txEl>
+                                          </p:spTgt>
+                                        </p:tgtEl>
+                                        <p:attrNameLst>
+                                          <p:attrName>style.visibility</p:attrName>
+                                        </p:attrNameLst>
+                                      </p:cBhvr>
+                                      <p:to>
+                                        <p:strVal val="visible"/>
+                                      </p:to>
+                                    </p:set>
+                                  </p:childTnLst>
+                                </p:cTn>
+                              </p:par>
+                            </p:childTnLst>
+                          </p:cTn>
+                        </p:par>
+                      </p:childTnLst>
+                    </p:cTn>
+                  </p:par>
+                </p:childTnLst>
+              </p:cTn>
+              <p:prevCondLst>
+                <p:cond evt="onPrev" delay="0">
+                  <p:tgtEl>
+                    <p:sldTgt/>
+                  </p:tgtEl>
+                </p:cond>
+              </p:prevCondLst>
+              <p:nextCondLst>
+                <p:cond evt="onNext" delay="0">
+                  <p:tgtEl>
+                    <p:sldTgt/>
+                  </p:tgtEl>
+                </p:cond>
+              </p:nextCondLst>
+            </p:seq>
+          </p:childTnLst>
+        </p:cTn>
+      </p:par>
+    </p:tnLst>
+  </p:timing>
+</p:sld>
+</file>
+
+<file path=ppt/slides/slide5.xml><?xml version="1.0" encoding="utf-8"?>
+<p:sld xmlns:a="http://schemas.openxmlformats.org/drawingml/2006/main" xmlns:r="http://schemas.openxmlformats.org/officeDocument/2006/relationships" xmlns:p="http://schemas.openxmlformats.org/presentationml/2006/main">
+  <p:cSld>
+    <p:bg>
+      <p:bgPr>
+        <a:solidFill>
+          <a:schemeClr val="bg1"/>
+        </a:solidFill>
+        <a:effectLst/>
+      </p:bgPr>
+    </p:bg>
+    <p:spTree>
+      <p:nvGrpSpPr>
+        <p:cNvPr id="1" name=""/>
+        <p:cNvGrpSpPr/>
+        <p:nvPr/>
+      </p:nvGrpSpPr>
+      <p:grpSpPr>
+        <a:xfrm>
+          <a:off x="0" y="0"/>
+          <a:ext cx="0" cy="0"/>
+          <a:chOff x="0" y="0"/>
+          <a:chExt cx="0" cy="0"/>
+        </a:xfrm>
+      </p:grpSpPr>
+      <p:sp useBgFill="1">
+        <p:nvSpPr>
+          <p:cNvPr id="15" name="Rectangle 9">
+            <a:extLst>
+              <a:ext uri="{FF2B5EF4-FFF2-40B4-BE49-F238E27FC236}">
+                <a16:creationId xmlns:a16="http://schemas.microsoft.com/office/drawing/2014/main" id="{2EB492CD-616E-47F8-933B-5E2D952A0593}"/>
+              </a:ext>
+              <a:ext uri="{C183D7F6-B498-43B3-948B-1728B52AA6E4}">
+                <adec:decorative xmlns:adec="http://schemas.microsoft.com/office/drawing/2017/decorative" val="1"/>
+              </a:ext>
+            </a:extLst>
+          </p:cNvPr>
+          <p:cNvSpPr>
+            <a:spLocks noGrp="1" noRot="1" noChangeAspect="1" noMove="1" noResize="1" noEditPoints="1" noAdjustHandles="1" noChangeArrowheads="1" noChangeShapeType="1" noTextEdit="1"/>
+          </p:cNvSpPr>
+          <p:nvPr>
+            <p:extLst>
+              <p:ext uri="{386F3935-93C4-4BCD-93E2-E3B085C9AB24}">
+                <p16:designElem xmlns:p16="http://schemas.microsoft.com/office/powerpoint/2015/main" val="1"/>
+              </p:ext>
+            </p:extLst>
+          </p:nvPr>
+        </p:nvSpPr>
+        <p:spPr bwMode="white">
+          <a:xfrm>
+            <a:off x="0" y="0"/>
+            <a:ext cx="12192000" cy="6858000"/>
+          </a:xfrm>
+          <a:prstGeom prst="rect">
+            <a:avLst/>
+          </a:prstGeom>
+          <a:ln>
+            <a:noFill/>
+          </a:ln>
+        </p:spPr>
+        <p:style>
+          <a:lnRef idx="2">
+            <a:schemeClr val="accent1">
+              <a:shade val="50000"/>
+            </a:schemeClr>
+          </a:lnRef>
+          <a:fillRef idx="1">
+            <a:schemeClr val="accent1"/>
+          </a:fillRef>
+          <a:effectRef idx="0">
+            <a:schemeClr val="accent1"/>
+          </a:effectRef>
+          <a:fontRef idx="minor">
+            <a:schemeClr val="lt1"/>
+          </a:fontRef>
+        </p:style>
+        <p:txBody>
+          <a:bodyPr rtlCol="0" anchor="ctr"/>
+          <a:lstStyle>
+            <a:defPPr>
+              <a:defRPr lang="en-US"/>
+            </a:defPPr>
+            <a:lvl1pPr marL="0" algn="l" defTabSz="914400" rtl="0" eaLnBrk="1" latinLnBrk="0" hangingPunct="1">
+              <a:defRPr sz="1800" kern="1200">
+                <a:solidFill>
+                  <a:schemeClr val="lt1"/>
+                </a:solidFill>
+                <a:latin typeface="+mn-lt"/>
+                <a:ea typeface="+mn-ea"/>
+                <a:cs typeface="+mn-cs"/>
+              </a:defRPr>
+            </a:lvl1pPr>
+            <a:lvl2pPr marL="457200" algn="l" defTabSz="914400" rtl="0" eaLnBrk="1" latinLnBrk="0" hangingPunct="1">
+              <a:defRPr sz="1800" kern="1200">
+                <a:solidFill>
+                  <a:schemeClr val="lt1"/>
+                </a:solidFill>
+                <a:latin typeface="+mn-lt"/>
+                <a:ea typeface="+mn-ea"/>
+                <a:cs typeface="+mn-cs"/>
+              </a:defRPr>
+            </a:lvl2pPr>
+            <a:lvl3pPr marL="914400" algn="l" defTabSz="914400" rtl="0" eaLnBrk="1" latinLnBrk="0" hangingPunct="1">
+              <a:defRPr sz="1800" kern="1200">
+                <a:solidFill>
+                  <a:schemeClr val="lt1"/>
+                </a:solidFill>
+                <a:latin typeface="+mn-lt"/>
+                <a:ea typeface="+mn-ea"/>
+                <a:cs typeface="+mn-cs"/>
+              </a:defRPr>
+            </a:lvl3pPr>
+            <a:lvl4pPr marL="1371600" algn="l" defTabSz="914400" rtl="0" eaLnBrk="1" latinLnBrk="0" hangingPunct="1">
+              <a:defRPr sz="1800" kern="1200">
+                <a:solidFill>
+                  <a:schemeClr val="lt1"/>
+                </a:solidFill>
+                <a:latin typeface="+mn-lt"/>
+                <a:ea typeface="+mn-ea"/>
+                <a:cs typeface="+mn-cs"/>
+              </a:defRPr>
+            </a:lvl4pPr>
+            <a:lvl5pPr marL="1828800" algn="l" defTabSz="914400" rtl="0" eaLnBrk="1" latinLnBrk="0" hangingPunct="1">
+              <a:defRPr sz="1800" kern="1200">
+                <a:solidFill>
+                  <a:schemeClr val="lt1"/>
+                </a:solidFill>
+                <a:latin typeface="+mn-lt"/>
+                <a:ea typeface="+mn-ea"/>
+                <a:cs typeface="+mn-cs"/>
+              </a:defRPr>
+            </a:lvl5pPr>
+            <a:lvl6pPr marL="2286000" algn="l" defTabSz="914400" rtl="0" eaLnBrk="1" latinLnBrk="0" hangingPunct="1">
+              <a:defRPr sz="1800" kern="1200">
+                <a:solidFill>
+                  <a:schemeClr val="lt1"/>
+                </a:solidFill>
+                <a:latin typeface="+mn-lt"/>
+                <a:ea typeface="+mn-ea"/>
+                <a:cs typeface="+mn-cs"/>
+              </a:defRPr>
+            </a:lvl6pPr>
+            <a:lvl7pPr marL="2743200" algn="l" defTabSz="914400" rtl="0" eaLnBrk="1" latinLnBrk="0" hangingPunct="1">
+              <a:defRPr sz="1800" kern="1200">
+                <a:solidFill>
+                  <a:schemeClr val="lt1"/>
+                </a:solidFill>
+                <a:latin typeface="+mn-lt"/>
+                <a:ea typeface="+mn-ea"/>
+                <a:cs typeface="+mn-cs"/>
+              </a:defRPr>
+            </a:lvl7pPr>
+            <a:lvl8pPr marL="3200400" algn="l" defTabSz="914400" rtl="0" eaLnBrk="1" latinLnBrk="0" hangingPunct="1">
+              <a:defRPr sz="1800" kern="1200">
+                <a:solidFill>
+                  <a:schemeClr val="lt1"/>
+                </a:solidFill>
+                <a:latin typeface="+mn-lt"/>
+                <a:ea typeface="+mn-ea"/>
+                <a:cs typeface="+mn-cs"/>
+              </a:defRPr>
+            </a:lvl8pPr>
+            <a:lvl9pPr marL="3657600" algn="l" defTabSz="914400" rtl="0" eaLnBrk="1" latinLnBrk="0" hangingPunct="1">
+              <a:defRPr sz="1800" kern="1200">
+                <a:solidFill>
+                  <a:schemeClr val="lt1"/>
+                </a:solidFill>
+                <a:latin typeface="+mn-lt"/>
+                <a:ea typeface="+mn-ea"/>
+                <a:cs typeface="+mn-cs"/>
+              </a:defRPr>
+            </a:lvl9pPr>
+          </a:lstStyle>
+          <a:p>
+            <a:pPr algn="ctr"/>
+            <a:endParaRPr lang="en-US"/>
+          </a:p>
+        </p:txBody>
+      </p:sp>
+      <p:sp>
+        <p:nvSpPr>
+          <p:cNvPr id="16" name="Arc 11">
+            <a:extLst>
+              <a:ext uri="{FF2B5EF4-FFF2-40B4-BE49-F238E27FC236}">
+                <a16:creationId xmlns:a16="http://schemas.microsoft.com/office/drawing/2014/main" id="{59383CF9-23B5-4335-9B21-1791C4CF1C75}"/>
+              </a:ext>
+              <a:ext uri="{C183D7F6-B498-43B3-948B-1728B52AA6E4}">
+                <adec:decorative xmlns:adec="http://schemas.microsoft.com/office/drawing/2017/decorative" val="1"/>
+              </a:ext>
+            </a:extLst>
+          </p:cNvPr>
+          <p:cNvSpPr>
+            <a:spLocks noGrp="1" noRot="1" noChangeAspect="1" noMove="1" noResize="1" noEditPoints="1" noAdjustHandles="1" noChangeArrowheads="1" noChangeShapeType="1" noTextEdit="1"/>
+          </p:cNvSpPr>
+          <p:nvPr>
+            <p:extLst>
+              <p:ext uri="{386F3935-93C4-4BCD-93E2-E3B085C9AB24}">
+                <p16:designElem xmlns:p16="http://schemas.microsoft.com/office/powerpoint/2015/main" val="1"/>
+              </p:ext>
+            </p:extLst>
+          </p:nvPr>
+        </p:nvSpPr>
+        <p:spPr>
+          <a:xfrm rot="3967198" flipH="1">
+            <a:off x="8631348" y="490493"/>
+            <a:ext cx="2987899" cy="2987899"/>
+          </a:xfrm>
+          <a:prstGeom prst="arc">
+            <a:avLst>
+              <a:gd name="adj1" fmla="val 14441841"/>
+              <a:gd name="adj2" fmla="val 0"/>
+            </a:avLst>
+          </a:prstGeom>
+          <a:ln w="127000" cap="rnd">
+            <a:solidFill>
+              <a:srgbClr val="35CDDE"/>
+            </a:solidFill>
+            <a:prstDash val="dash"/>
+            <a:miter lim="800000"/>
+          </a:ln>
+        </p:spPr>
+        <p:style>
+          <a:lnRef idx="1">
+            <a:schemeClr val="accent1"/>
+          </a:lnRef>
+          <a:fillRef idx="0">
+            <a:schemeClr val="accent1"/>
+          </a:fillRef>
+          <a:effectRef idx="0">
+            <a:schemeClr val="accent1"/>
+          </a:effectRef>
+          <a:fontRef idx="minor">
+            <a:schemeClr val="tx1"/>
+          </a:fontRef>
+        </p:style>
+        <p:txBody>
+          <a:bodyPr rtlCol="0" anchor="ctr"/>
+          <a:lstStyle/>
+          <a:p>
+            <a:pPr marL="0" marR="0" lvl="0" indent="0" algn="ctr" defTabSz="914400" rtl="0" eaLnBrk="1" fontAlgn="auto" latinLnBrk="0" hangingPunct="1">
+              <a:lnSpc>
+                <a:spcPct val="100000"/>
+              </a:lnSpc>
+              <a:spcBef>
+                <a:spcPts val="0"/>
+              </a:spcBef>
+              <a:spcAft>
+                <a:spcPts val="0"/>
+              </a:spcAft>
+              <a:buClrTx/>
+              <a:buSzTx/>
+              <a:buFontTx/>
+              <a:buNone/>
+              <a:tabLst/>
+              <a:defRPr/>
+            </a:pPr>
+            <a:endParaRPr kumimoji="0" lang="en-US" sz="1800" b="0" i="0" u="none" strike="noStrike" kern="1200" cap="none" spc="0" normalizeH="0" baseline="0" noProof="0">
+              <a:ln>
+                <a:noFill/>
+              </a:ln>
+              <a:solidFill>
+                <a:srgbClr val="000000"/>
+              </a:solidFill>
+              <a:effectLst/>
+              <a:uLnTx/>
+              <a:uFillTx/>
+              <a:latin typeface="Calibri" panose="020F0502020204030204"/>
+              <a:ea typeface="+mn-ea"/>
+              <a:cs typeface="+mn-cs"/>
+            </a:endParaRPr>
+          </a:p>
+        </p:txBody>
+      </p:sp>
+      <p:sp>
+        <p:nvSpPr>
+          <p:cNvPr id="2" name="Titel 1">
+            <a:extLst>
+              <a:ext uri="{FF2B5EF4-FFF2-40B4-BE49-F238E27FC236}">
+                <a16:creationId xmlns:a16="http://schemas.microsoft.com/office/drawing/2014/main" id="{7B1CC390-BC6B-18EA-B4DB-BFD585327A2A}"/>
+              </a:ext>
+            </a:extLst>
+          </p:cNvPr>
+          <p:cNvSpPr>
+            <a:spLocks noGrp="1"/>
+          </p:cNvSpPr>
+          <p:nvPr>
+            <p:ph type="title"/>
+          </p:nvPr>
+        </p:nvSpPr>
+        <p:spPr>
+          <a:xfrm>
+            <a:off x="5894962" y="479493"/>
+            <a:ext cx="5458838" cy="1325563"/>
+          </a:xfrm>
+        </p:spPr>
+        <p:txBody>
+          <a:bodyPr>
+            <a:normAutofit/>
+          </a:bodyPr>
+          <a:lstStyle/>
+          <a:p>
+            <a:r>
+              <a:rPr lang="de-DE"/>
+              <a:t>Was haben wir uns vorgenommen?</a:t>
+            </a:r>
+          </a:p>
+        </p:txBody>
+      </p:sp>
+      <p:sp>
+        <p:nvSpPr>
+          <p:cNvPr id="14" name="Freeform: Shape 13">
+            <a:extLst>
+              <a:ext uri="{FF2B5EF4-FFF2-40B4-BE49-F238E27FC236}">
+                <a16:creationId xmlns:a16="http://schemas.microsoft.com/office/drawing/2014/main" id="{0007FE00-9498-4706-B255-6437B0252C02}"/>
+              </a:ext>
+              <a:ext uri="{C183D7F6-B498-43B3-948B-1728B52AA6E4}">
+                <adec:decorative xmlns:adec="http://schemas.microsoft.com/office/drawing/2017/decorative" val="1"/>
+              </a:ext>
+            </a:extLst>
+          </p:cNvPr>
+          <p:cNvSpPr>
+            <a:spLocks noGrp="1" noRot="1" noChangeAspect="1" noMove="1" noResize="1" noEditPoints="1" noAdjustHandles="1" noChangeArrowheads="1" noChangeShapeType="1" noTextEdit="1"/>
+          </p:cNvSpPr>
+          <p:nvPr>
+            <p:extLst>
+              <p:ext uri="{386F3935-93C4-4BCD-93E2-E3B085C9AB24}">
+                <p16:designElem xmlns:p16="http://schemas.microsoft.com/office/powerpoint/2015/main" val="1"/>
+              </p:ext>
+            </p:extLst>
+          </p:nvPr>
+        </p:nvSpPr>
+        <p:spPr>
+          <a:xfrm flipH="1">
+            <a:off x="0" y="5486400"/>
+            <a:ext cx="2672863" cy="1371600"/>
+          </a:xfrm>
+          <a:custGeom>
+            <a:avLst/>
+            <a:gdLst>
+              <a:gd name="connsiteX0" fmla="*/ 1721734 w 2672863"/>
+              <a:gd name="connsiteY0" fmla="*/ 0 h 1371600"/>
+              <a:gd name="connsiteX1" fmla="*/ 2564444 w 2672863"/>
+              <a:gd name="connsiteY1" fmla="*/ 213382 h 1371600"/>
+              <a:gd name="connsiteX2" fmla="*/ 2672863 w 2672863"/>
+              <a:gd name="connsiteY2" fmla="*/ 279248 h 1371600"/>
+              <a:gd name="connsiteX3" fmla="*/ 2672863 w 2672863"/>
+              <a:gd name="connsiteY3" fmla="*/ 1371600 h 1371600"/>
+              <a:gd name="connsiteX4" fmla="*/ 0 w 2672863"/>
+              <a:gd name="connsiteY4" fmla="*/ 1371600 h 1371600"/>
+              <a:gd name="connsiteX5" fmla="*/ 33268 w 2672863"/>
+              <a:gd name="connsiteY5" fmla="*/ 1242216 h 1371600"/>
+              <a:gd name="connsiteX6" fmla="*/ 1721734 w 2672863"/>
+              <a:gd name="connsiteY6" fmla="*/ 0 h 1371600"/>
+            </a:gdLst>
+            <a:ahLst/>
+            <a:cxnLst>
+              <a:cxn ang="0">
+                <a:pos x="connsiteX0" y="connsiteY0"/>
+              </a:cxn>
+              <a:cxn ang="0">
+                <a:pos x="connsiteX1" y="connsiteY1"/>
+              </a:cxn>
+              <a:cxn ang="0">
+                <a:pos x="connsiteX2" y="connsiteY2"/>
+              </a:cxn>
+              <a:cxn ang="0">
+                <a:pos x="connsiteX3" y="connsiteY3"/>
+              </a:cxn>
+              <a:cxn ang="0">
+                <a:pos x="connsiteX4" y="connsiteY4"/>
+              </a:cxn>
+              <a:cxn ang="0">
+                <a:pos x="connsiteX5" y="connsiteY5"/>
+              </a:cxn>
+              <a:cxn ang="0">
+                <a:pos x="connsiteX6" y="connsiteY6"/>
+              </a:cxn>
+            </a:cxnLst>
+            <a:rect l="l" t="t" r="r" b="b"/>
+            <a:pathLst>
+              <a:path w="2672863" h="1371600">
+                <a:moveTo>
+                  <a:pt x="1721734" y="0"/>
+                </a:moveTo>
+                <a:cubicBezTo>
+                  <a:pt x="2026863" y="0"/>
+                  <a:pt x="2313937" y="77299"/>
+                  <a:pt x="2564444" y="213382"/>
+                </a:cubicBezTo>
+                <a:lnTo>
+                  <a:pt x="2672863" y="279248"/>
+                </a:lnTo>
+                <a:lnTo>
+                  <a:pt x="2672863" y="1371600"/>
+                </a:lnTo>
+                <a:lnTo>
+                  <a:pt x="0" y="1371600"/>
+                </a:lnTo>
+                <a:lnTo>
+                  <a:pt x="33268" y="1242216"/>
+                </a:lnTo>
+                <a:cubicBezTo>
+                  <a:pt x="257110" y="522539"/>
+                  <a:pt x="928399" y="0"/>
+                  <a:pt x="1721734" y="0"/>
+                </a:cubicBezTo>
+                <a:close/>
+              </a:path>
+            </a:pathLst>
+          </a:custGeom>
+          <a:solidFill>
+            <a:schemeClr val="accent4"/>
+          </a:solidFill>
+          <a:ln>
+            <a:noFill/>
+          </a:ln>
+        </p:spPr>
+        <p:style>
+          <a:lnRef idx="2">
+            <a:schemeClr val="accent1">
+              <a:shade val="50000"/>
+            </a:schemeClr>
+          </a:lnRef>
+          <a:fillRef idx="1">
+            <a:schemeClr val="accent1"/>
+          </a:fillRef>
+          <a:effectRef idx="0">
+            <a:schemeClr val="accent1"/>
+          </a:effectRef>
+          <a:fontRef idx="minor">
+            <a:schemeClr val="lt1"/>
+          </a:fontRef>
+        </p:style>
+        <p:txBody>
+          <a:bodyPr wrap="square" rtlCol="0" anchor="ctr">
+            <a:noAutofit/>
+          </a:bodyPr>
+          <a:lstStyle/>
+          <a:p>
+            <a:pPr algn="ctr"/>
+            <a:endParaRPr lang="en-US"/>
+          </a:p>
+        </p:txBody>
+      </p:sp>
+      <p:pic>
+        <p:nvPicPr>
+          <p:cNvPr id="5" name="Inhaltsplatzhalter 5" descr="Ein Bild, das Cartoon, Clipart, Dinosaurier, Animierter Cartoon enthält.">
+            <a:extLst>
+              <a:ext uri="{FF2B5EF4-FFF2-40B4-BE49-F238E27FC236}">
+                <a16:creationId xmlns:a16="http://schemas.microsoft.com/office/drawing/2014/main" id="{B2CE2A12-6B10-0FE1-914F-430237EA8E05}"/>
+              </a:ext>
+            </a:extLst>
+          </p:cNvPr>
+          <p:cNvPicPr>
+            <a:picLocks noChangeAspect="1"/>
+          </p:cNvPicPr>
+          <p:nvPr/>
+        </p:nvPicPr>
+        <p:blipFill>
+          <a:blip r:embed="rId2">
+            <a:extLst>
+              <a:ext uri="{28A0092B-C50C-407E-A947-70E740481C1C}">
+                <a14:useLocalDpi xmlns:a14="http://schemas.microsoft.com/office/drawing/2010/main" val="0"/>
+              </a:ext>
+            </a:extLst>
+          </a:blip>
+          <a:stretch>
+            <a:fillRect/>
+          </a:stretch>
+        </p:blipFill>
+        <p:spPr>
+          <a:xfrm>
+            <a:off x="703182" y="955437"/>
+            <a:ext cx="4777381" cy="4777381"/>
+          </a:xfrm>
+          <a:custGeom>
+            <a:avLst/>
+            <a:gdLst/>
+            <a:ahLst/>
+            <a:cxnLst/>
+            <a:rect l="l" t="t" r="r" b="b"/>
+            <a:pathLst>
+              <a:path w="4777381" h="5643794">
+                <a:moveTo>
+                  <a:pt x="143704" y="0"/>
+                </a:moveTo>
+                <a:lnTo>
+                  <a:pt x="4633677" y="0"/>
+                </a:lnTo>
+                <a:cubicBezTo>
+                  <a:pt x="4713043" y="0"/>
+                  <a:pt x="4777381" y="64338"/>
+                  <a:pt x="4777381" y="143704"/>
+                </a:cubicBezTo>
+                <a:lnTo>
+                  <a:pt x="4777381" y="5500090"/>
+                </a:lnTo>
+                <a:cubicBezTo>
+                  <a:pt x="4777381" y="5579456"/>
+                  <a:pt x="4713043" y="5643794"/>
+                  <a:pt x="4633677" y="5643794"/>
+                </a:cubicBezTo>
+                <a:lnTo>
+                  <a:pt x="143704" y="5643794"/>
+                </a:lnTo>
+                <a:cubicBezTo>
+                  <a:pt x="64338" y="5643794"/>
+                  <a:pt x="0" y="5579456"/>
+                  <a:pt x="0" y="5500090"/>
+                </a:cubicBezTo>
+                <a:lnTo>
+                  <a:pt x="0" y="143704"/>
+                </a:lnTo>
+                <a:cubicBezTo>
+                  <a:pt x="0" y="64338"/>
+                  <a:pt x="64338" y="0"/>
+                  <a:pt x="143704" y="0"/>
+                </a:cubicBezTo>
+                <a:close/>
+              </a:path>
+            </a:pathLst>
+          </a:custGeom>
+        </p:spPr>
+      </p:pic>
+      <p:sp>
+        <p:nvSpPr>
+          <p:cNvPr id="3" name="Inhaltsplatzhalter 2">
+            <a:extLst>
+              <a:ext uri="{FF2B5EF4-FFF2-40B4-BE49-F238E27FC236}">
+                <a16:creationId xmlns:a16="http://schemas.microsoft.com/office/drawing/2014/main" id="{BB5955DC-BFB9-5423-821F-247314F6DD6F}"/>
+              </a:ext>
+            </a:extLst>
+          </p:cNvPr>
+          <p:cNvSpPr>
+            <a:spLocks noGrp="1"/>
+          </p:cNvSpPr>
+          <p:nvPr>
+            <p:ph idx="1"/>
+          </p:nvPr>
+        </p:nvSpPr>
+        <p:spPr>
+          <a:xfrm>
+            <a:off x="5894962" y="1984443"/>
+            <a:ext cx="5458838" cy="4192520"/>
+          </a:xfrm>
+        </p:spPr>
+        <p:txBody>
+          <a:bodyPr vert="horz" lIns="91440" tIns="45720" rIns="91440" bIns="45720" rtlCol="0" anchor="t">
+            <a:normAutofit/>
+          </a:bodyPr>
+          <a:lstStyle/>
+          <a:p>
+            <a:r>
+              <a:rPr lang="de-DE" err="1"/>
+              <a:t>To</a:t>
+            </a:r>
+            <a:r>
+              <a:rPr lang="de-DE"/>
+              <a:t>-Do Applikation</a:t>
+            </a:r>
+          </a:p>
+          <a:p>
+            <a:pPr lvl="1">
+              <a:buFont typeface="Courier New" panose="020B0604020202020204" pitchFamily="34" charset="0"/>
+              <a:buChar char="o"/>
+            </a:pPr>
+            <a:r>
+              <a:rPr lang="de-DE"/>
+              <a:t>Anmelden</a:t>
+            </a:r>
+          </a:p>
+          <a:p>
+            <a:pPr lvl="1">
+              <a:buFont typeface="Courier New" panose="020B0604020202020204" pitchFamily="34" charset="0"/>
+              <a:buChar char="o"/>
+            </a:pPr>
+            <a:r>
+              <a:rPr lang="de-DE"/>
+              <a:t>Listen und Aufgaben erstellen</a:t>
+            </a:r>
+          </a:p>
+          <a:p>
+            <a:pPr lvl="2">
+              <a:buFont typeface="Wingdings" panose="020B0604020202020204" pitchFamily="34" charset="0"/>
+              <a:buChar char="§"/>
+            </a:pPr>
+            <a:r>
+              <a:rPr lang="de-DE"/>
+              <a:t>Bearbeiten</a:t>
+            </a:r>
+          </a:p>
+          <a:p>
+            <a:pPr lvl="2">
+              <a:buFont typeface="Wingdings" panose="020B0604020202020204" pitchFamily="34" charset="0"/>
+              <a:buChar char="§"/>
+            </a:pPr>
+            <a:r>
+              <a:rPr lang="de-DE"/>
+              <a:t>Erledigt kennzeichnen</a:t>
+            </a:r>
+          </a:p>
+          <a:p>
+            <a:pPr lvl="2">
+              <a:buFont typeface="Wingdings" panose="020B0604020202020204" pitchFamily="34" charset="0"/>
+              <a:buChar char="§"/>
+            </a:pPr>
+            <a:r>
+              <a:rPr lang="de-DE"/>
+              <a:t>Löschen</a:t>
+            </a:r>
+          </a:p>
+          <a:p>
+            <a:pPr lvl="2">
+              <a:buFont typeface="Wingdings" panose="020B0604020202020204" pitchFamily="34" charset="0"/>
+              <a:buChar char="§"/>
+            </a:pPr>
+            <a:r>
+              <a:rPr lang="de-DE"/>
+              <a:t>teilen</a:t>
+            </a:r>
+          </a:p>
+          <a:p>
+            <a:pPr lvl="1">
+              <a:buFont typeface="Courier New" panose="020B0604020202020204" pitchFamily="34" charset="0"/>
+              <a:buChar char="o"/>
+            </a:pPr>
+            <a:r>
+              <a:rPr lang="de-DE"/>
+              <a:t>Daten in einer lokalen MS-SQL Datenbank sichern</a:t>
+            </a:r>
+          </a:p>
+          <a:p>
+            <a:r>
+              <a:rPr lang="de-DE"/>
+              <a:t>Ähnlich wie ein Ticketsystem</a:t>
+            </a:r>
+          </a:p>
+        </p:txBody>
+      </p:sp>
+    </p:spTree>
+    <p:extLst>
+      <p:ext uri="{BB962C8B-B14F-4D97-AF65-F5344CB8AC3E}">
+        <p14:creationId xmlns:p14="http://schemas.microsoft.com/office/powerpoint/2010/main" val="2605743933"/>
+      </p:ext>
+    </p:extLst>
+  </p:cSld>
+  <p:clrMapOvr>
+    <a:masterClrMapping/>
+  </p:clrMapOvr>
+</p:sld>
+</file>
+
+<file path=ppt/slides/slide6.xml><?xml version="1.0" encoding="utf-8"?>
+<p:sld xmlns:a="http://schemas.openxmlformats.org/drawingml/2006/main" xmlns:r="http://schemas.openxmlformats.org/officeDocument/2006/relationships" xmlns:p="http://schemas.openxmlformats.org/presentationml/2006/main">
+  <p:cSld>
+    <p:bg>
+      <p:bgPr>
+        <a:solidFill>
+          <a:schemeClr val="bg1"/>
+        </a:solidFill>
+        <a:effectLst/>
+      </p:bgPr>
+    </p:bg>
+    <p:spTree>
+      <p:nvGrpSpPr>
+        <p:cNvPr id="1" name=""/>
+        <p:cNvGrpSpPr/>
+        <p:nvPr/>
+      </p:nvGrpSpPr>
+      <p:grpSpPr>
+        <a:xfrm>
+          <a:off x="0" y="0"/>
+          <a:ext cx="0" cy="0"/>
+          <a:chOff x="0" y="0"/>
+          <a:chExt cx="0" cy="0"/>
+        </a:xfrm>
+      </p:grpSpPr>
+      <p:sp useBgFill="1">
+        <p:nvSpPr>
+          <p:cNvPr id="9" name="Rectangle 8">
+            <a:extLst>
+              <a:ext uri="{FF2B5EF4-FFF2-40B4-BE49-F238E27FC236}">
+                <a16:creationId xmlns:a16="http://schemas.microsoft.com/office/drawing/2014/main" id="{327D73B4-9F5C-4A64-A179-51B9500CB8B5}"/>
+              </a:ext>
+              <a:ext uri="{C183D7F6-B498-43B3-948B-1728B52AA6E4}">
+                <adec:decorative xmlns:adec="http://schemas.microsoft.com/office/drawing/2017/decorative" val="1"/>
+              </a:ext>
+            </a:extLst>
+          </p:cNvPr>
+          <p:cNvSpPr>
+            <a:spLocks noGrp="1" noRot="1" noChangeAspect="1" noMove="1" noResize="1" noEditPoints="1" noAdjustHandles="1" noChangeArrowheads="1" noChangeShapeType="1" noTextEdit="1"/>
+          </p:cNvSpPr>
+          <p:nvPr>
+            <p:extLst>
+              <p:ext uri="{386F3935-93C4-4BCD-93E2-E3B085C9AB24}">
+                <p16:designElem xmlns:p16="http://schemas.microsoft.com/office/powerpoint/2015/main" val="1"/>
+              </p:ext>
+            </p:extLst>
+          </p:nvPr>
+        </p:nvSpPr>
+        <p:spPr>
+          <a:xfrm>
+            <a:off x="0" y="0"/>
+            <a:ext cx="12192000" cy="6858000"/>
+          </a:xfrm>
+          <a:prstGeom prst="rect">
+            <a:avLst/>
+          </a:prstGeom>
+          <a:ln>
+            <a:noFill/>
+          </a:ln>
+        </p:spPr>
+        <p:style>
+          <a:lnRef idx="2">
+            <a:schemeClr val="accent1">
+              <a:shade val="50000"/>
+            </a:schemeClr>
+          </a:lnRef>
+          <a:fillRef idx="1">
+            <a:schemeClr val="accent1"/>
+          </a:fillRef>
+          <a:effectRef idx="0">
+            <a:schemeClr val="accent1"/>
+          </a:effectRef>
+          <a:fontRef idx="minor">
+            <a:schemeClr val="lt1"/>
+          </a:fontRef>
+        </p:style>
+        <p:txBody>
+          <a:bodyPr rtlCol="0" anchor="ctr"/>
+          <a:lstStyle/>
+          <a:p>
+            <a:pPr algn="ctr"/>
+            <a:endParaRPr lang="en-US"/>
+          </a:p>
+        </p:txBody>
+      </p:sp>
+      <p:sp>
+        <p:nvSpPr>
+          <p:cNvPr id="2" name="Titel 1">
+            <a:extLst>
+              <a:ext uri="{FF2B5EF4-FFF2-40B4-BE49-F238E27FC236}">
+                <a16:creationId xmlns:a16="http://schemas.microsoft.com/office/drawing/2014/main" id="{E9B8995D-8F4E-CC4A-4B05-39B81F051785}"/>
+              </a:ext>
+            </a:extLst>
+          </p:cNvPr>
+          <p:cNvSpPr>
+            <a:spLocks noGrp="1"/>
+          </p:cNvSpPr>
+          <p:nvPr>
+            <p:ph type="title"/>
+          </p:nvPr>
+        </p:nvSpPr>
+        <p:spPr>
+          <a:xfrm>
+            <a:off x="6657715" y="467271"/>
+            <a:ext cx="4195674" cy="2052522"/>
+          </a:xfrm>
+        </p:spPr>
+        <p:txBody>
+          <a:bodyPr anchor="b">
+            <a:normAutofit/>
+          </a:bodyPr>
+          <a:lstStyle/>
+          <a:p>
+            <a:r>
+              <a:rPr lang="de-DE" sz="3500"/>
+              <a:t>Was haben wir wirklich umgesetzt</a:t>
+            </a:r>
+          </a:p>
+        </p:txBody>
+      </p:sp>
+      <p:sp>
+        <p:nvSpPr>
+          <p:cNvPr id="11" name="Oval 10">
+            <a:extLst>
+              <a:ext uri="{FF2B5EF4-FFF2-40B4-BE49-F238E27FC236}">
+                <a16:creationId xmlns:a16="http://schemas.microsoft.com/office/drawing/2014/main" id="{C1F06963-6374-4B48-844F-071A9BAAAE02}"/>
+              </a:ext>
+              <a:ext uri="{C183D7F6-B498-43B3-948B-1728B52AA6E4}">
+                <adec:decorative xmlns:adec="http://schemas.microsoft.com/office/drawing/2017/decorative" val="1"/>
+              </a:ext>
+            </a:extLst>
+          </p:cNvPr>
+          <p:cNvSpPr>
+            <a:spLocks noGrp="1" noRot="1" noChangeAspect="1" noMove="1" noResize="1" noEditPoints="1" noAdjustHandles="1" noChangeArrowheads="1" noChangeShapeType="1" noTextEdit="1"/>
+          </p:cNvSpPr>
+          <p:nvPr>
+            <p:extLst>
+              <p:ext uri="{386F3935-93C4-4BCD-93E2-E3B085C9AB24}">
+                <p16:designElem xmlns:p16="http://schemas.microsoft.com/office/powerpoint/2015/main" val="1"/>
+              </p:ext>
+            </p:extLst>
+          </p:nvPr>
+        </p:nvSpPr>
+        <p:spPr>
+          <a:xfrm>
+            <a:off x="322965" y="554152"/>
+            <a:ext cx="5742189" cy="5742189"/>
+          </a:xfrm>
+          <a:prstGeom prst="ellipse">
+            <a:avLst/>
+          </a:prstGeom>
+          <a:gradFill flip="none" rotWithShape="1">
+            <a:gsLst>
+              <a:gs pos="0">
+                <a:schemeClr val="accent1"/>
+              </a:gs>
+              <a:gs pos="100000">
+                <a:schemeClr val="accent2"/>
+              </a:gs>
+            </a:gsLst>
+            <a:lin ang="2700000" scaled="1"/>
+            <a:tileRect/>
+          </a:gradFill>
+          <a:ln>
+            <a:noFill/>
+          </a:ln>
+        </p:spPr>
+        <p:style>
+          <a:lnRef idx="2">
+            <a:schemeClr val="accent1">
+              <a:shade val="50000"/>
+            </a:schemeClr>
+          </a:lnRef>
+          <a:fillRef idx="1">
+            <a:schemeClr val="accent1"/>
+          </a:fillRef>
+          <a:effectRef idx="0">
+            <a:schemeClr val="accent1"/>
+          </a:effectRef>
+          <a:fontRef idx="minor">
+            <a:schemeClr val="lt1"/>
+          </a:fontRef>
+        </p:style>
+        <p:txBody>
+          <a:bodyPr rtlCol="0" anchor="ctr"/>
+          <a:lstStyle/>
+          <a:p>
+            <a:pPr algn="ctr"/>
+            <a:endParaRPr lang="en-US"/>
+          </a:p>
+        </p:txBody>
+      </p:sp>
+      <p:pic>
+        <p:nvPicPr>
+          <p:cNvPr id="4" name="Grafik 3" descr="Ein Bild, das Clipart, Cartoon, Design enthält.&#10;&#10;Beschreibung automatisch generiert.">
+            <a:extLst>
+              <a:ext uri="{FF2B5EF4-FFF2-40B4-BE49-F238E27FC236}">
+                <a16:creationId xmlns:a16="http://schemas.microsoft.com/office/drawing/2014/main" id="{C57A70A0-E350-3C12-D97C-A6330C396AAF}"/>
+              </a:ext>
+            </a:extLst>
+          </p:cNvPr>
+          <p:cNvPicPr>
+            <a:picLocks noChangeAspect="1"/>
+          </p:cNvPicPr>
+          <p:nvPr/>
+        </p:nvPicPr>
+        <p:blipFill rotWithShape="1">
+          <a:blip r:embed="rId2"/>
+          <a:srcRect r="-3" b="-3"/>
+          <a:stretch/>
+        </p:blipFill>
+        <p:spPr>
+          <a:xfrm>
+            <a:off x="505418" y="554151"/>
+            <a:ext cx="5742189" cy="5742189"/>
+          </a:xfrm>
+          <a:custGeom>
+            <a:avLst/>
+            <a:gdLst/>
+            <a:ahLst/>
+            <a:cxnLst/>
+            <a:rect l="l" t="t" r="r" b="b"/>
+            <a:pathLst>
+              <a:path w="1838528" h="1838528">
+                <a:moveTo>
+                  <a:pt x="919264" y="0"/>
+                </a:moveTo>
+                <a:cubicBezTo>
+                  <a:pt x="1426959" y="0"/>
+                  <a:pt x="1838528" y="411569"/>
+                  <a:pt x="1838528" y="919264"/>
+                </a:cubicBezTo>
+                <a:cubicBezTo>
+                  <a:pt x="1838528" y="1426959"/>
+                  <a:pt x="1426959" y="1838528"/>
+                  <a:pt x="919264" y="1838528"/>
+                </a:cubicBezTo>
+                <a:cubicBezTo>
+                  <a:pt x="411569" y="1838528"/>
+                  <a:pt x="0" y="1426959"/>
+                  <a:pt x="0" y="919264"/>
+                </a:cubicBezTo>
+                <a:cubicBezTo>
+                  <a:pt x="0" y="411569"/>
+                  <a:pt x="411569" y="0"/>
+                  <a:pt x="919264" y="0"/>
+                </a:cubicBezTo>
+                <a:close/>
+              </a:path>
+            </a:pathLst>
+          </a:custGeom>
+        </p:spPr>
+      </p:pic>
+      <p:sp>
+        <p:nvSpPr>
+          <p:cNvPr id="13" name="!!plus graphic">
+            <a:extLst>
+              <a:ext uri="{FF2B5EF4-FFF2-40B4-BE49-F238E27FC236}">
+                <a16:creationId xmlns:a16="http://schemas.microsoft.com/office/drawing/2014/main" id="{6CB927A4-E432-4310-9CD5-E89FF5063179}"/>
+              </a:ext>
+              <a:ext uri="{C183D7F6-B498-43B3-948B-1728B52AA6E4}">
+                <adec:decorative xmlns:adec="http://schemas.microsoft.com/office/drawing/2017/decorative" val="1"/>
+              </a:ext>
+            </a:extLst>
+          </p:cNvPr>
+          <p:cNvSpPr>
+            <a:spLocks noGrp="1" noRot="1" noChangeAspect="1" noMove="1" noResize="1" noEditPoints="1" noAdjustHandles="1" noChangeArrowheads="1" noChangeShapeType="1" noTextEdit="1"/>
+          </p:cNvSpPr>
+          <p:nvPr>
+            <p:extLst>
+              <p:ext uri="{386F3935-93C4-4BCD-93E2-E3B085C9AB24}">
+                <p16:designElem xmlns:p16="http://schemas.microsoft.com/office/powerpoint/2015/main" val="1"/>
+              </p:ext>
+            </p:extLst>
+          </p:nvPr>
+        </p:nvSpPr>
+        <p:spPr>
+          <a:xfrm>
+            <a:off x="1004956" y="703679"/>
+            <a:ext cx="171515" cy="171515"/>
+          </a:xfrm>
+          <a:custGeom>
+            <a:avLst/>
+            <a:gdLst>
+              <a:gd name="connsiteX0" fmla="*/ 159874 w 171515"/>
+              <a:gd name="connsiteY0" fmla="*/ 74116 h 171515"/>
+              <a:gd name="connsiteX1" fmla="*/ 97399 w 171515"/>
+              <a:gd name="connsiteY1" fmla="*/ 74116 h 171515"/>
+              <a:gd name="connsiteX2" fmla="*/ 97399 w 171515"/>
+              <a:gd name="connsiteY2" fmla="*/ 11641 h 171515"/>
+              <a:gd name="connsiteX3" fmla="*/ 85758 w 171515"/>
+              <a:gd name="connsiteY3" fmla="*/ 0 h 171515"/>
+              <a:gd name="connsiteX4" fmla="*/ 74116 w 171515"/>
+              <a:gd name="connsiteY4" fmla="*/ 11641 h 171515"/>
+              <a:gd name="connsiteX5" fmla="*/ 74116 w 171515"/>
+              <a:gd name="connsiteY5" fmla="*/ 74116 h 171515"/>
+              <a:gd name="connsiteX6" fmla="*/ 11641 w 171515"/>
+              <a:gd name="connsiteY6" fmla="*/ 74116 h 171515"/>
+              <a:gd name="connsiteX7" fmla="*/ 0 w 171515"/>
+              <a:gd name="connsiteY7" fmla="*/ 85758 h 171515"/>
+              <a:gd name="connsiteX8" fmla="*/ 11641 w 171515"/>
+              <a:gd name="connsiteY8" fmla="*/ 97399 h 171515"/>
+              <a:gd name="connsiteX9" fmla="*/ 74116 w 171515"/>
+              <a:gd name="connsiteY9" fmla="*/ 97399 h 171515"/>
+              <a:gd name="connsiteX10" fmla="*/ 74116 w 171515"/>
+              <a:gd name="connsiteY10" fmla="*/ 159874 h 171515"/>
+              <a:gd name="connsiteX11" fmla="*/ 85758 w 171515"/>
+              <a:gd name="connsiteY11" fmla="*/ 171515 h 171515"/>
+              <a:gd name="connsiteX12" fmla="*/ 97399 w 171515"/>
+              <a:gd name="connsiteY12" fmla="*/ 159874 h 171515"/>
+              <a:gd name="connsiteX13" fmla="*/ 97399 w 171515"/>
+              <a:gd name="connsiteY13" fmla="*/ 97399 h 171515"/>
+              <a:gd name="connsiteX14" fmla="*/ 159874 w 171515"/>
+              <a:gd name="connsiteY14" fmla="*/ 97399 h 171515"/>
+              <a:gd name="connsiteX15" fmla="*/ 171515 w 171515"/>
+              <a:gd name="connsiteY15" fmla="*/ 85758 h 171515"/>
+              <a:gd name="connsiteX16" fmla="*/ 159874 w 171515"/>
+              <a:gd name="connsiteY16" fmla="*/ 74116 h 171515"/>
+            </a:gdLst>
+            <a:ahLst/>
+            <a:cxnLst>
+              <a:cxn ang="0">
+                <a:pos x="connsiteX0" y="connsiteY0"/>
+              </a:cxn>
+              <a:cxn ang="0">
+                <a:pos x="connsiteX1" y="connsiteY1"/>
+              </a:cxn>
+              <a:cxn ang="0">
+                <a:pos x="connsiteX2" y="connsiteY2"/>
+              </a:cxn>
+              <a:cxn ang="0">
+                <a:pos x="connsiteX3" y="connsiteY3"/>
+              </a:cxn>
+              <a:cxn ang="0">
+                <a:pos x="connsiteX4" y="connsiteY4"/>
+              </a:cxn>
+              <a:cxn ang="0">
+                <a:pos x="connsiteX5" y="connsiteY5"/>
+              </a:cxn>
+              <a:cxn ang="0">
+                <a:pos x="connsiteX6" y="connsiteY6"/>
+              </a:cxn>
+              <a:cxn ang="0">
+                <a:pos x="connsiteX7" y="connsiteY7"/>
+              </a:cxn>
+              <a:cxn ang="0">
+                <a:pos x="connsiteX8" y="connsiteY8"/>
+              </a:cxn>
+              <a:cxn ang="0">
+                <a:pos x="connsiteX9" y="connsiteY9"/>
+              </a:cxn>
+              <a:cxn ang="0">
+                <a:pos x="connsiteX10" y="connsiteY10"/>
+              </a:cxn>
+              <a:cxn ang="0">
+                <a:pos x="connsiteX11" y="connsiteY11"/>
+              </a:cxn>
+              <a:cxn ang="0">
+                <a:pos x="connsiteX12" y="connsiteY12"/>
+              </a:cxn>
+              <a:cxn ang="0">
+                <a:pos x="connsiteX13" y="connsiteY13"/>
+              </a:cxn>
+              <a:cxn ang="0">
+                <a:pos x="connsiteX14" y="connsiteY14"/>
+              </a:cxn>
+              <a:cxn ang="0">
+                <a:pos x="connsiteX15" y="connsiteY15"/>
+              </a:cxn>
+              <a:cxn ang="0">
+                <a:pos x="connsiteX16" y="connsiteY16"/>
+              </a:cxn>
+            </a:cxnLst>
+            <a:rect l="l" t="t" r="r" b="b"/>
+            <a:pathLst>
+              <a:path w="171515" h="171515">
+                <a:moveTo>
+                  <a:pt x="159874" y="74116"/>
+                </a:moveTo>
+                <a:lnTo>
+                  <a:pt x="97399" y="74116"/>
+                </a:lnTo>
+                <a:lnTo>
+                  <a:pt x="97399" y="11641"/>
+                </a:lnTo>
+                <a:cubicBezTo>
+                  <a:pt x="97399" y="5212"/>
+                  <a:pt x="92187" y="0"/>
+                  <a:pt x="85758" y="0"/>
+                </a:cubicBezTo>
+                <a:cubicBezTo>
+                  <a:pt x="79328" y="0"/>
+                  <a:pt x="74116" y="5212"/>
+                  <a:pt x="74116" y="11641"/>
+                </a:cubicBezTo>
+                <a:lnTo>
+                  <a:pt x="74116" y="74116"/>
+                </a:lnTo>
+                <a:lnTo>
+                  <a:pt x="11641" y="74116"/>
+                </a:lnTo>
+                <a:cubicBezTo>
+                  <a:pt x="5212" y="74116"/>
+                  <a:pt x="0" y="79328"/>
+                  <a:pt x="0" y="85758"/>
+                </a:cubicBezTo>
+                <a:cubicBezTo>
+                  <a:pt x="0" y="92187"/>
+                  <a:pt x="5212" y="97399"/>
+                  <a:pt x="11641" y="97399"/>
+                </a:cubicBezTo>
+                <a:lnTo>
+                  <a:pt x="74116" y="97399"/>
+                </a:lnTo>
+                <a:lnTo>
+                  <a:pt x="74116" y="159874"/>
+                </a:lnTo>
+                <a:cubicBezTo>
+                  <a:pt x="74116" y="166303"/>
+                  <a:pt x="79328" y="171515"/>
+                  <a:pt x="85758" y="171515"/>
+                </a:cubicBezTo>
+                <a:cubicBezTo>
+                  <a:pt x="92187" y="171515"/>
+                  <a:pt x="97399" y="166303"/>
+                  <a:pt x="97399" y="159874"/>
+                </a:cubicBezTo>
+                <a:lnTo>
+                  <a:pt x="97399" y="97399"/>
+                </a:lnTo>
+                <a:lnTo>
+                  <a:pt x="159874" y="97399"/>
+                </a:lnTo>
+                <a:cubicBezTo>
+                  <a:pt x="166303" y="97399"/>
+                  <a:pt x="171515" y="92187"/>
+                  <a:pt x="171515" y="85758"/>
+                </a:cubicBezTo>
+                <a:cubicBezTo>
+                  <a:pt x="171515" y="79328"/>
+                  <a:pt x="166303" y="74116"/>
+                  <a:pt x="159874" y="74116"/>
+                </a:cubicBezTo>
+                <a:close/>
+              </a:path>
+            </a:pathLst>
+          </a:custGeom>
+          <a:solidFill>
+            <a:schemeClr val="accent1"/>
+          </a:solidFill>
+          <a:ln w="776" cap="flat">
+            <a:noFill/>
+            <a:prstDash val="solid"/>
+            <a:miter/>
+          </a:ln>
+        </p:spPr>
+        <p:txBody>
+          <a:bodyPr rtlCol="0" anchor="ctr"/>
+          <a:lstStyle/>
+          <a:p>
+            <a:endParaRPr lang="en-US"/>
+          </a:p>
+        </p:txBody>
+      </p:sp>
+      <p:sp>
+        <p:nvSpPr>
+          <p:cNvPr id="15" name="!!circle graphic">
+            <a:extLst>
+              <a:ext uri="{FF2B5EF4-FFF2-40B4-BE49-F238E27FC236}">
+                <a16:creationId xmlns:a16="http://schemas.microsoft.com/office/drawing/2014/main" id="{1453BF6C-B012-48B7-B4E8-6D7AC7C27D02}"/>
+              </a:ext>
+              <a:ext uri="{C183D7F6-B498-43B3-948B-1728B52AA6E4}">
+                <adec:decorative xmlns:adec="http://schemas.microsoft.com/office/drawing/2017/decorative" val="1"/>
+              </a:ext>
+            </a:extLst>
+          </p:cNvPr>
+          <p:cNvSpPr>
+            <a:spLocks noGrp="1" noRot="1" noChangeAspect="1" noMove="1" noResize="1" noEditPoints="1" noAdjustHandles="1" noChangeArrowheads="1" noChangeShapeType="1" noTextEdit="1"/>
+          </p:cNvSpPr>
+          <p:nvPr>
+            <p:extLst>
+              <p:ext uri="{386F3935-93C4-4BCD-93E2-E3B085C9AB24}">
+                <p16:designElem xmlns:p16="http://schemas.microsoft.com/office/powerpoint/2015/main" val="1"/>
+              </p:ext>
+            </p:extLst>
+          </p:nvPr>
+        </p:nvSpPr>
+        <p:spPr>
+          <a:xfrm>
+            <a:off x="422753" y="1562696"/>
+            <a:ext cx="157545" cy="157545"/>
+          </a:xfrm>
+          <a:custGeom>
+            <a:avLst/>
+            <a:gdLst>
+              <a:gd name="connsiteX0" fmla="*/ 78773 w 157545"/>
+              <a:gd name="connsiteY0" fmla="*/ 23283 h 157545"/>
+              <a:gd name="connsiteX1" fmla="*/ 134262 w 157545"/>
+              <a:gd name="connsiteY1" fmla="*/ 78773 h 157545"/>
+              <a:gd name="connsiteX2" fmla="*/ 78773 w 157545"/>
+              <a:gd name="connsiteY2" fmla="*/ 134262 h 157545"/>
+              <a:gd name="connsiteX3" fmla="*/ 23283 w 157545"/>
+              <a:gd name="connsiteY3" fmla="*/ 78773 h 157545"/>
+              <a:gd name="connsiteX4" fmla="*/ 78773 w 157545"/>
+              <a:gd name="connsiteY4" fmla="*/ 23283 h 157545"/>
+              <a:gd name="connsiteX5" fmla="*/ 78773 w 157545"/>
+              <a:gd name="connsiteY5" fmla="*/ 0 h 157545"/>
+              <a:gd name="connsiteX6" fmla="*/ 0 w 157545"/>
+              <a:gd name="connsiteY6" fmla="*/ 78773 h 157545"/>
+              <a:gd name="connsiteX7" fmla="*/ 78773 w 157545"/>
+              <a:gd name="connsiteY7" fmla="*/ 157545 h 157545"/>
+              <a:gd name="connsiteX8" fmla="*/ 157545 w 157545"/>
+              <a:gd name="connsiteY8" fmla="*/ 78773 h 157545"/>
+              <a:gd name="connsiteX9" fmla="*/ 78773 w 157545"/>
+              <a:gd name="connsiteY9" fmla="*/ 0 h 157545"/>
+            </a:gdLst>
+            <a:ahLst/>
+            <a:cxnLst>
+              <a:cxn ang="0">
+                <a:pos x="connsiteX0" y="connsiteY0"/>
+              </a:cxn>
+              <a:cxn ang="0">
+                <a:pos x="connsiteX1" y="connsiteY1"/>
+              </a:cxn>
+              <a:cxn ang="0">
+                <a:pos x="connsiteX2" y="connsiteY2"/>
+              </a:cxn>
+              <a:cxn ang="0">
+                <a:pos x="connsiteX3" y="connsiteY3"/>
+              </a:cxn>
+              <a:cxn ang="0">
+                <a:pos x="connsiteX4" y="connsiteY4"/>
+              </a:cxn>
+              <a:cxn ang="0">
+                <a:pos x="connsiteX5" y="connsiteY5"/>
+              </a:cxn>
+              <a:cxn ang="0">
+                <a:pos x="connsiteX6" y="connsiteY6"/>
+              </a:cxn>
+              <a:cxn ang="0">
+                <a:pos x="connsiteX7" y="connsiteY7"/>
+              </a:cxn>
+              <a:cxn ang="0">
+                <a:pos x="connsiteX8" y="connsiteY8"/>
+              </a:cxn>
+              <a:cxn ang="0">
+                <a:pos x="connsiteX9" y="connsiteY9"/>
+              </a:cxn>
+            </a:cxnLst>
+            <a:rect l="l" t="t" r="r" b="b"/>
+            <a:pathLst>
+              <a:path w="157545" h="157545">
+                <a:moveTo>
+                  <a:pt x="78773" y="23283"/>
+                </a:moveTo>
+                <a:cubicBezTo>
+                  <a:pt x="109419" y="23283"/>
+                  <a:pt x="134262" y="48126"/>
+                  <a:pt x="134262" y="78773"/>
+                </a:cubicBezTo>
+                <a:cubicBezTo>
+                  <a:pt x="134262" y="109419"/>
+                  <a:pt x="109419" y="134262"/>
+                  <a:pt x="78773" y="134262"/>
+                </a:cubicBezTo>
+                <a:cubicBezTo>
+                  <a:pt x="48126" y="134262"/>
+                  <a:pt x="23283" y="109419"/>
+                  <a:pt x="23283" y="78773"/>
+                </a:cubicBezTo>
+                <a:cubicBezTo>
+                  <a:pt x="23312" y="48139"/>
+                  <a:pt x="48139" y="23312"/>
+                  <a:pt x="78773" y="23283"/>
+                </a:cubicBezTo>
+                <a:moveTo>
+                  <a:pt x="78773" y="0"/>
+                </a:moveTo>
+                <a:cubicBezTo>
+                  <a:pt x="35268" y="0"/>
+                  <a:pt x="0" y="35268"/>
+                  <a:pt x="0" y="78773"/>
+                </a:cubicBezTo>
+                <a:cubicBezTo>
+                  <a:pt x="0" y="122277"/>
+                  <a:pt x="35268" y="157545"/>
+                  <a:pt x="78773" y="157545"/>
+                </a:cubicBezTo>
+                <a:cubicBezTo>
+                  <a:pt x="122277" y="157545"/>
+                  <a:pt x="157545" y="122277"/>
+                  <a:pt x="157545" y="78773"/>
+                </a:cubicBezTo>
+                <a:cubicBezTo>
+                  <a:pt x="157545" y="35268"/>
+                  <a:pt x="122277" y="0"/>
+                  <a:pt x="78773" y="0"/>
+                </a:cubicBezTo>
+                <a:close/>
+              </a:path>
+            </a:pathLst>
+          </a:custGeom>
+          <a:solidFill>
+            <a:schemeClr val="accent1"/>
+          </a:solidFill>
+          <a:ln w="751" cap="flat">
+            <a:noFill/>
+            <a:prstDash val="solid"/>
+            <a:miter/>
+          </a:ln>
+        </p:spPr>
+        <p:txBody>
+          <a:bodyPr rtlCol="0" anchor="ctr"/>
+          <a:lstStyle/>
+          <a:p>
+            <a:endParaRPr lang="en-US"/>
+          </a:p>
+        </p:txBody>
+      </p:sp>
+      <p:sp>
+        <p:nvSpPr>
+          <p:cNvPr id="3" name="Inhaltsplatzhalter 2">
+            <a:extLst>
+              <a:ext uri="{FF2B5EF4-FFF2-40B4-BE49-F238E27FC236}">
+                <a16:creationId xmlns:a16="http://schemas.microsoft.com/office/drawing/2014/main" id="{B9EE4A9B-2666-9790-37FF-C472F8032ADE}"/>
+              </a:ext>
+            </a:extLst>
+          </p:cNvPr>
+          <p:cNvSpPr>
+            <a:spLocks noGrp="1"/>
+          </p:cNvSpPr>
+          <p:nvPr>
+            <p:ph idx="1"/>
+          </p:nvPr>
+        </p:nvSpPr>
+        <p:spPr>
+          <a:xfrm>
+            <a:off x="6657715" y="2990818"/>
+            <a:ext cx="4195673" cy="2913872"/>
+          </a:xfrm>
+        </p:spPr>
+        <p:txBody>
+          <a:bodyPr vert="horz" lIns="91440" tIns="45720" rIns="91440" bIns="45720" rtlCol="0" anchor="t">
+            <a:normAutofit/>
+          </a:bodyPr>
+          <a:lstStyle/>
+          <a:p>
+            <a:r>
+              <a:rPr lang="de-DE" sz="1900" err="1">
+                <a:solidFill>
+                  <a:schemeClr val="tx1">
+                    <a:alpha val="80000"/>
+                  </a:schemeClr>
+                </a:solidFill>
+                <a:latin typeface="Arial"/>
+                <a:cs typeface="Arial"/>
+              </a:rPr>
+              <a:t>To</a:t>
+            </a:r>
+            <a:r>
+              <a:rPr lang="de-DE" sz="1900">
+                <a:solidFill>
+                  <a:schemeClr val="tx1">
+                    <a:alpha val="80000"/>
+                  </a:schemeClr>
+                </a:solidFill>
+                <a:latin typeface="Arial"/>
+                <a:cs typeface="Arial"/>
+              </a:rPr>
+              <a:t>-Do Applikation</a:t>
+            </a:r>
+            <a:endParaRPr lang="en-US" sz="1900">
+              <a:solidFill>
+                <a:schemeClr val="tx1">
+                  <a:alpha val="80000"/>
+                </a:schemeClr>
+              </a:solidFill>
+              <a:latin typeface="Arial"/>
+              <a:cs typeface="Arial"/>
+            </a:endParaRPr>
+          </a:p>
+          <a:p>
+            <a:pPr lvl="1">
+              <a:buFont typeface="Courier New,monospace" panose="020B0604020202020204" pitchFamily="34" charset="0"/>
+              <a:buChar char="o"/>
+            </a:pPr>
+            <a:endParaRPr lang="de-DE" sz="1900">
+              <a:solidFill>
+                <a:schemeClr val="tx1">
+                  <a:alpha val="80000"/>
+                </a:schemeClr>
+              </a:solidFill>
+              <a:latin typeface="Arial"/>
+              <a:cs typeface="Arial"/>
+            </a:endParaRPr>
+          </a:p>
+          <a:p>
+            <a:pPr lvl="1">
+              <a:buFont typeface="Courier New,monospace" panose="020B0604020202020204" pitchFamily="34" charset="0"/>
+              <a:buChar char="o"/>
+            </a:pPr>
+            <a:r>
+              <a:rPr lang="de-DE" sz="1900">
+                <a:solidFill>
+                  <a:schemeClr val="tx1">
+                    <a:alpha val="80000"/>
+                  </a:schemeClr>
+                </a:solidFill>
+                <a:latin typeface="Arial"/>
+                <a:cs typeface="Arial"/>
+              </a:rPr>
+              <a:t>Drag and Drop Zone</a:t>
+            </a:r>
+          </a:p>
+          <a:p>
+            <a:pPr lvl="2">
+              <a:buFont typeface="Wingdings" panose="020B0604020202020204" pitchFamily="34" charset="0"/>
+              <a:buChar char="§"/>
+            </a:pPr>
+            <a:r>
+              <a:rPr lang="de-DE" sz="1900">
+                <a:solidFill>
+                  <a:schemeClr val="tx1">
+                    <a:alpha val="80000"/>
+                  </a:schemeClr>
+                </a:solidFill>
+                <a:latin typeface="Arial"/>
+                <a:cs typeface="Arial"/>
+              </a:rPr>
+              <a:t>Aufgaben erstellen</a:t>
+            </a:r>
+          </a:p>
+          <a:p>
+            <a:pPr lvl="2">
+              <a:buFont typeface="Wingdings,Sans-Serif" panose="020B0604020202020204" pitchFamily="34" charset="0"/>
+              <a:buChar char="§"/>
+            </a:pPr>
+            <a:r>
+              <a:rPr lang="de-DE" sz="1900">
+                <a:solidFill>
+                  <a:schemeClr val="tx1">
+                    <a:alpha val="80000"/>
+                  </a:schemeClr>
+                </a:solidFill>
+                <a:latin typeface="Arial"/>
+                <a:cs typeface="Arial"/>
+              </a:rPr>
+              <a:t>Erledigt kennzeichnen</a:t>
+            </a:r>
+            <a:endParaRPr lang="en-US" sz="1900">
+              <a:solidFill>
+                <a:schemeClr val="tx1">
+                  <a:alpha val="80000"/>
+                </a:schemeClr>
+              </a:solidFill>
+              <a:latin typeface="Arial"/>
+              <a:cs typeface="Arial"/>
+            </a:endParaRPr>
+          </a:p>
+          <a:p>
+            <a:pPr lvl="2">
+              <a:buFont typeface="Wingdings,Sans-Serif" panose="020B0604020202020204" pitchFamily="34" charset="0"/>
+              <a:buChar char="§"/>
+            </a:pPr>
+            <a:r>
+              <a:rPr lang="de-DE" sz="1900">
+                <a:solidFill>
+                  <a:schemeClr val="tx1">
+                    <a:alpha val="80000"/>
+                  </a:schemeClr>
+                </a:solidFill>
+                <a:latin typeface="Arial"/>
+                <a:cs typeface="Arial"/>
+              </a:rPr>
+              <a:t>Löschen</a:t>
+            </a:r>
+            <a:endParaRPr lang="en-US" sz="1900">
+              <a:solidFill>
+                <a:schemeClr val="tx1">
+                  <a:alpha val="80000"/>
+                </a:schemeClr>
+              </a:solidFill>
+              <a:latin typeface="Arial"/>
+              <a:cs typeface="Arial"/>
+            </a:endParaRPr>
+          </a:p>
+          <a:p>
+            <a:pPr lvl="1">
+              <a:buFont typeface="Courier New" panose="020B0604020202020204" pitchFamily="34" charset="0"/>
+              <a:buChar char="o"/>
+            </a:pPr>
+            <a:r>
+              <a:rPr lang="de-DE" sz="1900">
+                <a:solidFill>
+                  <a:schemeClr val="tx1">
+                    <a:alpha val="80000"/>
+                  </a:schemeClr>
+                </a:solidFill>
+                <a:latin typeface="Arial"/>
+                <a:cs typeface="Arial"/>
+              </a:rPr>
+              <a:t>Daten in einer von Visual Studio generierten MS-SQL Datenbank sichern</a:t>
+            </a:r>
+            <a:endParaRPr lang="de-DE" sz="1900">
+              <a:solidFill>
+                <a:schemeClr val="tx1">
+                  <a:alpha val="80000"/>
+                </a:schemeClr>
+              </a:solidFill>
+            </a:endParaRPr>
+          </a:p>
+        </p:txBody>
+      </p:sp>
+      <p:sp>
+        <p:nvSpPr>
+          <p:cNvPr id="17" name="!!dot graphic">
+            <a:extLst>
+              <a:ext uri="{FF2B5EF4-FFF2-40B4-BE49-F238E27FC236}">
+                <a16:creationId xmlns:a16="http://schemas.microsoft.com/office/drawing/2014/main" id="{E3020543-B24B-4EC4-8FFC-8DD88EEA91A8}"/>
+              </a:ext>
+              <a:ext uri="{C183D7F6-B498-43B3-948B-1728B52AA6E4}">
+                <adec:decorative xmlns:adec="http://schemas.microsoft.com/office/drawing/2017/decorative" val="1"/>
+              </a:ext>
+            </a:extLst>
+          </p:cNvPr>
+          <p:cNvSpPr>
+            <a:spLocks noGrp="1" noRot="1" noChangeAspect="1" noMove="1" noResize="1" noEditPoints="1" noAdjustHandles="1" noChangeArrowheads="1" noChangeShapeType="1" noTextEdit="1"/>
+          </p:cNvSpPr>
+          <p:nvPr>
+            <p:extLst>
+              <p:ext uri="{386F3935-93C4-4BCD-93E2-E3B085C9AB24}">
+                <p16:designElem xmlns:p16="http://schemas.microsoft.com/office/powerpoint/2015/main" val="1"/>
+              </p:ext>
+            </p:extLst>
+          </p:nvPr>
+        </p:nvSpPr>
+        <p:spPr>
+          <a:xfrm>
+            <a:off x="5454149" y="5775082"/>
+            <a:ext cx="112426" cy="112426"/>
+          </a:xfrm>
+          <a:custGeom>
+            <a:avLst/>
+            <a:gdLst>
+              <a:gd name="connsiteX0" fmla="*/ 112426 w 112426"/>
+              <a:gd name="connsiteY0" fmla="*/ 56213 h 112426"/>
+              <a:gd name="connsiteX1" fmla="*/ 56213 w 112426"/>
+              <a:gd name="connsiteY1" fmla="*/ 112426 h 112426"/>
+              <a:gd name="connsiteX2" fmla="*/ 0 w 112426"/>
+              <a:gd name="connsiteY2" fmla="*/ 56213 h 112426"/>
+              <a:gd name="connsiteX3" fmla="*/ 56213 w 112426"/>
+              <a:gd name="connsiteY3" fmla="*/ 0 h 112426"/>
+              <a:gd name="connsiteX4" fmla="*/ 112426 w 112426"/>
+              <a:gd name="connsiteY4" fmla="*/ 56213 h 112426"/>
+            </a:gdLst>
+            <a:ahLst/>
+            <a:cxnLst>
+              <a:cxn ang="0">
+                <a:pos x="connsiteX0" y="connsiteY0"/>
+              </a:cxn>
+              <a:cxn ang="0">
+                <a:pos x="connsiteX1" y="connsiteY1"/>
+              </a:cxn>
+              <a:cxn ang="0">
+                <a:pos x="connsiteX2" y="connsiteY2"/>
+              </a:cxn>
+              <a:cxn ang="0">
+                <a:pos x="connsiteX3" y="connsiteY3"/>
+              </a:cxn>
+              <a:cxn ang="0">
+                <a:pos x="connsiteX4" y="connsiteY4"/>
+              </a:cxn>
+            </a:cxnLst>
+            <a:rect l="l" t="t" r="r" b="b"/>
+            <a:pathLst>
+              <a:path w="112426" h="112426">
+                <a:moveTo>
+                  <a:pt x="112426" y="56213"/>
+                </a:moveTo>
+                <a:cubicBezTo>
+                  <a:pt x="112426" y="87259"/>
+                  <a:pt x="87259" y="112426"/>
+                  <a:pt x="56213" y="112426"/>
+                </a:cubicBezTo>
+                <a:cubicBezTo>
+                  <a:pt x="25167" y="112426"/>
+                  <a:pt x="0" y="87259"/>
+                  <a:pt x="0" y="56213"/>
+                </a:cubicBezTo>
+                <a:cubicBezTo>
+                  <a:pt x="0" y="25167"/>
+                  <a:pt x="25167" y="0"/>
+                  <a:pt x="56213" y="0"/>
+                </a:cubicBezTo>
+                <a:cubicBezTo>
+                  <a:pt x="87259" y="0"/>
+                  <a:pt x="112426" y="25167"/>
+                  <a:pt x="112426" y="56213"/>
+                </a:cubicBezTo>
+                <a:close/>
+              </a:path>
+            </a:pathLst>
+          </a:custGeom>
+          <a:solidFill>
+            <a:schemeClr val="accent1"/>
+          </a:solidFill>
+          <a:ln w="516" cap="flat">
+            <a:noFill/>
+            <a:prstDash val="solid"/>
+            <a:miter/>
+          </a:ln>
+        </p:spPr>
+        <p:txBody>
+          <a:bodyPr rtlCol="0" anchor="ctr"/>
+          <a:lstStyle/>
+          <a:p>
+            <a:endParaRPr lang="en-US"/>
+          </a:p>
+        </p:txBody>
+      </p:sp>
+      <p:cxnSp>
+        <p:nvCxnSpPr>
+          <p:cNvPr id="19" name="!!Straight Connector">
+            <a:extLst>
+              <a:ext uri="{FF2B5EF4-FFF2-40B4-BE49-F238E27FC236}">
+                <a16:creationId xmlns:a16="http://schemas.microsoft.com/office/drawing/2014/main" id="{C49DA8F6-BCC1-4447-B54C-57856834B94B}"/>
+              </a:ext>
+              <a:ext uri="{C183D7F6-B498-43B3-948B-1728B52AA6E4}">
+                <adec:decorative xmlns:adec="http://schemas.microsoft.com/office/drawing/2017/decorative" val="1"/>
+              </a:ext>
+            </a:extLst>
+          </p:cNvPr>
+          <p:cNvCxnSpPr>
+            <a:cxnSpLocks noGrp="1" noRot="1" noChangeAspect="1" noMove="1" noResize="1" noEditPoints="1" noAdjustHandles="1" noChangeArrowheads="1" noChangeShapeType="1"/>
+          </p:cNvCxnSpPr>
+          <p:nvPr>
+            <p:extLst>
+              <p:ext uri="{386F3935-93C4-4BCD-93E2-E3B085C9AB24}">
+                <p16:designElem xmlns:p16="http://schemas.microsoft.com/office/powerpoint/2015/main" val="1"/>
+              </p:ext>
+            </p:extLst>
+          </p:nvPr>
+        </p:nvCxnSpPr>
+        <p:spPr>
+          <a:xfrm>
+            <a:off x="11586162" y="3619272"/>
+            <a:ext cx="0" cy="3238728"/>
+          </a:xfrm>
+          <a:prstGeom prst="line">
+            <a:avLst/>
+          </a:prstGeom>
+          <a:ln w="25400" cap="sq">
+            <a:gradFill flip="none" rotWithShape="1">
+              <a:gsLst>
+                <a:gs pos="0">
+                  <a:schemeClr val="accent1"/>
+                </a:gs>
+                <a:gs pos="100000">
+                  <a:schemeClr val="accent2"/>
+                </a:gs>
+              </a:gsLst>
+              <a:lin ang="16200000" scaled="1"/>
+              <a:tileRect/>
+            </a:gradFill>
+            <a:bevel/>
+          </a:ln>
+        </p:spPr>
+        <p:style>
+          <a:lnRef idx="1">
+            <a:schemeClr val="accent1"/>
+          </a:lnRef>
+          <a:fillRef idx="0">
+            <a:schemeClr val="accent1"/>
+          </a:fillRef>
+          <a:effectRef idx="0">
+            <a:schemeClr val="accent1"/>
+          </a:effectRef>
+          <a:fontRef idx="minor">
+            <a:schemeClr val="tx1"/>
+          </a:fontRef>
+        </p:style>
+      </p:cxnSp>
+    </p:spTree>
+    <p:extLst>
+      <p:ext uri="{BB962C8B-B14F-4D97-AF65-F5344CB8AC3E}">
+        <p14:creationId xmlns:p14="http://schemas.microsoft.com/office/powerpoint/2010/main" val="4112922179"/>
+      </p:ext>
+    </p:extLst>
+  </p:cSld>
+  <p:clrMapOvr>
+    <a:masterClrMapping/>
+  </p:clrMapOvr>
+</p:sld>
+</file>
+
+<file path=ppt/slides/slide7.xml><?xml version="1.0" encoding="utf-8"?>
+<p:sld xmlns:a="http://schemas.openxmlformats.org/drawingml/2006/main" xmlns:r="http://schemas.openxmlformats.org/officeDocument/2006/relationships" xmlns:p="http://schemas.openxmlformats.org/presentationml/2006/main">
+  <p:cSld>
+    <p:bg>
+      <p:bgPr>
+        <a:solidFill>
+          <a:schemeClr val="bg1"/>
+        </a:solidFill>
+        <a:effectLst/>
+      </p:bgPr>
+    </p:bg>
+    <p:spTree>
+      <p:nvGrpSpPr>
+        <p:cNvPr id="1" name=""/>
+        <p:cNvGrpSpPr/>
+        <p:nvPr/>
+      </p:nvGrpSpPr>
+      <p:grpSpPr>
+        <a:xfrm>
+          <a:off x="0" y="0"/>
+          <a:ext cx="0" cy="0"/>
+          <a:chOff x="0" y="0"/>
+          <a:chExt cx="0" cy="0"/>
+        </a:xfrm>
+      </p:grpSpPr>
+      <p:sp useBgFill="1">
+        <p:nvSpPr>
+          <p:cNvPr id="44" name="Rectangle 36">
+            <a:extLst>
+              <a:ext uri="{FF2B5EF4-FFF2-40B4-BE49-F238E27FC236}">
+                <a16:creationId xmlns:a16="http://schemas.microsoft.com/office/drawing/2014/main" id="{FA69AAE0-49D5-4C8B-8BA2-55898C00E05E}"/>
+              </a:ext>
+              <a:ext uri="{C183D7F6-B498-43B3-948B-1728B52AA6E4}">
+                <adec:decorative xmlns:adec="http://schemas.microsoft.com/office/drawing/2017/decorative" val="1"/>
+              </a:ext>
+            </a:extLst>
+          </p:cNvPr>
+          <p:cNvSpPr>
+            <a:spLocks noGrp="1" noRot="1" noChangeAspect="1" noMove="1" noResize="1" noEditPoints="1" noAdjustHandles="1" noChangeArrowheads="1" noChangeShapeType="1" noTextEdit="1"/>
+          </p:cNvSpPr>
+          <p:nvPr>
+            <p:extLst>
+              <p:ext uri="{386F3935-93C4-4BCD-93E2-E3B085C9AB24}">
+                <p16:designElem xmlns:p16="http://schemas.microsoft.com/office/powerpoint/2015/main" val="1"/>
+              </p:ext>
+            </p:extLst>
+          </p:nvPr>
+        </p:nvSpPr>
+        <p:spPr>
+          <a:xfrm>
+            <a:off x="0" y="0"/>
+            <a:ext cx="12188952" cy="6858000"/>
+          </a:xfrm>
+          <a:prstGeom prst="rect">
+            <a:avLst/>
+          </a:prstGeom>
+          <a:ln>
+            <a:noFill/>
+          </a:ln>
+        </p:spPr>
+        <p:style>
+          <a:lnRef idx="2">
+            <a:schemeClr val="accent1">
+              <a:shade val="50000"/>
+            </a:schemeClr>
+          </a:lnRef>
+          <a:fillRef idx="1">
+            <a:schemeClr val="accent1"/>
+          </a:fillRef>
+          <a:effectRef idx="0">
+            <a:schemeClr val="accent1"/>
+          </a:effectRef>
+          <a:fontRef idx="minor">
+            <a:schemeClr val="lt1"/>
+          </a:fontRef>
+        </p:style>
+        <p:txBody>
+          <a:bodyPr rtlCol="0" anchor="ctr"/>
+          <a:lstStyle/>
+          <a:p>
+            <a:pPr algn="ctr"/>
+            <a:endParaRPr lang="en-US"/>
+          </a:p>
+        </p:txBody>
+      </p:sp>
+      <p:pic>
+        <p:nvPicPr>
+          <p:cNvPr id="7" name="Inhaltsplatzhalter 5" descr="Ein Bild, das Cartoon, Clipart, Dinosaurier, Animierter Cartoon enthält.">
+            <a:extLst>
+              <a:ext uri="{FF2B5EF4-FFF2-40B4-BE49-F238E27FC236}">
+                <a16:creationId xmlns:a16="http://schemas.microsoft.com/office/drawing/2014/main" id="{C533492E-31DC-D34C-8AE6-F1D9CF4257AD}"/>
+              </a:ext>
+            </a:extLst>
+          </p:cNvPr>
+          <p:cNvPicPr>
+            <a:picLocks noChangeAspect="1"/>
+          </p:cNvPicPr>
+          <p:nvPr/>
+        </p:nvPicPr>
+        <p:blipFill rotWithShape="1">
+          <a:blip r:embed="rId2">
+            <a:extLst>
+              <a:ext uri="{28A0092B-C50C-407E-A947-70E740481C1C}">
+                <a14:useLocalDpi xmlns:a14="http://schemas.microsoft.com/office/drawing/2010/main" val="0"/>
+              </a:ext>
+            </a:extLst>
+          </a:blip>
+          <a:srcRect t="5398" r="2" b="3585"/>
+          <a:stretch/>
+        </p:blipFill>
+        <p:spPr>
+          <a:xfrm>
+            <a:off x="-4" y="-4"/>
+            <a:ext cx="7534640" cy="6857984"/>
+          </a:xfrm>
+          <a:custGeom>
+            <a:avLst/>
+            <a:gdLst/>
+            <a:ahLst/>
+            <a:cxnLst/>
+            <a:rect l="l" t="t" r="r" b="b"/>
+            <a:pathLst>
+              <a:path w="7534640" h="6857984">
+                <a:moveTo>
+                  <a:pt x="0" y="0"/>
+                </a:moveTo>
+                <a:lnTo>
+                  <a:pt x="7534640" y="0"/>
+                </a:lnTo>
+                <a:lnTo>
+                  <a:pt x="7534640" y="3832811"/>
+                </a:lnTo>
+                <a:lnTo>
+                  <a:pt x="7344853" y="3826712"/>
+                </a:lnTo>
+                <a:cubicBezTo>
+                  <a:pt x="7344853" y="3826712"/>
+                  <a:pt x="7341511" y="3826712"/>
+                  <a:pt x="7341511" y="3826712"/>
+                </a:cubicBezTo>
+                <a:cubicBezTo>
+                  <a:pt x="7274667" y="3823370"/>
+                  <a:pt x="7211169" y="3823370"/>
+                  <a:pt x="7144324" y="3820027"/>
+                </a:cubicBezTo>
+                <a:cubicBezTo>
+                  <a:pt x="6913719" y="3820027"/>
+                  <a:pt x="6683113" y="3820027"/>
+                  <a:pt x="6455848" y="3820027"/>
+                </a:cubicBezTo>
+                <a:cubicBezTo>
+                  <a:pt x="6231926" y="3910265"/>
+                  <a:pt x="5987951" y="3833396"/>
+                  <a:pt x="5767372" y="3903581"/>
+                </a:cubicBezTo>
+                <a:cubicBezTo>
+                  <a:pt x="5533423" y="3900239"/>
+                  <a:pt x="5312845" y="3970423"/>
+                  <a:pt x="5082238" y="4000503"/>
+                </a:cubicBezTo>
+                <a:cubicBezTo>
+                  <a:pt x="4908446" y="4013871"/>
+                  <a:pt x="4731314" y="3997160"/>
+                  <a:pt x="4570892" y="4067345"/>
+                </a:cubicBezTo>
+                <a:cubicBezTo>
+                  <a:pt x="4447233" y="4124161"/>
+                  <a:pt x="4350312" y="4197688"/>
+                  <a:pt x="4483996" y="4348083"/>
+                </a:cubicBezTo>
+                <a:cubicBezTo>
+                  <a:pt x="4644419" y="4344742"/>
+                  <a:pt x="4627708" y="4598742"/>
+                  <a:pt x="4788129" y="4561979"/>
+                </a:cubicBezTo>
+                <a:cubicBezTo>
+                  <a:pt x="4754709" y="4678954"/>
+                  <a:pt x="4641076" y="4618795"/>
+                  <a:pt x="4600971" y="4705690"/>
+                </a:cubicBezTo>
+                <a:cubicBezTo>
+                  <a:pt x="4684524" y="4779217"/>
+                  <a:pt x="4844945" y="4725744"/>
+                  <a:pt x="4871683" y="4879480"/>
+                </a:cubicBezTo>
+                <a:cubicBezTo>
+                  <a:pt x="4838262" y="5039902"/>
+                  <a:pt x="4945210" y="5019849"/>
+                  <a:pt x="5032105" y="5029876"/>
+                </a:cubicBezTo>
+                <a:cubicBezTo>
+                  <a:pt x="5239317" y="5049930"/>
+                  <a:pt x="5439843" y="5063297"/>
+                  <a:pt x="5643713" y="5096719"/>
+                </a:cubicBezTo>
+                <a:cubicBezTo>
+                  <a:pt x="5693844" y="5106745"/>
+                  <a:pt x="5810819" y="5083350"/>
+                  <a:pt x="5800794" y="5186956"/>
+                </a:cubicBezTo>
+                <a:cubicBezTo>
+                  <a:pt x="5790767" y="5270508"/>
+                  <a:pt x="5700529" y="5240431"/>
+                  <a:pt x="5643713" y="5243772"/>
+                </a:cubicBezTo>
+                <a:cubicBezTo>
+                  <a:pt x="5329553" y="5283879"/>
+                  <a:pt x="5012052" y="5220378"/>
+                  <a:pt x="4701235" y="5223719"/>
+                </a:cubicBezTo>
+                <a:cubicBezTo>
+                  <a:pt x="4664472" y="5223719"/>
+                  <a:pt x="4657787" y="5334009"/>
+                  <a:pt x="4577576" y="5297246"/>
+                </a:cubicBezTo>
+                <a:cubicBezTo>
+                  <a:pt x="4788129" y="5397510"/>
+                  <a:pt x="5767372" y="5424248"/>
+                  <a:pt x="6094900" y="5477721"/>
+                </a:cubicBezTo>
+                <a:cubicBezTo>
+                  <a:pt x="5754004" y="5858724"/>
+                  <a:pt x="5429817" y="5628117"/>
+                  <a:pt x="5159105" y="5842012"/>
+                </a:cubicBezTo>
+                <a:cubicBezTo>
+                  <a:pt x="5159105" y="5842012"/>
+                  <a:pt x="5212580" y="5842012"/>
+                  <a:pt x="5443187" y="5912197"/>
+                </a:cubicBezTo>
+                <a:cubicBezTo>
+                  <a:pt x="5627002" y="5969012"/>
+                  <a:pt x="5536765" y="6049223"/>
+                  <a:pt x="6001321" y="6202962"/>
+                </a:cubicBezTo>
+                <a:cubicBezTo>
+                  <a:pt x="5824188" y="6253093"/>
+                  <a:pt x="5593581" y="6156172"/>
+                  <a:pt x="5506685" y="6416857"/>
+                </a:cubicBezTo>
+                <a:cubicBezTo>
+                  <a:pt x="5643713" y="6463648"/>
+                  <a:pt x="5807477" y="6420200"/>
+                  <a:pt x="5904398" y="6543858"/>
+                </a:cubicBezTo>
+                <a:cubicBezTo>
+                  <a:pt x="5934478" y="6580622"/>
+                  <a:pt x="5964557" y="6604017"/>
+                  <a:pt x="6001321" y="6624068"/>
+                </a:cubicBezTo>
+                <a:cubicBezTo>
+                  <a:pt x="5984612" y="6630754"/>
+                  <a:pt x="5964557" y="6637437"/>
+                  <a:pt x="5951188" y="6644121"/>
+                </a:cubicBezTo>
+                <a:cubicBezTo>
+                  <a:pt x="5977925" y="6667518"/>
+                  <a:pt x="6663060" y="6794517"/>
+                  <a:pt x="6836850" y="6797860"/>
+                </a:cubicBezTo>
+                <a:cubicBezTo>
+                  <a:pt x="6761652" y="6822926"/>
+                  <a:pt x="6636845" y="6844075"/>
+                  <a:pt x="6553814" y="6856412"/>
+                </a:cubicBezTo>
+                <a:lnTo>
+                  <a:pt x="6542822" y="6857984"/>
+                </a:lnTo>
+                <a:lnTo>
+                  <a:pt x="0" y="6857984"/>
+                </a:lnTo>
+                <a:close/>
+              </a:path>
+            </a:pathLst>
+          </a:custGeom>
+        </p:spPr>
+      </p:pic>
+      <p:sp>
+        <p:nvSpPr>
+          <p:cNvPr id="2" name="Titel 1">
+            <a:extLst>
+              <a:ext uri="{FF2B5EF4-FFF2-40B4-BE49-F238E27FC236}">
+                <a16:creationId xmlns:a16="http://schemas.microsoft.com/office/drawing/2014/main" id="{119CB0CD-DC4B-1D5E-F396-D866F5D46E0F}"/>
+              </a:ext>
+            </a:extLst>
+          </p:cNvPr>
+          <p:cNvSpPr>
+            <a:spLocks noGrp="1"/>
+          </p:cNvSpPr>
+          <p:nvPr>
+            <p:ph type="title"/>
+          </p:nvPr>
+        </p:nvSpPr>
+        <p:spPr>
+          <a:xfrm>
+            <a:off x="6343650" y="3962400"/>
+            <a:ext cx="5505814" cy="1690409"/>
+          </a:xfrm>
+        </p:spPr>
+        <p:txBody>
+          <a:bodyPr vert="horz" lIns="91440" tIns="45720" rIns="91440" bIns="45720" rtlCol="0" anchor="b">
+            <a:normAutofit/>
+          </a:bodyPr>
+          <a:lstStyle/>
+          <a:p>
+            <a:r>
+              <a:rPr lang="en-US" sz="5400" kern="1200" err="1">
+                <a:latin typeface="+mj-lt"/>
+                <a:ea typeface="+mj-ea"/>
+                <a:cs typeface="+mj-cs"/>
+              </a:rPr>
+              <a:t>Fazit</a:t>
+            </a:r>
+            <a:endParaRPr lang="en-US" sz="5400" kern="1200">
+              <a:latin typeface="+mj-lt"/>
+            </a:endParaRPr>
+          </a:p>
+        </p:txBody>
+      </p:sp>
+      <p:pic>
+        <p:nvPicPr>
+          <p:cNvPr id="8" name="Inhaltsplatzhalter 7" descr="Ein Bild, das Clipart, Cartoon, Design enthält.&#10;&#10;Beschreibung automatisch generiert.">
+            <a:extLst>
+              <a:ext uri="{FF2B5EF4-FFF2-40B4-BE49-F238E27FC236}">
+                <a16:creationId xmlns:a16="http://schemas.microsoft.com/office/drawing/2014/main" id="{277B9028-3290-545E-D967-FFC5460A473F}"/>
+              </a:ext>
+            </a:extLst>
+          </p:cNvPr>
+          <p:cNvPicPr>
+            <a:picLocks noChangeAspect="1"/>
+          </p:cNvPicPr>
+          <p:nvPr/>
+        </p:nvPicPr>
+        <p:blipFill rotWithShape="1">
+          <a:blip r:embed="rId3"/>
+          <a:srcRect t="5178" r="-1" b="9176"/>
+          <a:stretch/>
+        </p:blipFill>
+        <p:spPr>
+          <a:xfrm>
+            <a:off x="7653541" y="6"/>
+            <a:ext cx="4538463" cy="3877247"/>
+          </a:xfrm>
+          <a:custGeom>
+            <a:avLst/>
+            <a:gdLst/>
+            <a:ahLst/>
+            <a:cxnLst/>
+            <a:rect l="l" t="t" r="r" b="b"/>
+            <a:pathLst>
+              <a:path w="4538463" h="3877247">
+                <a:moveTo>
+                  <a:pt x="0" y="0"/>
+                </a:moveTo>
+                <a:lnTo>
+                  <a:pt x="4538463" y="0"/>
+                </a:lnTo>
+                <a:lnTo>
+                  <a:pt x="4538463" y="3437173"/>
+                </a:lnTo>
+                <a:lnTo>
+                  <a:pt x="4530710" y="3429000"/>
+                </a:lnTo>
+                <a:cubicBezTo>
+                  <a:pt x="4370289" y="3495842"/>
+                  <a:pt x="4239946" y="3686344"/>
+                  <a:pt x="4056129" y="3636211"/>
+                </a:cubicBezTo>
+                <a:cubicBezTo>
+                  <a:pt x="3872313" y="3589422"/>
+                  <a:pt x="3788760" y="3830055"/>
+                  <a:pt x="3618310" y="3756528"/>
+                </a:cubicBezTo>
+                <a:cubicBezTo>
+                  <a:pt x="3394389" y="3823371"/>
+                  <a:pt x="3163783" y="3823371"/>
+                  <a:pt x="2933176" y="3810002"/>
+                </a:cubicBezTo>
+                <a:cubicBezTo>
+                  <a:pt x="2702570" y="3840081"/>
+                  <a:pt x="2471962" y="3873503"/>
+                  <a:pt x="2238015" y="3850107"/>
+                </a:cubicBezTo>
+                <a:cubicBezTo>
+                  <a:pt x="2007408" y="3870161"/>
+                  <a:pt x="1783486" y="3883529"/>
+                  <a:pt x="1552880" y="3863476"/>
+                </a:cubicBezTo>
+                <a:cubicBezTo>
+                  <a:pt x="1322274" y="3886870"/>
+                  <a:pt x="1091667" y="3876844"/>
+                  <a:pt x="864402" y="3860134"/>
+                </a:cubicBezTo>
+                <a:cubicBezTo>
+                  <a:pt x="757455" y="3860134"/>
+                  <a:pt x="653849" y="3856792"/>
+                  <a:pt x="546902" y="3856792"/>
+                </a:cubicBezTo>
+                <a:cubicBezTo>
+                  <a:pt x="404861" y="3850108"/>
+                  <a:pt x="262821" y="3845095"/>
+                  <a:pt x="120363" y="3840499"/>
+                </a:cubicBezTo>
+                <a:lnTo>
+                  <a:pt x="0" y="3836632"/>
+                </a:lnTo>
+                <a:close/>
+              </a:path>
+            </a:pathLst>
+          </a:custGeom>
+        </p:spPr>
+      </p:pic>
+    </p:spTree>
+    <p:extLst>
+      <p:ext uri="{BB962C8B-B14F-4D97-AF65-F5344CB8AC3E}">
+        <p14:creationId xmlns:p14="http://schemas.microsoft.com/office/powerpoint/2010/main" val="3744866046"/>
       </p:ext>
     </p:extLst>
   </p:cSld>
@@ -7373,4 +11059,319 @@
     </a:ext>
   </a:extLst>
 </a:theme>
+</file>
+
+<file path=ppt/theme/theme2.xml><?xml version="1.0" encoding="utf-8"?>
+<a:theme xmlns:a="http://schemas.openxmlformats.org/drawingml/2006/main" name="Office">
+  <a:themeElements>
+    <a:clrScheme name="Office">
+      <a:dk1>
+        <a:sysClr val="windowText" lastClr="000000"/>
+      </a:dk1>
+      <a:lt1>
+        <a:sysClr val="window" lastClr="FFFFFF"/>
+      </a:lt1>
+      <a:dk2>
+        <a:srgbClr val="0E2841"/>
+      </a:dk2>
+      <a:lt2>
+        <a:srgbClr val="E8E8E8"/>
+      </a:lt2>
+      <a:accent1>
+        <a:srgbClr val="156082"/>
+      </a:accent1>
+      <a:accent2>
+        <a:srgbClr val="E97132"/>
+      </a:accent2>
+      <a:accent3>
+        <a:srgbClr val="196B24"/>
+      </a:accent3>
+      <a:accent4>
+        <a:srgbClr val="0F9ED5"/>
+      </a:accent4>
+      <a:accent5>
+        <a:srgbClr val="A02B93"/>
+      </a:accent5>
+      <a:accent6>
+        <a:srgbClr val="4EA72E"/>
+      </a:accent6>
+      <a:hlink>
+        <a:srgbClr val="467886"/>
+      </a:hlink>
+      <a:folHlink>
+        <a:srgbClr val="96607D"/>
+      </a:folHlink>
+    </a:clrScheme>
+    <a:fontScheme name="Office">
+      <a:majorFont>
+        <a:latin typeface="Aptos Display" panose="02110004020202020204"/>
+        <a:ea typeface=""/>
+        <a:cs typeface=""/>
+        <a:font script="Jpan" typeface="游ゴシック Light"/>
+        <a:font script="Hang" typeface="맑은 고딕"/>
+        <a:font script="Hans" typeface="等线 Light"/>
+        <a:font script="Hant" typeface="新細明體"/>
+        <a:font script="Arab" typeface="Times New Roman"/>
+        <a:font script="Hebr" typeface="Times New Roman"/>
+        <a:font script="Thai" typeface="Angsana New"/>
+        <a:font script="Ethi" typeface="Nyala"/>
+        <a:font script="Beng" typeface="Vrinda"/>
+        <a:font script="Gujr" typeface="Shruti"/>
+        <a:font script="Khmr" typeface="MoolBoran"/>
+        <a:font script="Knda" typeface="Tunga"/>
+        <a:font script="Guru" typeface="Raavi"/>
+        <a:font script="Cans" typeface="Euphemia"/>
+        <a:font script="Cher" typeface="Plantagenet Cherokee"/>
+        <a:font script="Yiii" typeface="Microsoft Yi Baiti"/>
+        <a:font script="Tibt" typeface="Microsoft Himalaya"/>
+        <a:font script="Thaa" typeface="MV Boli"/>
+        <a:font script="Deva" typeface="Mangal"/>
+        <a:font script="Telu" typeface="Gautami"/>
+        <a:font script="Taml" typeface="Latha"/>
+        <a:font script="Syrc" typeface="Estrangelo Edessa"/>
+        <a:font script="Orya" typeface="Kalinga"/>
+        <a:font script="Mlym" typeface="Kartika"/>
+        <a:font script="Laoo" typeface="DokChampa"/>
+        <a:font script="Sinh" typeface="Iskoola Pota"/>
+        <a:font script="Mong" typeface="Mongolian Baiti"/>
+        <a:font script="Viet" typeface="Times New Roman"/>
+        <a:font script="Uigh" typeface="Microsoft Uighur"/>
+        <a:font script="Geor" typeface="Sylfaen"/>
+        <a:font script="Armn" typeface="Arial"/>
+        <a:font script="Bugi" typeface="Leelawadee UI"/>
+        <a:font script="Bopo" typeface="Microsoft JhengHei"/>
+        <a:font script="Java" typeface="Javanese Text"/>
+        <a:font script="Lisu" typeface="Segoe UI"/>
+        <a:font script="Mymr" typeface="Myanmar Text"/>
+        <a:font script="Nkoo" typeface="Ebrima"/>
+        <a:font script="Olck" typeface="Nirmala UI"/>
+        <a:font script="Osma" typeface="Ebrima"/>
+        <a:font script="Phag" typeface="Phagspa"/>
+        <a:font script="Syrn" typeface="Estrangelo Edessa"/>
+        <a:font script="Syrj" typeface="Estrangelo Edessa"/>
+        <a:font script="Syre" typeface="Estrangelo Edessa"/>
+        <a:font script="Sora" typeface="Nirmala UI"/>
+        <a:font script="Tale" typeface="Microsoft Tai Le"/>
+        <a:font script="Talu" typeface="Microsoft New Tai Lue"/>
+        <a:font script="Tfng" typeface="Ebrima"/>
+      </a:majorFont>
+      <a:minorFont>
+        <a:latin typeface="Aptos" panose="02110004020202020204"/>
+        <a:ea typeface=""/>
+        <a:cs typeface=""/>
+        <a:font script="Jpan" typeface="游ゴシック"/>
+        <a:font script="Hang" typeface="맑은 고딕"/>
+        <a:font script="Hans" typeface="等线"/>
+        <a:font script="Hant" typeface="新細明體"/>
+        <a:font script="Arab" typeface="Arial"/>
+        <a:font script="Hebr" typeface="Arial"/>
+        <a:font script="Thai" typeface="Cordia New"/>
+        <a:font script="Ethi" typeface="Nyala"/>
+        <a:font script="Beng" typeface="Vrinda"/>
+        <a:font script="Gujr" typeface="Shruti"/>
+        <a:font script="Khmr" typeface="DaunPenh"/>
+        <a:font script="Knda" typeface="Tunga"/>
+        <a:font script="Guru" typeface="Raavi"/>
+        <a:font script="Cans" typeface="Euphemia"/>
+        <a:font script="Cher" typeface="Plantagenet Cherokee"/>
+        <a:font script="Yiii" typeface="Microsoft Yi Baiti"/>
+        <a:font script="Tibt" typeface="Microsoft Himalaya"/>
+        <a:font script="Thaa" typeface="MV Boli"/>
+        <a:font script="Deva" typeface="Mangal"/>
+        <a:font script="Telu" typeface="Gautami"/>
+        <a:font script="Taml" typeface="Latha"/>
+        <a:font script="Syrc" typeface="Estrangelo Edessa"/>
+        <a:font script="Orya" typeface="Kalinga"/>
+        <a:font script="Mlym" typeface="Kartika"/>
+        <a:font script="Laoo" typeface="DokChampa"/>
+        <a:font script="Sinh" typeface="Iskoola Pota"/>
+        <a:font script="Mong" typeface="Mongolian Baiti"/>
+        <a:font script="Viet" typeface="Arial"/>
+        <a:font script="Uigh" typeface="Microsoft Uighur"/>
+        <a:font script="Geor" typeface="Sylfaen"/>
+        <a:font script="Armn" typeface="Arial"/>
+        <a:font script="Bugi" typeface="Leelawadee UI"/>
+        <a:font script="Bopo" typeface="Microsoft JhengHei"/>
+        <a:font script="Java" typeface="Javanese Text"/>
+        <a:font script="Lisu" typeface="Segoe UI"/>
+        <a:font script="Mymr" typeface="Myanmar Text"/>
+        <a:font script="Nkoo" typeface="Ebrima"/>
+        <a:font script="Olck" typeface="Nirmala UI"/>
+        <a:font script="Osma" typeface="Ebrima"/>
+        <a:font script="Phag" typeface="Phagspa"/>
+        <a:font script="Syrn" typeface="Estrangelo Edessa"/>
+        <a:font script="Syrj" typeface="Estrangelo Edessa"/>
+        <a:font script="Syre" typeface="Estrangelo Edessa"/>
+        <a:font script="Sora" typeface="Nirmala UI"/>
+        <a:font script="Tale" typeface="Microsoft Tai Le"/>
+        <a:font script="Talu" typeface="Microsoft New Tai Lue"/>
+        <a:font script="Tfng" typeface="Ebrima"/>
+      </a:minorFont>
+    </a:fontScheme>
+    <a:fmtScheme name="Office">
+      <a:fillStyleLst>
+        <a:solidFill>
+          <a:schemeClr val="phClr"/>
+        </a:solidFill>
+        <a:gradFill rotWithShape="1">
+          <a:gsLst>
+            <a:gs pos="0">
+              <a:schemeClr val="phClr">
+                <a:lumMod val="110000"/>
+                <a:satMod val="105000"/>
+                <a:tint val="67000"/>
+              </a:schemeClr>
+            </a:gs>
+            <a:gs pos="50000">
+              <a:schemeClr val="phClr">
+                <a:lumMod val="105000"/>
+                <a:satMod val="103000"/>
+                <a:tint val="73000"/>
+              </a:schemeClr>
+            </a:gs>
+            <a:gs pos="100000">
+              <a:schemeClr val="phClr">
+                <a:lumMod val="105000"/>
+                <a:satMod val="109000"/>
+                <a:tint val="81000"/>
+              </a:schemeClr>
+            </a:gs>
+          </a:gsLst>
+          <a:lin ang="5400000" scaled="0"/>
+        </a:gradFill>
+        <a:gradFill rotWithShape="1">
+          <a:gsLst>
+            <a:gs pos="0">
+              <a:schemeClr val="phClr">
+                <a:satMod val="103000"/>
+                <a:lumMod val="102000"/>
+                <a:tint val="94000"/>
+              </a:schemeClr>
+            </a:gs>
+            <a:gs pos="50000">
+              <a:schemeClr val="phClr">
+                <a:satMod val="110000"/>
+                <a:lumMod val="100000"/>
+                <a:shade val="100000"/>
+              </a:schemeClr>
+            </a:gs>
+            <a:gs pos="100000">
+              <a:schemeClr val="phClr">
+                <a:lumMod val="99000"/>
+                <a:satMod val="120000"/>
+                <a:shade val="78000"/>
+              </a:schemeClr>
+            </a:gs>
+          </a:gsLst>
+          <a:lin ang="5400000" scaled="0"/>
+        </a:gradFill>
+      </a:fillStyleLst>
+      <a:lnStyleLst>
+        <a:ln w="12700" cap="flat" cmpd="sng" algn="ctr">
+          <a:solidFill>
+            <a:schemeClr val="phClr"/>
+          </a:solidFill>
+          <a:prstDash val="solid"/>
+          <a:miter lim="800000"/>
+        </a:ln>
+        <a:ln w="19050" cap="flat" cmpd="sng" algn="ctr">
+          <a:solidFill>
+            <a:schemeClr val="phClr"/>
+          </a:solidFill>
+          <a:prstDash val="solid"/>
+          <a:miter lim="800000"/>
+        </a:ln>
+        <a:ln w="25400" cap="flat" cmpd="sng" algn="ctr">
+          <a:solidFill>
+            <a:schemeClr val="phClr"/>
+          </a:solidFill>
+          <a:prstDash val="solid"/>
+          <a:miter lim="800000"/>
+        </a:ln>
+      </a:lnStyleLst>
+      <a:effectStyleLst>
+        <a:effectStyle>
+          <a:effectLst/>
+        </a:effectStyle>
+        <a:effectStyle>
+          <a:effectLst/>
+        </a:effectStyle>
+        <a:effectStyle>
+          <a:effectLst>
+            <a:outerShdw blurRad="57150" dist="19050" dir="5400000" algn="ctr" rotWithShape="0">
+              <a:srgbClr val="000000">
+                <a:alpha val="63000"/>
+              </a:srgbClr>
+            </a:outerShdw>
+          </a:effectLst>
+        </a:effectStyle>
+      </a:effectStyleLst>
+      <a:bgFillStyleLst>
+        <a:solidFill>
+          <a:schemeClr val="phClr"/>
+        </a:solidFill>
+        <a:solidFill>
+          <a:schemeClr val="phClr">
+            <a:tint val="95000"/>
+            <a:satMod val="170000"/>
+          </a:schemeClr>
+        </a:solidFill>
+        <a:gradFill rotWithShape="1">
+          <a:gsLst>
+            <a:gs pos="0">
+              <a:schemeClr val="phClr">
+                <a:tint val="93000"/>
+                <a:satMod val="150000"/>
+                <a:shade val="98000"/>
+                <a:lumMod val="102000"/>
+              </a:schemeClr>
+            </a:gs>
+            <a:gs pos="50000">
+              <a:schemeClr val="phClr">
+                <a:tint val="98000"/>
+                <a:satMod val="130000"/>
+                <a:shade val="90000"/>
+                <a:lumMod val="103000"/>
+              </a:schemeClr>
+            </a:gs>
+            <a:gs pos="100000">
+              <a:schemeClr val="phClr">
+                <a:shade val="63000"/>
+                <a:satMod val="120000"/>
+              </a:schemeClr>
+            </a:gs>
+          </a:gsLst>
+          <a:lin ang="5400000" scaled="0"/>
+        </a:gradFill>
+      </a:bgFillStyleLst>
+    </a:fmtScheme>
+  </a:themeElements>
+  <a:objectDefaults>
+    <a:lnDef>
+      <a:spPr/>
+      <a:bodyPr/>
+      <a:lstStyle/>
+      <a:style>
+        <a:lnRef idx="2">
+          <a:schemeClr val="accent1"/>
+        </a:lnRef>
+        <a:fillRef idx="0">
+          <a:schemeClr val="accent1"/>
+        </a:fillRef>
+        <a:effectRef idx="1">
+          <a:schemeClr val="accent1"/>
+        </a:effectRef>
+        <a:fontRef idx="minor">
+          <a:schemeClr val="tx1"/>
+        </a:fontRef>
+      </a:style>
+    </a:lnDef>
+  </a:objectDefaults>
+  <a:extraClrSchemeLst/>
+  <a:extLst>
+    <a:ext uri="{05A4C25C-085E-4340-85A3-A5531E510DB2}">
+      <thm15:themeFamily xmlns:thm15="http://schemas.microsoft.com/office/thememl/2012/main" name="Office Theme" id="{2E142A2C-CD16-42D6-873A-C26D2A0506FA}" vid="{1BDDFF52-6CD6-40A5-AB3C-68EB2F1E4D0A}"/>
+    </a:ext>
+  </a:extLst>
+</a:theme>
 </file>